--- a/doc/X-series V2.pptx
+++ b/doc/X-series V2.pptx
@@ -12656,12 +12656,12 @@
           <a:p>
             <a:pPr eaLnBrk="1" hangingPunct="1"/>
             <a:r>
+              <a:rPr lang="en-US" altLang="zh-CN" sz="2800" dirty="0" smtClean="0"/>
+              <a:t>X-Series </a:t>
+            </a:r>
+            <a:r>
               <a:rPr lang="zh-CN" altLang="en-US" sz="2800" dirty="0" smtClean="0"/>
-              <a:t>解决之道 </a:t>
-            </a:r>
-            <a:r>
-              <a:rPr lang="en-US" altLang="zh-CN" sz="2800" smtClean="0"/>
-              <a:t>[TBD]</a:t>
+              <a:t>组件</a:t>
             </a:r>
             <a:endParaRPr lang="zh-CN" altLang="en-US" sz="2800" dirty="0" smtClean="0"/>
           </a:p>
@@ -12784,6 +12784,14 @@
               <a:rPr lang="en-US" altLang="en-US" dirty="0" err="1" smtClean="0"/>
               <a:t>Xeda</a:t>
             </a:r>
+            <a:r>
+              <a:rPr lang="en-US" altLang="en-US" smtClean="0"/>
+              <a:t> </a:t>
+            </a:r>
+            <a:r>
+              <a:rPr lang="en-US" altLang="zh-CN" smtClean="0"/>
+              <a:t>[WIP]</a:t>
+            </a:r>
             <a:endParaRPr lang="en-US" altLang="en-US" dirty="0" smtClean="0"/>
           </a:p>
           <a:p>
@@ -12797,7 +12805,11 @@
             <a:pPr lvl="1" eaLnBrk="1" hangingPunct="1"/>
             <a:r>
               <a:rPr lang="zh-CN" altLang="en-US" dirty="0" smtClean="0"/>
-              <a:t>运行平台级别</a:t>
+              <a:t>运行平台</a:t>
+            </a:r>
+            <a:r>
+              <a:rPr lang="zh-CN" altLang="en-US" dirty="0" smtClean="0"/>
+              <a:t>级别</a:t>
             </a:r>
             <a:endParaRPr lang="en-US" altLang="en-US" dirty="0" smtClean="0"/>
           </a:p>

--- a/doc/X-series V2.pptx
+++ b/doc/X-series V2.pptx
@@ -5,7 +5,7 @@
     <p:sldMasterId id="2147483651" r:id="rId1"/>
   </p:sldMasterIdLst>
   <p:notesMasterIdLst>
-    <p:notesMasterId r:id="rId47"/>
+    <p:notesMasterId r:id="rId49"/>
   </p:notesMasterIdLst>
   <p:sldIdLst>
     <p:sldId id="256" r:id="rId2"/>
@@ -31,28 +31,30 @@
     <p:sldId id="328" r:id="rId22"/>
     <p:sldId id="325" r:id="rId23"/>
     <p:sldId id="344" r:id="rId24"/>
-    <p:sldId id="362" r:id="rId25"/>
-    <p:sldId id="339" r:id="rId26"/>
-    <p:sldId id="363" r:id="rId27"/>
-    <p:sldId id="364" r:id="rId28"/>
-    <p:sldId id="346" r:id="rId29"/>
-    <p:sldId id="313" r:id="rId30"/>
-    <p:sldId id="329" r:id="rId31"/>
-    <p:sldId id="330" r:id="rId32"/>
-    <p:sldId id="347" r:id="rId33"/>
-    <p:sldId id="317" r:id="rId34"/>
-    <p:sldId id="318" r:id="rId35"/>
-    <p:sldId id="332" r:id="rId36"/>
-    <p:sldId id="342" r:id="rId37"/>
-    <p:sldId id="343" r:id="rId38"/>
-    <p:sldId id="353" r:id="rId39"/>
-    <p:sldId id="315" r:id="rId40"/>
-    <p:sldId id="352" r:id="rId41"/>
-    <p:sldId id="348" r:id="rId42"/>
-    <p:sldId id="319" r:id="rId43"/>
-    <p:sldId id="354" r:id="rId44"/>
-    <p:sldId id="349" r:id="rId45"/>
-    <p:sldId id="316" r:id="rId46"/>
+    <p:sldId id="372" r:id="rId25"/>
+    <p:sldId id="373" r:id="rId26"/>
+    <p:sldId id="362" r:id="rId27"/>
+    <p:sldId id="339" r:id="rId28"/>
+    <p:sldId id="363" r:id="rId29"/>
+    <p:sldId id="364" r:id="rId30"/>
+    <p:sldId id="346" r:id="rId31"/>
+    <p:sldId id="313" r:id="rId32"/>
+    <p:sldId id="329" r:id="rId33"/>
+    <p:sldId id="330" r:id="rId34"/>
+    <p:sldId id="347" r:id="rId35"/>
+    <p:sldId id="317" r:id="rId36"/>
+    <p:sldId id="318" r:id="rId37"/>
+    <p:sldId id="332" r:id="rId38"/>
+    <p:sldId id="342" r:id="rId39"/>
+    <p:sldId id="343" r:id="rId40"/>
+    <p:sldId id="353" r:id="rId41"/>
+    <p:sldId id="315" r:id="rId42"/>
+    <p:sldId id="352" r:id="rId43"/>
+    <p:sldId id="348" r:id="rId44"/>
+    <p:sldId id="319" r:id="rId45"/>
+    <p:sldId id="354" r:id="rId46"/>
+    <p:sldId id="349" r:id="rId47"/>
+    <p:sldId id="316" r:id="rId48"/>
   </p:sldIdLst>
   <p:sldSz cx="9144000" cy="6858000" type="screen4x3"/>
   <p:notesSz cx="6858000" cy="9144000"/>
@@ -5340,7 +5342,11 @@
             </a:r>
             <a:r>
               <a:rPr lang="zh-CN" altLang="en-US" dirty="0" smtClean="0"/>
-              <a:t>度和维护成本</a:t>
+              <a:t>度和维护</a:t>
+            </a:r>
+            <a:r>
+              <a:rPr lang="zh-CN" altLang="en-US" dirty="0" smtClean="0"/>
+              <a:t>成本</a:t>
             </a:r>
             <a:endParaRPr lang="en-US" altLang="zh-CN" dirty="0" smtClean="0"/>
           </a:p>
@@ -5406,7 +5412,11 @@
           <a:p>
             <a:r>
               <a:rPr lang="zh-CN" altLang="en-US" dirty="0" smtClean="0"/>
-              <a:t>易于沟通</a:t>
+              <a:t>易于</a:t>
+            </a:r>
+            <a:r>
+              <a:rPr lang="zh-CN" altLang="en-US" dirty="0" smtClean="0"/>
+              <a:t>沟通</a:t>
             </a:r>
             <a:endParaRPr lang="en-US" altLang="zh-CN" dirty="0" smtClean="0"/>
           </a:p>
@@ -7206,9 +7216,14 @@
           <a:p>
             <a:pPr eaLnBrk="1" hangingPunct="1"/>
             <a:r>
+              <a:rPr lang="zh-CN" altLang="en-US" sz="2800" dirty="0"/>
+              <a:t>提高</a:t>
+            </a:r>
+            <a:r>
               <a:rPr lang="zh-CN" altLang="en-US" sz="2800" dirty="0" smtClean="0"/>
-              <a:t>Xross Unit</a:t>
-            </a:r>
+              <a:t>开发效率和质量</a:t>
+            </a:r>
+            <a:endParaRPr lang="zh-CN" altLang="en-US" sz="2800" dirty="0" smtClean="0"/>
           </a:p>
         </p:txBody>
       </p:sp>
@@ -7233,12 +7248,14 @@
               </a:lnSpc>
             </a:pPr>
             <a:r>
-              <a:rPr lang="zh-CN" altLang="en-US" sz="1800" dirty="0" smtClean="0">
-                <a:sym typeface="Arial" pitchFamily="34" charset="0"/>
-              </a:rPr>
-              <a:t>快速组建系统</a:t>
-            </a:r>
-            <a:endParaRPr lang="en-US" altLang="zh-CN" sz="1800" dirty="0">
+              <a:rPr lang="zh-CN" altLang="en-US" sz="1800" dirty="0"/>
+              <a:t>提高开发</a:t>
+            </a:r>
+            <a:r>
+              <a:rPr lang="zh-CN" altLang="en-US" sz="1800" dirty="0" smtClean="0"/>
+              <a:t>效率</a:t>
+            </a:r>
+            <a:endParaRPr lang="en-US" altLang="zh-CN" sz="1800" dirty="0" smtClean="0">
               <a:sym typeface="Arial" pitchFamily="34" charset="0"/>
             </a:endParaRPr>
           </a:p>
@@ -7249,22 +7266,10 @@
               </a:lnSpc>
             </a:pPr>
             <a:r>
-              <a:rPr lang="zh-CN" altLang="en-US" sz="1400" dirty="0" smtClean="0">
-                <a:sym typeface="Arial" pitchFamily="34" charset="0"/>
-              </a:rPr>
-              <a:t>自顶向下分解，组件化设计，</a:t>
-            </a:r>
-            <a:r>
               <a:rPr lang="zh-CN" altLang="en-US" sz="1400" dirty="0">
                 <a:sym typeface="Arial" pitchFamily="34" charset="0"/>
               </a:rPr>
-              <a:t>流水线式</a:t>
-            </a:r>
-            <a:r>
-              <a:rPr lang="zh-CN" altLang="en-US" sz="1400" dirty="0" smtClean="0">
-                <a:sym typeface="Arial" pitchFamily="34" charset="0"/>
-              </a:rPr>
-              <a:t>开发</a:t>
+              <a:t>快速组建系统</a:t>
             </a:r>
             <a:endParaRPr lang="en-US" altLang="zh-CN" sz="1400" dirty="0" smtClean="0">
               <a:sym typeface="Arial" pitchFamily="34" charset="0"/>
@@ -7277,11 +7282,20 @@
               </a:lnSpc>
             </a:pPr>
             <a:r>
-              <a:rPr lang="zh-CN" altLang="en-US" sz="1400" dirty="0">
+              <a:rPr lang="zh-CN" altLang="en-US" sz="1400" dirty="0" smtClean="0">
                 <a:sym typeface="Arial" pitchFamily="34" charset="0"/>
               </a:rPr>
-              <a:t>与开发环境高度集成</a:t>
-            </a:r>
+              <a:t>自顶向下</a:t>
+            </a:r>
+            <a:r>
+              <a:rPr lang="zh-CN" altLang="en-US" sz="1400" dirty="0" smtClean="0">
+                <a:sym typeface="Arial" pitchFamily="34" charset="0"/>
+              </a:rPr>
+              <a:t>分解</a:t>
+            </a:r>
+            <a:endParaRPr lang="en-US" altLang="zh-CN" sz="1400" dirty="0">
+              <a:sym typeface="Arial" pitchFamily="34" charset="0"/>
+            </a:endParaRPr>
           </a:p>
           <a:p>
             <a:pPr lvl="1" eaLnBrk="1" hangingPunct="1">
@@ -7293,13 +7307,73 @@
               <a:rPr lang="zh-CN" altLang="en-US" sz="1400" dirty="0" smtClean="0">
                 <a:sym typeface="Arial" pitchFamily="34" charset="0"/>
               </a:rPr>
+              <a:t>组件</a:t>
+            </a:r>
+            <a:r>
+              <a:rPr lang="zh-CN" altLang="en-US" sz="1400" dirty="0" smtClean="0">
+                <a:sym typeface="Arial" pitchFamily="34" charset="0"/>
+              </a:rPr>
+              <a:t>化设计</a:t>
+            </a:r>
+            <a:endParaRPr lang="en-US" altLang="zh-CN" sz="1400" dirty="0" smtClean="0">
+              <a:sym typeface="Arial" pitchFamily="34" charset="0"/>
+            </a:endParaRPr>
+          </a:p>
+          <a:p>
+            <a:pPr lvl="1" eaLnBrk="1" hangingPunct="1">
+              <a:lnSpc>
+                <a:spcPct val="130000"/>
+              </a:lnSpc>
+            </a:pPr>
+            <a:r>
+              <a:rPr lang="zh-CN" altLang="en-US" sz="1400" dirty="0" smtClean="0">
+                <a:sym typeface="Arial" pitchFamily="34" charset="0"/>
+              </a:rPr>
+              <a:t>流水线式开发</a:t>
+            </a:r>
+            <a:endParaRPr lang="en-US" altLang="zh-CN" sz="1400" dirty="0" smtClean="0">
+              <a:sym typeface="Arial" pitchFamily="34" charset="0"/>
+            </a:endParaRPr>
+          </a:p>
+          <a:p>
+            <a:pPr lvl="1" eaLnBrk="1" hangingPunct="1">
+              <a:lnSpc>
+                <a:spcPct val="130000"/>
+              </a:lnSpc>
+            </a:pPr>
+            <a:r>
+              <a:rPr lang="zh-CN" altLang="en-US" sz="1400" dirty="0" smtClean="0">
+                <a:sym typeface="Arial" pitchFamily="34" charset="0"/>
+              </a:rPr>
               <a:t>预先</a:t>
             </a:r>
             <a:r>
               <a:rPr lang="zh-CN" altLang="en-US" sz="1400" dirty="0">
                 <a:sym typeface="Arial" pitchFamily="34" charset="0"/>
               </a:rPr>
-              <a:t>设计，风格统一</a:t>
+              <a:t>设计，风格</a:t>
+            </a:r>
+            <a:r>
+              <a:rPr lang="zh-CN" altLang="en-US" sz="1400" dirty="0" smtClean="0">
+                <a:sym typeface="Arial" pitchFamily="34" charset="0"/>
+              </a:rPr>
+              <a:t>统一</a:t>
+            </a:r>
+            <a:endParaRPr lang="en-US" altLang="zh-CN" sz="1400" dirty="0" smtClean="0">
+              <a:sym typeface="Arial" pitchFamily="34" charset="0"/>
+            </a:endParaRPr>
+          </a:p>
+          <a:p>
+            <a:pPr lvl="1" eaLnBrk="1" hangingPunct="1">
+              <a:lnSpc>
+                <a:spcPct val="130000"/>
+              </a:lnSpc>
+            </a:pPr>
+            <a:r>
+              <a:rPr lang="zh-CN" altLang="en-US" sz="1400" dirty="0">
+                <a:sym typeface="Arial" pitchFamily="34" charset="0"/>
+              </a:rPr>
+              <a:t>与开发环境高度集成</a:t>
             </a:r>
             <a:endParaRPr lang="en-US" altLang="zh-CN" sz="1400" dirty="0">
               <a:sym typeface="Arial" pitchFamily="34" charset="0"/>
@@ -7313,9 +7387,29 @@
             </a:pPr>
             <a:r>
               <a:rPr lang="zh-CN" altLang="en-US" sz="1800" dirty="0" smtClean="0"/>
-              <a:t>高内聚，低耦合</a:t>
+              <a:t>提高软件质量</a:t>
             </a:r>
             <a:endParaRPr lang="en-US" altLang="zh-CN" sz="1800" dirty="0" smtClean="0"/>
+          </a:p>
+          <a:p>
+            <a:pPr lvl="1" eaLnBrk="1" hangingPunct="1">
+              <a:lnSpc>
+                <a:spcPct val="110000"/>
+              </a:lnSpc>
+            </a:pPr>
+            <a:r>
+              <a:rPr lang="zh-CN" altLang="en-US" sz="1400" dirty="0" smtClean="0"/>
+              <a:t>把高</a:t>
+            </a:r>
+            <a:r>
+              <a:rPr lang="zh-CN" altLang="en-US" sz="1400" dirty="0" smtClean="0"/>
+              <a:t>内聚，低</a:t>
+            </a:r>
+            <a:r>
+              <a:rPr lang="zh-CN" altLang="en-US" sz="1400" dirty="0" smtClean="0"/>
+              <a:t>耦合落到实处</a:t>
+            </a:r>
+            <a:endParaRPr lang="en-US" altLang="zh-CN" sz="1400" dirty="0" smtClean="0"/>
           </a:p>
           <a:p>
             <a:pPr lvl="1" eaLnBrk="1" hangingPunct="1">
@@ -7624,6 +7718,306 @@
           <a:lstStyle/>
           <a:p>
             <a:r>
+              <a:rPr lang="zh-CN" altLang="en-US" sz="2800" dirty="0" smtClean="0"/>
+              <a:t>提高管理效率和质量</a:t>
+            </a:r>
+            <a:endParaRPr lang="zh-CN" altLang="en-US" dirty="0"/>
+          </a:p>
+        </p:txBody>
+      </p:sp>
+      <p:sp>
+        <p:nvSpPr>
+          <p:cNvPr id="3" name="内容占位符 2"/>
+          <p:cNvSpPr>
+            <a:spLocks noGrp="1"/>
+          </p:cNvSpPr>
+          <p:nvPr>
+            <p:ph idx="1"/>
+          </p:nvPr>
+        </p:nvSpPr>
+        <p:spPr/>
+        <p:txBody>
+          <a:bodyPr/>
+          <a:lstStyle/>
+          <a:p>
+            <a:r>
+              <a:rPr lang="zh-CN" altLang="en-US" dirty="0" smtClean="0"/>
+              <a:t>对</a:t>
+            </a:r>
+            <a:r>
+              <a:rPr lang="en-US" altLang="zh-CN" dirty="0" smtClean="0"/>
+              <a:t>PM</a:t>
+            </a:r>
+          </a:p>
+          <a:p>
+            <a:pPr lvl="1"/>
+            <a:r>
+              <a:rPr lang="zh-CN" altLang="en-US" dirty="0" smtClean="0"/>
+              <a:t>可以和开发设计人员</a:t>
+            </a:r>
+            <a:r>
+              <a:rPr lang="zh-CN" altLang="en-US" dirty="0"/>
+              <a:t>深入</a:t>
+            </a:r>
+            <a:r>
+              <a:rPr lang="zh-CN" altLang="en-US" dirty="0" smtClean="0"/>
+              <a:t>讨论系统逻辑，而不只是单向沟通</a:t>
+            </a:r>
+            <a:endParaRPr lang="en-US" altLang="zh-CN" dirty="0" smtClean="0"/>
+          </a:p>
+          <a:p>
+            <a:pPr lvl="1"/>
+            <a:r>
+              <a:rPr lang="zh-CN" altLang="en-US" dirty="0" smtClean="0"/>
+              <a:t>可以深入细致的讨论意外处理</a:t>
+            </a:r>
+            <a:endParaRPr lang="en-US" altLang="zh-CN" dirty="0" smtClean="0"/>
+          </a:p>
+          <a:p>
+            <a:pPr lvl="1"/>
+            <a:r>
+              <a:rPr lang="zh-CN" altLang="en-US" dirty="0" smtClean="0"/>
+              <a:t>可以直观的感受系统功能</a:t>
+            </a:r>
+            <a:endParaRPr lang="en-US" altLang="zh-CN" dirty="0" smtClean="0"/>
+          </a:p>
+          <a:p>
+            <a:pPr lvl="1"/>
+            <a:r>
+              <a:rPr lang="zh-CN" altLang="en-US" dirty="0" smtClean="0"/>
+              <a:t>可以自顶向下全程参与，同时又保留从全局到细节的把握能力</a:t>
+            </a:r>
+            <a:endParaRPr lang="en-US" altLang="zh-CN" dirty="0" smtClean="0"/>
+          </a:p>
+          <a:p>
+            <a:r>
+              <a:rPr lang="zh-CN" altLang="en-US" dirty="0" smtClean="0"/>
+              <a:t>对</a:t>
+            </a:r>
+            <a:r>
+              <a:rPr lang="en-US" altLang="zh-CN" dirty="0" smtClean="0"/>
+              <a:t>PJM</a:t>
+            </a:r>
+          </a:p>
+          <a:p>
+            <a:pPr lvl="1"/>
+            <a:r>
+              <a:rPr lang="zh-CN" altLang="en-US" dirty="0" smtClean="0"/>
+              <a:t>实现单元的划分和分工可以直观的映射到开发任务</a:t>
+            </a:r>
+            <a:endParaRPr lang="en-US" altLang="zh-CN" dirty="0" smtClean="0"/>
+          </a:p>
+          <a:p>
+            <a:pPr lvl="1"/>
+            <a:r>
+              <a:rPr lang="zh-CN" altLang="en-US" dirty="0"/>
+              <a:t>实现</a:t>
+            </a:r>
+            <a:r>
+              <a:rPr lang="zh-CN" altLang="en-US" dirty="0" smtClean="0"/>
+              <a:t>单元的完成比例可以直观的反映开发进度</a:t>
+            </a:r>
+            <a:endParaRPr lang="en-US" altLang="zh-CN" dirty="0" smtClean="0"/>
+          </a:p>
+          <a:p>
+            <a:pPr lvl="1"/>
+            <a:r>
+              <a:rPr lang="zh-CN" altLang="en-US" dirty="0" smtClean="0"/>
+              <a:t>可以更精确的定位问题，更准确的开展讨论</a:t>
+            </a:r>
+            <a:endParaRPr lang="en-US" altLang="zh-CN" dirty="0" smtClean="0"/>
+          </a:p>
+          <a:p>
+            <a:pPr lvl="1"/>
+            <a:r>
+              <a:rPr lang="zh-CN" altLang="en-US" dirty="0" smtClean="0"/>
+              <a:t>任务分工和转移更加明确</a:t>
+            </a:r>
+            <a:endParaRPr lang="zh-CN" altLang="en-US" dirty="0"/>
+          </a:p>
+        </p:txBody>
+      </p:sp>
+    </p:spTree>
+    <p:extLst>
+      <p:ext uri="{BB962C8B-B14F-4D97-AF65-F5344CB8AC3E}">
+        <p14:creationId xmlns:p14="http://schemas.microsoft.com/office/powerpoint/2010/main" val="723640522"/>
+      </p:ext>
+    </p:extLst>
+  </p:cSld>
+  <p:clrMapOvr>
+    <a:masterClrMapping/>
+  </p:clrMapOvr>
+</p:sld>
+</file>
+
+<file path=ppt/slides/slide25.xml><?xml version="1.0" encoding="utf-8"?>
+<p:sld xmlns:a="http://schemas.openxmlformats.org/drawingml/2006/main" xmlns:r="http://schemas.openxmlformats.org/officeDocument/2006/relationships" xmlns:p="http://schemas.openxmlformats.org/presentationml/2006/main">
+  <p:cSld>
+    <p:spTree>
+      <p:nvGrpSpPr>
+        <p:cNvPr id="1" name=""/>
+        <p:cNvGrpSpPr/>
+        <p:nvPr/>
+      </p:nvGrpSpPr>
+      <p:grpSpPr>
+        <a:xfrm>
+          <a:off x="0" y="0"/>
+          <a:ext cx="0" cy="0"/>
+          <a:chOff x="0" y="0"/>
+          <a:chExt cx="0" cy="0"/>
+        </a:xfrm>
+      </p:grpSpPr>
+      <p:sp>
+        <p:nvSpPr>
+          <p:cNvPr id="2" name="标题 1"/>
+          <p:cNvSpPr>
+            <a:spLocks noGrp="1"/>
+          </p:cNvSpPr>
+          <p:nvPr>
+            <p:ph type="title"/>
+          </p:nvPr>
+        </p:nvSpPr>
+        <p:spPr/>
+        <p:txBody>
+          <a:bodyPr/>
+          <a:lstStyle/>
+          <a:p>
+            <a:r>
+              <a:rPr lang="zh-CN" altLang="en-US" sz="2800" dirty="0" smtClean="0"/>
+              <a:t>提升测试效率和质量</a:t>
+            </a:r>
+            <a:endParaRPr lang="zh-CN" altLang="en-US" sz="2800" dirty="0"/>
+          </a:p>
+        </p:txBody>
+      </p:sp>
+      <p:sp>
+        <p:nvSpPr>
+          <p:cNvPr id="3" name="内容占位符 2"/>
+          <p:cNvSpPr>
+            <a:spLocks noGrp="1"/>
+          </p:cNvSpPr>
+          <p:nvPr>
+            <p:ph idx="1"/>
+          </p:nvPr>
+        </p:nvSpPr>
+        <p:spPr/>
+        <p:txBody>
+          <a:bodyPr/>
+          <a:lstStyle/>
+          <a:p>
+            <a:r>
+              <a:rPr lang="zh-CN" altLang="en-US" dirty="0" smtClean="0"/>
+              <a:t>对白盒测试人员</a:t>
+            </a:r>
+            <a:endParaRPr lang="en-US" altLang="zh-CN" dirty="0" smtClean="0"/>
+          </a:p>
+          <a:p>
+            <a:pPr lvl="1"/>
+            <a:r>
+              <a:rPr lang="zh-CN" altLang="en-US" dirty="0" smtClean="0"/>
+              <a:t>直观的检测</a:t>
+            </a:r>
+            <a:r>
+              <a:rPr lang="zh-CN" altLang="en-US" dirty="0"/>
+              <a:t>路径</a:t>
+            </a:r>
+            <a:r>
+              <a:rPr lang="zh-CN" altLang="en-US" dirty="0" smtClean="0"/>
+              <a:t>覆盖程度</a:t>
+            </a:r>
+            <a:endParaRPr lang="en-US" altLang="zh-CN" dirty="0" smtClean="0"/>
+          </a:p>
+          <a:p>
+            <a:pPr lvl="1"/>
+            <a:r>
+              <a:rPr lang="zh-CN" altLang="en-US" dirty="0" smtClean="0"/>
+              <a:t>直接定位到要测试的代码</a:t>
+            </a:r>
+            <a:endParaRPr lang="en-US" altLang="zh-CN" dirty="0" smtClean="0"/>
+          </a:p>
+          <a:p>
+            <a:pPr lvl="1"/>
+            <a:r>
+              <a:rPr lang="zh-CN" altLang="en-US" smtClean="0"/>
+              <a:t>方便在单元级别构造</a:t>
+            </a:r>
+            <a:r>
+              <a:rPr lang="zh-CN" altLang="en-US" dirty="0" smtClean="0"/>
+              <a:t>测试数据</a:t>
+            </a:r>
+            <a:endParaRPr lang="en-US" altLang="zh-CN" dirty="0" smtClean="0"/>
+          </a:p>
+          <a:p>
+            <a:r>
+              <a:rPr lang="zh-CN" altLang="en-US" dirty="0" smtClean="0"/>
+              <a:t>对集成和黑盒测试人员</a:t>
+            </a:r>
+            <a:endParaRPr lang="en-US" altLang="zh-CN" dirty="0" smtClean="0"/>
+          </a:p>
+          <a:p>
+            <a:pPr lvl="1"/>
+            <a:r>
+              <a:rPr lang="zh-CN" altLang="en-US" dirty="0" smtClean="0"/>
+              <a:t>直观的了解系统能完成那些功能</a:t>
+            </a:r>
+            <a:endParaRPr lang="en-US" altLang="zh-CN" dirty="0" smtClean="0"/>
+          </a:p>
+          <a:p>
+            <a:pPr lvl="1"/>
+            <a:r>
+              <a:rPr lang="zh-CN" altLang="en-US" dirty="0" smtClean="0"/>
+              <a:t>方便在服务级别构造测试数据</a:t>
+            </a:r>
+            <a:endParaRPr lang="zh-CN" altLang="en-US" dirty="0"/>
+          </a:p>
+        </p:txBody>
+      </p:sp>
+    </p:spTree>
+    <p:extLst>
+      <p:ext uri="{BB962C8B-B14F-4D97-AF65-F5344CB8AC3E}">
+        <p14:creationId xmlns:p14="http://schemas.microsoft.com/office/powerpoint/2010/main" val="2327915867"/>
+      </p:ext>
+    </p:extLst>
+  </p:cSld>
+  <p:clrMapOvr>
+    <a:masterClrMapping/>
+  </p:clrMapOvr>
+</p:sld>
+</file>
+
+<file path=ppt/slides/slide26.xml><?xml version="1.0" encoding="utf-8"?>
+<p:sld xmlns:a="http://schemas.openxmlformats.org/drawingml/2006/main" xmlns:r="http://schemas.openxmlformats.org/officeDocument/2006/relationships" xmlns:p="http://schemas.openxmlformats.org/presentationml/2006/main">
+  <p:cSld>
+    <p:spTree>
+      <p:nvGrpSpPr>
+        <p:cNvPr id="1" name=""/>
+        <p:cNvGrpSpPr/>
+        <p:nvPr/>
+      </p:nvGrpSpPr>
+      <p:grpSpPr>
+        <a:xfrm>
+          <a:off x="0" y="0"/>
+          <a:ext cx="0" cy="0"/>
+          <a:chOff x="0" y="0"/>
+          <a:chExt cx="0" cy="0"/>
+        </a:xfrm>
+      </p:grpSpPr>
+      <p:sp>
+        <p:nvSpPr>
+          <p:cNvPr id="2" name="标题 1"/>
+          <p:cNvSpPr>
+            <a:spLocks noGrp="1"/>
+          </p:cNvSpPr>
+          <p:nvPr>
+            <p:ph type="title"/>
+          </p:nvPr>
+        </p:nvSpPr>
+        <p:spPr/>
+        <p:txBody>
+          <a:bodyPr/>
+          <a:lstStyle/>
+          <a:p>
+            <a:r>
               <a:rPr lang="zh-CN" altLang="en-US" dirty="0" smtClean="0"/>
               <a:t>用户实践反馈</a:t>
             </a:r>
@@ -7778,7 +8172,7 @@
 </p:sld>
 </file>
 
-<file path=ppt/slides/slide25.xml><?xml version="1.0" encoding="utf-8"?>
+<file path=ppt/slides/slide27.xml><?xml version="1.0" encoding="utf-8"?>
 <p:sld xmlns:a="http://schemas.openxmlformats.org/drawingml/2006/main" xmlns:r="http://schemas.openxmlformats.org/officeDocument/2006/relationships" xmlns:p="http://schemas.openxmlformats.org/presentationml/2006/main">
   <p:cSld>
     <p:spTree>
@@ -7884,7 +8278,7 @@
 </p:sld>
 </file>
 
-<file path=ppt/slides/slide26.xml><?xml version="1.0" encoding="utf-8"?>
+<file path=ppt/slides/slide28.xml><?xml version="1.0" encoding="utf-8"?>
 <p:sld xmlns:a="http://schemas.openxmlformats.org/drawingml/2006/main" xmlns:r="http://schemas.openxmlformats.org/officeDocument/2006/relationships" xmlns:p="http://schemas.openxmlformats.org/presentationml/2006/main">
   <p:cSld>
     <p:spTree>
@@ -8084,7 +8478,7 @@
 </p:sld>
 </file>
 
-<file path=ppt/slides/slide27.xml><?xml version="1.0" encoding="utf-8"?>
+<file path=ppt/slides/slide29.xml><?xml version="1.0" encoding="utf-8"?>
 <p:sld xmlns:a="http://schemas.openxmlformats.org/drawingml/2006/main" xmlns:r="http://schemas.openxmlformats.org/officeDocument/2006/relationships" xmlns:p="http://schemas.openxmlformats.org/presentationml/2006/main">
   <p:cSld>
     <p:spTree>
@@ -8290,508 +8684,6 @@
         <p14:creationId xmlns:p14="http://schemas.microsoft.com/office/powerpoint/2010/main" val="1768639245"/>
       </p:ext>
     </p:extLst>
-  </p:cSld>
-  <p:clrMapOvr>
-    <a:masterClrMapping/>
-  </p:clrMapOvr>
-  <p:timing>
-    <p:tnLst>
-      <p:par>
-        <p:cTn id="1" dur="indefinite" restart="never" nodeType="tmRoot"/>
-      </p:par>
-    </p:tnLst>
-  </p:timing>
-</p:sld>
-</file>
-
-<file path=ppt/slides/slide28.xml><?xml version="1.0" encoding="utf-8"?>
-<p:sld xmlns:a="http://schemas.openxmlformats.org/drawingml/2006/main" xmlns:r="http://schemas.openxmlformats.org/officeDocument/2006/relationships" xmlns:p="http://schemas.openxmlformats.org/presentationml/2006/main">
-  <p:cSld>
-    <p:spTree>
-      <p:nvGrpSpPr>
-        <p:cNvPr id="1" name=""/>
-        <p:cNvGrpSpPr/>
-        <p:nvPr/>
-      </p:nvGrpSpPr>
-      <p:grpSpPr>
-        <a:xfrm>
-          <a:off x="0" y="0"/>
-          <a:ext cx="0" cy="0"/>
-          <a:chOff x="0" y="0"/>
-          <a:chExt cx="0" cy="0"/>
-        </a:xfrm>
-      </p:grpSpPr>
-      <p:sp>
-        <p:nvSpPr>
-          <p:cNvPr id="2" name="标题 1"/>
-          <p:cNvSpPr>
-            <a:spLocks noGrp="1"/>
-          </p:cNvSpPr>
-          <p:nvPr>
-            <p:ph type="title"/>
-          </p:nvPr>
-        </p:nvSpPr>
-        <p:spPr>
-          <a:xfrm>
-            <a:off x="3022088" y="3140968"/>
-            <a:ext cx="3278104" cy="566737"/>
-          </a:xfrm>
-        </p:spPr>
-        <p:style>
-          <a:lnRef idx="1">
-            <a:schemeClr val="accent4"/>
-          </a:lnRef>
-          <a:fillRef idx="3">
-            <a:schemeClr val="accent4"/>
-          </a:fillRef>
-          <a:effectRef idx="2">
-            <a:schemeClr val="accent4"/>
-          </a:effectRef>
-          <a:fontRef idx="minor">
-            <a:schemeClr val="lt1"/>
-          </a:fontRef>
-        </p:style>
-        <p:txBody>
-          <a:bodyPr/>
-          <a:lstStyle/>
-          <a:p>
-            <a:pPr algn="ctr"/>
-            <a:r>
-              <a:rPr lang="en-US" altLang="zh-CN" dirty="0" err="1" smtClean="0"/>
-              <a:t>Xross</a:t>
-            </a:r>
-            <a:r>
-              <a:rPr lang="en-US" altLang="zh-CN" dirty="0" smtClean="0"/>
-              <a:t> Decision</a:t>
-            </a:r>
-            <a:endParaRPr lang="zh-CN" altLang="en-US" dirty="0"/>
-          </a:p>
-        </p:txBody>
-      </p:sp>
-    </p:spTree>
-    <p:extLst>
-      <p:ext uri="{BB962C8B-B14F-4D97-AF65-F5344CB8AC3E}">
-        <p14:creationId xmlns:p14="http://schemas.microsoft.com/office/powerpoint/2010/main" val="3512297626"/>
-      </p:ext>
-    </p:extLst>
-  </p:cSld>
-  <p:clrMapOvr>
-    <a:masterClrMapping/>
-  </p:clrMapOvr>
-  <p:timing>
-    <p:tnLst>
-      <p:par>
-        <p:cTn id="1" dur="indefinite" restart="never" nodeType="tmRoot"/>
-      </p:par>
-    </p:tnLst>
-  </p:timing>
-</p:sld>
-</file>
-
-<file path=ppt/slides/slide29.xml><?xml version="1.0" encoding="utf-8"?>
-<p:sld xmlns:a="http://schemas.openxmlformats.org/drawingml/2006/main" xmlns:r="http://schemas.openxmlformats.org/officeDocument/2006/relationships" xmlns:p="http://schemas.openxmlformats.org/presentationml/2006/main">
-  <p:cSld>
-    <p:spTree>
-      <p:nvGrpSpPr>
-        <p:cNvPr id="1" name=""/>
-        <p:cNvGrpSpPr/>
-        <p:nvPr/>
-      </p:nvGrpSpPr>
-      <p:grpSpPr>
-        <a:xfrm>
-          <a:off x="0" y="0"/>
-          <a:ext cx="0" cy="0"/>
-          <a:chOff x="0" y="0"/>
-          <a:chExt cx="0" cy="0"/>
-        </a:xfrm>
-      </p:grpSpPr>
-      <p:sp>
-        <p:nvSpPr>
-          <p:cNvPr id="46082" name="Rectangle 2"/>
-          <p:cNvSpPr>
-            <a:spLocks noGrp="1" noChangeArrowheads="1"/>
-          </p:cNvSpPr>
-          <p:nvPr>
-            <p:ph type="title"/>
-          </p:nvPr>
-        </p:nvSpPr>
-        <p:spPr/>
-        <p:txBody>
-          <a:bodyPr/>
-          <a:lstStyle/>
-          <a:p>
-            <a:pPr eaLnBrk="1" hangingPunct="1"/>
-            <a:r>
-              <a:rPr lang="en-US" dirty="0" smtClean="0"/>
-              <a:t>Decision </a:t>
-            </a:r>
-            <a:r>
-              <a:rPr lang="en-US" altLang="zh-CN" dirty="0" smtClean="0"/>
-              <a:t>T</a:t>
-            </a:r>
-            <a:r>
-              <a:rPr lang="en-US" dirty="0" smtClean="0"/>
-              <a:t>ree</a:t>
-            </a:r>
-          </a:p>
-        </p:txBody>
-      </p:sp>
-      <p:sp>
-        <p:nvSpPr>
-          <p:cNvPr id="46083" name="Rectangle 3"/>
-          <p:cNvSpPr>
-            <a:spLocks noGrp="1" noChangeArrowheads="1"/>
-          </p:cNvSpPr>
-          <p:nvPr>
-            <p:ph type="body" idx="1"/>
-          </p:nvPr>
-        </p:nvSpPr>
-        <p:spPr/>
-        <p:txBody>
-          <a:bodyPr/>
-          <a:lstStyle/>
-          <a:p>
-            <a:pPr eaLnBrk="1" hangingPunct="1">
-              <a:lnSpc>
-                <a:spcPct val="100000"/>
-              </a:lnSpc>
-            </a:pPr>
-            <a:r>
-              <a:rPr lang="zh-CN" altLang="en-US" sz="1800" dirty="0" smtClean="0"/>
-              <a:t>什么是</a:t>
-            </a:r>
-            <a:r>
-              <a:rPr lang="en-US" sz="1800" dirty="0" smtClean="0"/>
-              <a:t>decision tree</a:t>
-            </a:r>
-          </a:p>
-          <a:p>
-            <a:pPr lvl="1" eaLnBrk="1" hangingPunct="1">
-              <a:lnSpc>
-                <a:spcPct val="120000"/>
-              </a:lnSpc>
-            </a:pPr>
-            <a:r>
-              <a:rPr lang="zh-CN" altLang="en-US" sz="1400" dirty="0" smtClean="0"/>
-              <a:t>商业智能领域常用的决策工具</a:t>
-            </a:r>
-            <a:endParaRPr lang="en-US" sz="1400" dirty="0" smtClean="0"/>
-          </a:p>
-          <a:p>
-            <a:pPr lvl="1" eaLnBrk="1" hangingPunct="1">
-              <a:lnSpc>
-                <a:spcPct val="120000"/>
-              </a:lnSpc>
-            </a:pPr>
-            <a:r>
-              <a:rPr lang="zh-CN" altLang="en-US" sz="1400" dirty="0" smtClean="0"/>
-              <a:t>利用树形模型表达复杂的决策制定过程</a:t>
-            </a:r>
-            <a:endParaRPr lang="en-US" sz="1400" dirty="0" smtClean="0"/>
-          </a:p>
-          <a:p>
-            <a:pPr eaLnBrk="1" hangingPunct="1">
-              <a:lnSpc>
-                <a:spcPct val="100000"/>
-              </a:lnSpc>
-            </a:pPr>
-            <a:r>
-              <a:rPr lang="en-US" sz="1800" dirty="0" smtClean="0"/>
-              <a:t>Decision Tree </a:t>
-            </a:r>
-            <a:r>
-              <a:rPr lang="zh-CN" altLang="en-US" sz="1800" dirty="0" smtClean="0"/>
-              <a:t>编辑器可以让开发者</a:t>
-            </a:r>
-            <a:endParaRPr lang="en-US" sz="1800" dirty="0" smtClean="0"/>
-          </a:p>
-          <a:p>
-            <a:pPr lvl="1" eaLnBrk="1" hangingPunct="1">
-              <a:lnSpc>
-                <a:spcPct val="120000"/>
-              </a:lnSpc>
-            </a:pPr>
-            <a:r>
-              <a:rPr lang="zh-CN" altLang="en-US" sz="1400" dirty="0" smtClean="0"/>
-              <a:t>生成</a:t>
-            </a:r>
-            <a:r>
-              <a:rPr lang="en-US" sz="1400" dirty="0" smtClean="0"/>
-              <a:t>decision tree</a:t>
-            </a:r>
-          </a:p>
-          <a:p>
-            <a:pPr lvl="2" eaLnBrk="1" hangingPunct="1">
-              <a:lnSpc>
-                <a:spcPct val="70000"/>
-              </a:lnSpc>
-            </a:pPr>
-            <a:r>
-              <a:rPr lang="zh-CN" altLang="en-US" sz="1800" dirty="0" smtClean="0"/>
-              <a:t>以所见即所得的方式</a:t>
-            </a:r>
-            <a:endParaRPr lang="en-US" sz="1800" dirty="0" smtClean="0"/>
-          </a:p>
-          <a:p>
-            <a:pPr lvl="1" eaLnBrk="1" hangingPunct="1">
-              <a:lnSpc>
-                <a:spcPct val="120000"/>
-              </a:lnSpc>
-            </a:pPr>
-            <a:r>
-              <a:rPr lang="zh-CN" altLang="en-US" sz="1400" dirty="0" smtClean="0"/>
-              <a:t>依据模型生成单元测试的验证代码</a:t>
-            </a:r>
-            <a:endParaRPr lang="en-US" sz="1400" dirty="0" smtClean="0"/>
-          </a:p>
-          <a:p>
-            <a:pPr lvl="2" eaLnBrk="1" hangingPunct="1">
-              <a:lnSpc>
-                <a:spcPct val="70000"/>
-              </a:lnSpc>
-            </a:pPr>
-            <a:r>
-              <a:rPr lang="zh-CN" altLang="en-US" sz="1800" dirty="0"/>
-              <a:t>所有决策路径全覆盖</a:t>
-            </a:r>
-            <a:endParaRPr lang="en-US" sz="1800" dirty="0" smtClean="0"/>
-          </a:p>
-          <a:p>
-            <a:pPr eaLnBrk="1" hangingPunct="1">
-              <a:lnSpc>
-                <a:spcPct val="100000"/>
-              </a:lnSpc>
-            </a:pPr>
-            <a:r>
-              <a:rPr lang="zh-CN" altLang="en-US" sz="1800" dirty="0" smtClean="0"/>
-              <a:t>优势</a:t>
-            </a:r>
-            <a:endParaRPr lang="en-US" sz="1800" dirty="0" smtClean="0"/>
-          </a:p>
-          <a:p>
-            <a:pPr lvl="1" eaLnBrk="1" hangingPunct="1">
-              <a:lnSpc>
-                <a:spcPct val="120000"/>
-              </a:lnSpc>
-            </a:pPr>
-            <a:r>
-              <a:rPr lang="zh-CN" altLang="en-US" sz="1400" dirty="0" smtClean="0"/>
-              <a:t>纯模型，无代码</a:t>
-            </a:r>
-            <a:endParaRPr lang="en-US" sz="1400" dirty="0" smtClean="0"/>
-          </a:p>
-          <a:p>
-            <a:pPr lvl="1" eaLnBrk="1" hangingPunct="1">
-              <a:lnSpc>
-                <a:spcPct val="120000"/>
-              </a:lnSpc>
-            </a:pPr>
-            <a:r>
-              <a:rPr lang="zh-CN" altLang="en-US" sz="1400" dirty="0" smtClean="0"/>
-              <a:t>方便重用</a:t>
-            </a:r>
-            <a:endParaRPr lang="en-US" sz="1400" dirty="0" smtClean="0"/>
-          </a:p>
-          <a:p>
-            <a:pPr lvl="1" eaLnBrk="1" hangingPunct="1">
-              <a:lnSpc>
-                <a:spcPct val="120000"/>
-              </a:lnSpc>
-            </a:pPr>
-            <a:r>
-              <a:rPr lang="zh-CN" altLang="en-US" sz="1400" b="1" dirty="0" smtClean="0"/>
-              <a:t>替代</a:t>
-            </a:r>
-            <a:r>
-              <a:rPr lang="en-US" sz="1400" b="1" dirty="0" smtClean="0"/>
-              <a:t>if/else</a:t>
-            </a:r>
-            <a:r>
-              <a:rPr lang="zh-CN" altLang="en-US" sz="1400" b="1" dirty="0" smtClean="0"/>
-              <a:t>，极大的简化代码</a:t>
-            </a:r>
-            <a:endParaRPr lang="en-US" sz="1400" b="1" dirty="0" smtClean="0"/>
-          </a:p>
-          <a:p>
-            <a:pPr eaLnBrk="1" hangingPunct="1">
-              <a:lnSpc>
-                <a:spcPct val="100000"/>
-              </a:lnSpc>
-            </a:pPr>
-            <a:endParaRPr lang="en-US" sz="1800" dirty="0" smtClean="0"/>
-          </a:p>
-        </p:txBody>
-      </p:sp>
-      <p:sp>
-        <p:nvSpPr>
-          <p:cNvPr id="4" name="TextBox 1"/>
-          <p:cNvSpPr txBox="1">
-            <a:spLocks noChangeArrowheads="1"/>
-          </p:cNvSpPr>
-          <p:nvPr/>
-        </p:nvSpPr>
-        <p:spPr bwMode="auto">
-          <a:xfrm>
-            <a:off x="7307660" y="893763"/>
-            <a:ext cx="615553" cy="4911501"/>
-          </a:xfrm>
-          <a:prstGeom prst="rect">
-            <a:avLst/>
-          </a:prstGeom>
-          <a:noFill/>
-          <a:ln>
-            <a:noFill/>
-          </a:ln>
-          <a:extLst>
-            <a:ext uri="{909E8E84-426E-40DD-AFC4-6F175D3DCCD1}">
-              <a14:hiddenFill xmlns:a14="http://schemas.microsoft.com/office/drawing/2010/main">
-                <a:solidFill>
-                  <a:srgbClr val="FFFFFF"/>
-                </a:solidFill>
-              </a14:hiddenFill>
-            </a:ext>
-            <a:ext uri="{91240B29-F687-4F45-9708-019B960494DF}">
-              <a14:hiddenLine xmlns:a14="http://schemas.microsoft.com/office/drawing/2010/main" w="9525">
-                <a:solidFill>
-                  <a:srgbClr val="000000"/>
-                </a:solidFill>
-                <a:miter lim="800000"/>
-                <a:headEnd/>
-                <a:tailEnd/>
-              </a14:hiddenLine>
-            </a:ext>
-          </a:extLst>
-        </p:spPr>
-        <p:txBody>
-          <a:bodyPr vert="eaVert" wrap="square">
-            <a:spAutoFit/>
-          </a:bodyPr>
-          <a:lstStyle>
-            <a:lvl1pPr eaLnBrk="0" hangingPunct="0">
-              <a:defRPr b="1">
-                <a:solidFill>
-                  <a:schemeClr val="tx1"/>
-                </a:solidFill>
-                <a:latin typeface="Arial" pitchFamily="34" charset="0"/>
-                <a:ea typeface="微软雅黑" pitchFamily="34" charset="-122"/>
-              </a:defRPr>
-            </a:lvl1pPr>
-            <a:lvl2pPr marL="742950" indent="-285750" eaLnBrk="0" hangingPunct="0">
-              <a:defRPr b="1">
-                <a:solidFill>
-                  <a:schemeClr val="tx1"/>
-                </a:solidFill>
-                <a:latin typeface="Arial" pitchFamily="34" charset="0"/>
-                <a:ea typeface="微软雅黑" pitchFamily="34" charset="-122"/>
-              </a:defRPr>
-            </a:lvl2pPr>
-            <a:lvl3pPr marL="1143000" indent="-228600" eaLnBrk="0" hangingPunct="0">
-              <a:defRPr b="1">
-                <a:solidFill>
-                  <a:schemeClr val="tx1"/>
-                </a:solidFill>
-                <a:latin typeface="Arial" pitchFamily="34" charset="0"/>
-                <a:ea typeface="微软雅黑" pitchFamily="34" charset="-122"/>
-              </a:defRPr>
-            </a:lvl3pPr>
-            <a:lvl4pPr marL="1600200" indent="-228600" eaLnBrk="0" hangingPunct="0">
-              <a:defRPr b="1">
-                <a:solidFill>
-                  <a:schemeClr val="tx1"/>
-                </a:solidFill>
-                <a:latin typeface="Arial" pitchFamily="34" charset="0"/>
-                <a:ea typeface="微软雅黑" pitchFamily="34" charset="-122"/>
-              </a:defRPr>
-            </a:lvl4pPr>
-            <a:lvl5pPr marL="2057400" indent="-228600" eaLnBrk="0" hangingPunct="0">
-              <a:defRPr b="1">
-                <a:solidFill>
-                  <a:schemeClr val="tx1"/>
-                </a:solidFill>
-                <a:latin typeface="Arial" pitchFamily="34" charset="0"/>
-                <a:ea typeface="微软雅黑" pitchFamily="34" charset="-122"/>
-              </a:defRPr>
-            </a:lvl5pPr>
-            <a:lvl6pPr marL="2514600" indent="-228600" algn="ctr" eaLnBrk="0" fontAlgn="base" hangingPunct="0">
-              <a:spcBef>
-                <a:spcPct val="0"/>
-              </a:spcBef>
-              <a:spcAft>
-                <a:spcPct val="0"/>
-              </a:spcAft>
-              <a:buFont typeface="Arial" pitchFamily="34" charset="0"/>
-              <a:defRPr b="1">
-                <a:solidFill>
-                  <a:schemeClr val="tx1"/>
-                </a:solidFill>
-                <a:latin typeface="Arial" pitchFamily="34" charset="0"/>
-                <a:ea typeface="微软雅黑" pitchFamily="34" charset="-122"/>
-              </a:defRPr>
-            </a:lvl6pPr>
-            <a:lvl7pPr marL="2971800" indent="-228600" algn="ctr" eaLnBrk="0" fontAlgn="base" hangingPunct="0">
-              <a:spcBef>
-                <a:spcPct val="0"/>
-              </a:spcBef>
-              <a:spcAft>
-                <a:spcPct val="0"/>
-              </a:spcAft>
-              <a:buFont typeface="Arial" pitchFamily="34" charset="0"/>
-              <a:defRPr b="1">
-                <a:solidFill>
-                  <a:schemeClr val="tx1"/>
-                </a:solidFill>
-                <a:latin typeface="Arial" pitchFamily="34" charset="0"/>
-                <a:ea typeface="微软雅黑" pitchFamily="34" charset="-122"/>
-              </a:defRPr>
-            </a:lvl7pPr>
-            <a:lvl8pPr marL="3429000" indent="-228600" algn="ctr" eaLnBrk="0" fontAlgn="base" hangingPunct="0">
-              <a:spcBef>
-                <a:spcPct val="0"/>
-              </a:spcBef>
-              <a:spcAft>
-                <a:spcPct val="0"/>
-              </a:spcAft>
-              <a:buFont typeface="Arial" pitchFamily="34" charset="0"/>
-              <a:defRPr b="1">
-                <a:solidFill>
-                  <a:schemeClr val="tx1"/>
-                </a:solidFill>
-                <a:latin typeface="Arial" pitchFamily="34" charset="0"/>
-                <a:ea typeface="微软雅黑" pitchFamily="34" charset="-122"/>
-              </a:defRPr>
-            </a:lvl8pPr>
-            <a:lvl9pPr marL="3886200" indent="-228600" algn="ctr" eaLnBrk="0" fontAlgn="base" hangingPunct="0">
-              <a:spcBef>
-                <a:spcPct val="0"/>
-              </a:spcBef>
-              <a:spcAft>
-                <a:spcPct val="0"/>
-              </a:spcAft>
-              <a:buFont typeface="Arial" pitchFamily="34" charset="0"/>
-              <a:defRPr b="1">
-                <a:solidFill>
-                  <a:schemeClr val="tx1"/>
-                </a:solidFill>
-                <a:latin typeface="Arial" pitchFamily="34" charset="0"/>
-                <a:ea typeface="微软雅黑" pitchFamily="34" charset="-122"/>
-              </a:defRPr>
-            </a:lvl9pPr>
-          </a:lstStyle>
-          <a:p>
-            <a:pPr algn="l" eaLnBrk="1" hangingPunct="1"/>
-            <a:r>
-              <a:rPr lang="zh-CN" altLang="en-US" sz="2800" dirty="0"/>
-              <a:t>复杂</a:t>
-            </a:r>
-            <a:r>
-              <a:rPr lang="zh-CN" altLang="en-US" sz="2800" dirty="0" smtClean="0"/>
-              <a:t>逻辑无法用条件判断表达</a:t>
-            </a:r>
-            <a:endParaRPr lang="en-US" sz="2800" dirty="0"/>
-          </a:p>
-        </p:txBody>
-      </p:sp>
-    </p:spTree>
   </p:cSld>
   <p:clrMapOvr>
     <a:masterClrMapping/>
@@ -9271,6 +9163,508 @@
             <p:ph type="title"/>
           </p:nvPr>
         </p:nvSpPr>
+        <p:spPr>
+          <a:xfrm>
+            <a:off x="3022088" y="3140968"/>
+            <a:ext cx="3278104" cy="566737"/>
+          </a:xfrm>
+        </p:spPr>
+        <p:style>
+          <a:lnRef idx="1">
+            <a:schemeClr val="accent4"/>
+          </a:lnRef>
+          <a:fillRef idx="3">
+            <a:schemeClr val="accent4"/>
+          </a:fillRef>
+          <a:effectRef idx="2">
+            <a:schemeClr val="accent4"/>
+          </a:effectRef>
+          <a:fontRef idx="minor">
+            <a:schemeClr val="lt1"/>
+          </a:fontRef>
+        </p:style>
+        <p:txBody>
+          <a:bodyPr/>
+          <a:lstStyle/>
+          <a:p>
+            <a:pPr algn="ctr"/>
+            <a:r>
+              <a:rPr lang="en-US" altLang="zh-CN" dirty="0" err="1" smtClean="0"/>
+              <a:t>Xross</a:t>
+            </a:r>
+            <a:r>
+              <a:rPr lang="en-US" altLang="zh-CN" dirty="0" smtClean="0"/>
+              <a:t> Decision</a:t>
+            </a:r>
+            <a:endParaRPr lang="zh-CN" altLang="en-US" dirty="0"/>
+          </a:p>
+        </p:txBody>
+      </p:sp>
+    </p:spTree>
+    <p:extLst>
+      <p:ext uri="{BB962C8B-B14F-4D97-AF65-F5344CB8AC3E}">
+        <p14:creationId xmlns:p14="http://schemas.microsoft.com/office/powerpoint/2010/main" val="3512297626"/>
+      </p:ext>
+    </p:extLst>
+  </p:cSld>
+  <p:clrMapOvr>
+    <a:masterClrMapping/>
+  </p:clrMapOvr>
+  <p:timing>
+    <p:tnLst>
+      <p:par>
+        <p:cTn id="1" dur="indefinite" restart="never" nodeType="tmRoot"/>
+      </p:par>
+    </p:tnLst>
+  </p:timing>
+</p:sld>
+</file>
+
+<file path=ppt/slides/slide31.xml><?xml version="1.0" encoding="utf-8"?>
+<p:sld xmlns:a="http://schemas.openxmlformats.org/drawingml/2006/main" xmlns:r="http://schemas.openxmlformats.org/officeDocument/2006/relationships" xmlns:p="http://schemas.openxmlformats.org/presentationml/2006/main">
+  <p:cSld>
+    <p:spTree>
+      <p:nvGrpSpPr>
+        <p:cNvPr id="1" name=""/>
+        <p:cNvGrpSpPr/>
+        <p:nvPr/>
+      </p:nvGrpSpPr>
+      <p:grpSpPr>
+        <a:xfrm>
+          <a:off x="0" y="0"/>
+          <a:ext cx="0" cy="0"/>
+          <a:chOff x="0" y="0"/>
+          <a:chExt cx="0" cy="0"/>
+        </a:xfrm>
+      </p:grpSpPr>
+      <p:sp>
+        <p:nvSpPr>
+          <p:cNvPr id="46082" name="Rectangle 2"/>
+          <p:cNvSpPr>
+            <a:spLocks noGrp="1" noChangeArrowheads="1"/>
+          </p:cNvSpPr>
+          <p:nvPr>
+            <p:ph type="title"/>
+          </p:nvPr>
+        </p:nvSpPr>
+        <p:spPr/>
+        <p:txBody>
+          <a:bodyPr/>
+          <a:lstStyle/>
+          <a:p>
+            <a:pPr eaLnBrk="1" hangingPunct="1"/>
+            <a:r>
+              <a:rPr lang="en-US" dirty="0" smtClean="0"/>
+              <a:t>Decision </a:t>
+            </a:r>
+            <a:r>
+              <a:rPr lang="en-US" altLang="zh-CN" dirty="0" smtClean="0"/>
+              <a:t>T</a:t>
+            </a:r>
+            <a:r>
+              <a:rPr lang="en-US" dirty="0" smtClean="0"/>
+              <a:t>ree</a:t>
+            </a:r>
+          </a:p>
+        </p:txBody>
+      </p:sp>
+      <p:sp>
+        <p:nvSpPr>
+          <p:cNvPr id="46083" name="Rectangle 3"/>
+          <p:cNvSpPr>
+            <a:spLocks noGrp="1" noChangeArrowheads="1"/>
+          </p:cNvSpPr>
+          <p:nvPr>
+            <p:ph type="body" idx="1"/>
+          </p:nvPr>
+        </p:nvSpPr>
+        <p:spPr/>
+        <p:txBody>
+          <a:bodyPr/>
+          <a:lstStyle/>
+          <a:p>
+            <a:pPr eaLnBrk="1" hangingPunct="1">
+              <a:lnSpc>
+                <a:spcPct val="100000"/>
+              </a:lnSpc>
+            </a:pPr>
+            <a:r>
+              <a:rPr lang="zh-CN" altLang="en-US" sz="1800" dirty="0" smtClean="0"/>
+              <a:t>什么是</a:t>
+            </a:r>
+            <a:r>
+              <a:rPr lang="en-US" sz="1800" dirty="0" smtClean="0"/>
+              <a:t>decision tree</a:t>
+            </a:r>
+          </a:p>
+          <a:p>
+            <a:pPr lvl="1" eaLnBrk="1" hangingPunct="1">
+              <a:lnSpc>
+                <a:spcPct val="120000"/>
+              </a:lnSpc>
+            </a:pPr>
+            <a:r>
+              <a:rPr lang="zh-CN" altLang="en-US" sz="1400" dirty="0" smtClean="0"/>
+              <a:t>商业智能领域常用的决策工具</a:t>
+            </a:r>
+            <a:endParaRPr lang="en-US" sz="1400" dirty="0" smtClean="0"/>
+          </a:p>
+          <a:p>
+            <a:pPr lvl="1" eaLnBrk="1" hangingPunct="1">
+              <a:lnSpc>
+                <a:spcPct val="120000"/>
+              </a:lnSpc>
+            </a:pPr>
+            <a:r>
+              <a:rPr lang="zh-CN" altLang="en-US" sz="1400" dirty="0" smtClean="0"/>
+              <a:t>利用树形模型表达复杂的决策制定过程</a:t>
+            </a:r>
+            <a:endParaRPr lang="en-US" sz="1400" dirty="0" smtClean="0"/>
+          </a:p>
+          <a:p>
+            <a:pPr eaLnBrk="1" hangingPunct="1">
+              <a:lnSpc>
+                <a:spcPct val="100000"/>
+              </a:lnSpc>
+            </a:pPr>
+            <a:r>
+              <a:rPr lang="en-US" sz="1800" dirty="0" smtClean="0"/>
+              <a:t>Decision Tree </a:t>
+            </a:r>
+            <a:r>
+              <a:rPr lang="zh-CN" altLang="en-US" sz="1800" dirty="0" smtClean="0"/>
+              <a:t>编辑器可以让开发者</a:t>
+            </a:r>
+            <a:endParaRPr lang="en-US" sz="1800" dirty="0" smtClean="0"/>
+          </a:p>
+          <a:p>
+            <a:pPr lvl="1" eaLnBrk="1" hangingPunct="1">
+              <a:lnSpc>
+                <a:spcPct val="120000"/>
+              </a:lnSpc>
+            </a:pPr>
+            <a:r>
+              <a:rPr lang="zh-CN" altLang="en-US" sz="1400" dirty="0" smtClean="0"/>
+              <a:t>生成</a:t>
+            </a:r>
+            <a:r>
+              <a:rPr lang="en-US" sz="1400" dirty="0" smtClean="0"/>
+              <a:t>decision tree</a:t>
+            </a:r>
+          </a:p>
+          <a:p>
+            <a:pPr lvl="2" eaLnBrk="1" hangingPunct="1">
+              <a:lnSpc>
+                <a:spcPct val="70000"/>
+              </a:lnSpc>
+            </a:pPr>
+            <a:r>
+              <a:rPr lang="zh-CN" altLang="en-US" sz="1800" dirty="0" smtClean="0"/>
+              <a:t>以所见即所得的方式</a:t>
+            </a:r>
+            <a:endParaRPr lang="en-US" sz="1800" dirty="0" smtClean="0"/>
+          </a:p>
+          <a:p>
+            <a:pPr lvl="1" eaLnBrk="1" hangingPunct="1">
+              <a:lnSpc>
+                <a:spcPct val="120000"/>
+              </a:lnSpc>
+            </a:pPr>
+            <a:r>
+              <a:rPr lang="zh-CN" altLang="en-US" sz="1400" dirty="0" smtClean="0"/>
+              <a:t>依据模型生成单元测试的验证代码</a:t>
+            </a:r>
+            <a:endParaRPr lang="en-US" sz="1400" dirty="0" smtClean="0"/>
+          </a:p>
+          <a:p>
+            <a:pPr lvl="2" eaLnBrk="1" hangingPunct="1">
+              <a:lnSpc>
+                <a:spcPct val="70000"/>
+              </a:lnSpc>
+            </a:pPr>
+            <a:r>
+              <a:rPr lang="zh-CN" altLang="en-US" sz="1800" dirty="0"/>
+              <a:t>所有决策路径全覆盖</a:t>
+            </a:r>
+            <a:endParaRPr lang="en-US" sz="1800" dirty="0" smtClean="0"/>
+          </a:p>
+          <a:p>
+            <a:pPr eaLnBrk="1" hangingPunct="1">
+              <a:lnSpc>
+                <a:spcPct val="100000"/>
+              </a:lnSpc>
+            </a:pPr>
+            <a:r>
+              <a:rPr lang="zh-CN" altLang="en-US" sz="1800" dirty="0" smtClean="0"/>
+              <a:t>优势</a:t>
+            </a:r>
+            <a:endParaRPr lang="en-US" sz="1800" dirty="0" smtClean="0"/>
+          </a:p>
+          <a:p>
+            <a:pPr lvl="1" eaLnBrk="1" hangingPunct="1">
+              <a:lnSpc>
+                <a:spcPct val="120000"/>
+              </a:lnSpc>
+            </a:pPr>
+            <a:r>
+              <a:rPr lang="zh-CN" altLang="en-US" sz="1400" dirty="0" smtClean="0"/>
+              <a:t>纯模型，无代码</a:t>
+            </a:r>
+            <a:endParaRPr lang="en-US" sz="1400" dirty="0" smtClean="0"/>
+          </a:p>
+          <a:p>
+            <a:pPr lvl="1" eaLnBrk="1" hangingPunct="1">
+              <a:lnSpc>
+                <a:spcPct val="120000"/>
+              </a:lnSpc>
+            </a:pPr>
+            <a:r>
+              <a:rPr lang="zh-CN" altLang="en-US" sz="1400" dirty="0" smtClean="0"/>
+              <a:t>方便重用</a:t>
+            </a:r>
+            <a:endParaRPr lang="en-US" sz="1400" dirty="0" smtClean="0"/>
+          </a:p>
+          <a:p>
+            <a:pPr lvl="1" eaLnBrk="1" hangingPunct="1">
+              <a:lnSpc>
+                <a:spcPct val="120000"/>
+              </a:lnSpc>
+            </a:pPr>
+            <a:r>
+              <a:rPr lang="zh-CN" altLang="en-US" sz="1400" b="1" dirty="0" smtClean="0"/>
+              <a:t>替代</a:t>
+            </a:r>
+            <a:r>
+              <a:rPr lang="en-US" sz="1400" b="1" dirty="0" smtClean="0"/>
+              <a:t>if/else</a:t>
+            </a:r>
+            <a:r>
+              <a:rPr lang="zh-CN" altLang="en-US" sz="1400" b="1" dirty="0" smtClean="0"/>
+              <a:t>，极大的简化代码</a:t>
+            </a:r>
+            <a:endParaRPr lang="en-US" sz="1400" b="1" dirty="0" smtClean="0"/>
+          </a:p>
+          <a:p>
+            <a:pPr eaLnBrk="1" hangingPunct="1">
+              <a:lnSpc>
+                <a:spcPct val="100000"/>
+              </a:lnSpc>
+            </a:pPr>
+            <a:endParaRPr lang="en-US" sz="1800" dirty="0" smtClean="0"/>
+          </a:p>
+        </p:txBody>
+      </p:sp>
+      <p:sp>
+        <p:nvSpPr>
+          <p:cNvPr id="4" name="TextBox 1"/>
+          <p:cNvSpPr txBox="1">
+            <a:spLocks noChangeArrowheads="1"/>
+          </p:cNvSpPr>
+          <p:nvPr/>
+        </p:nvSpPr>
+        <p:spPr bwMode="auto">
+          <a:xfrm>
+            <a:off x="7307660" y="893763"/>
+            <a:ext cx="615553" cy="4911501"/>
+          </a:xfrm>
+          <a:prstGeom prst="rect">
+            <a:avLst/>
+          </a:prstGeom>
+          <a:noFill/>
+          <a:ln>
+            <a:noFill/>
+          </a:ln>
+          <a:extLst>
+            <a:ext uri="{909E8E84-426E-40DD-AFC4-6F175D3DCCD1}">
+              <a14:hiddenFill xmlns:a14="http://schemas.microsoft.com/office/drawing/2010/main">
+                <a:solidFill>
+                  <a:srgbClr val="FFFFFF"/>
+                </a:solidFill>
+              </a14:hiddenFill>
+            </a:ext>
+            <a:ext uri="{91240B29-F687-4F45-9708-019B960494DF}">
+              <a14:hiddenLine xmlns:a14="http://schemas.microsoft.com/office/drawing/2010/main" w="9525">
+                <a:solidFill>
+                  <a:srgbClr val="000000"/>
+                </a:solidFill>
+                <a:miter lim="800000"/>
+                <a:headEnd/>
+                <a:tailEnd/>
+              </a14:hiddenLine>
+            </a:ext>
+          </a:extLst>
+        </p:spPr>
+        <p:txBody>
+          <a:bodyPr vert="eaVert" wrap="square">
+            <a:spAutoFit/>
+          </a:bodyPr>
+          <a:lstStyle>
+            <a:lvl1pPr eaLnBrk="0" hangingPunct="0">
+              <a:defRPr b="1">
+                <a:solidFill>
+                  <a:schemeClr val="tx1"/>
+                </a:solidFill>
+                <a:latin typeface="Arial" pitchFamily="34" charset="0"/>
+                <a:ea typeface="微软雅黑" pitchFamily="34" charset="-122"/>
+              </a:defRPr>
+            </a:lvl1pPr>
+            <a:lvl2pPr marL="742950" indent="-285750" eaLnBrk="0" hangingPunct="0">
+              <a:defRPr b="1">
+                <a:solidFill>
+                  <a:schemeClr val="tx1"/>
+                </a:solidFill>
+                <a:latin typeface="Arial" pitchFamily="34" charset="0"/>
+                <a:ea typeface="微软雅黑" pitchFamily="34" charset="-122"/>
+              </a:defRPr>
+            </a:lvl2pPr>
+            <a:lvl3pPr marL="1143000" indent="-228600" eaLnBrk="0" hangingPunct="0">
+              <a:defRPr b="1">
+                <a:solidFill>
+                  <a:schemeClr val="tx1"/>
+                </a:solidFill>
+                <a:latin typeface="Arial" pitchFamily="34" charset="0"/>
+                <a:ea typeface="微软雅黑" pitchFamily="34" charset="-122"/>
+              </a:defRPr>
+            </a:lvl3pPr>
+            <a:lvl4pPr marL="1600200" indent="-228600" eaLnBrk="0" hangingPunct="0">
+              <a:defRPr b="1">
+                <a:solidFill>
+                  <a:schemeClr val="tx1"/>
+                </a:solidFill>
+                <a:latin typeface="Arial" pitchFamily="34" charset="0"/>
+                <a:ea typeface="微软雅黑" pitchFamily="34" charset="-122"/>
+              </a:defRPr>
+            </a:lvl4pPr>
+            <a:lvl5pPr marL="2057400" indent="-228600" eaLnBrk="0" hangingPunct="0">
+              <a:defRPr b="1">
+                <a:solidFill>
+                  <a:schemeClr val="tx1"/>
+                </a:solidFill>
+                <a:latin typeface="Arial" pitchFamily="34" charset="0"/>
+                <a:ea typeface="微软雅黑" pitchFamily="34" charset="-122"/>
+              </a:defRPr>
+            </a:lvl5pPr>
+            <a:lvl6pPr marL="2514600" indent="-228600" algn="ctr" eaLnBrk="0" fontAlgn="base" hangingPunct="0">
+              <a:spcBef>
+                <a:spcPct val="0"/>
+              </a:spcBef>
+              <a:spcAft>
+                <a:spcPct val="0"/>
+              </a:spcAft>
+              <a:buFont typeface="Arial" pitchFamily="34" charset="0"/>
+              <a:defRPr b="1">
+                <a:solidFill>
+                  <a:schemeClr val="tx1"/>
+                </a:solidFill>
+                <a:latin typeface="Arial" pitchFamily="34" charset="0"/>
+                <a:ea typeface="微软雅黑" pitchFamily="34" charset="-122"/>
+              </a:defRPr>
+            </a:lvl6pPr>
+            <a:lvl7pPr marL="2971800" indent="-228600" algn="ctr" eaLnBrk="0" fontAlgn="base" hangingPunct="0">
+              <a:spcBef>
+                <a:spcPct val="0"/>
+              </a:spcBef>
+              <a:spcAft>
+                <a:spcPct val="0"/>
+              </a:spcAft>
+              <a:buFont typeface="Arial" pitchFamily="34" charset="0"/>
+              <a:defRPr b="1">
+                <a:solidFill>
+                  <a:schemeClr val="tx1"/>
+                </a:solidFill>
+                <a:latin typeface="Arial" pitchFamily="34" charset="0"/>
+                <a:ea typeface="微软雅黑" pitchFamily="34" charset="-122"/>
+              </a:defRPr>
+            </a:lvl7pPr>
+            <a:lvl8pPr marL="3429000" indent="-228600" algn="ctr" eaLnBrk="0" fontAlgn="base" hangingPunct="0">
+              <a:spcBef>
+                <a:spcPct val="0"/>
+              </a:spcBef>
+              <a:spcAft>
+                <a:spcPct val="0"/>
+              </a:spcAft>
+              <a:buFont typeface="Arial" pitchFamily="34" charset="0"/>
+              <a:defRPr b="1">
+                <a:solidFill>
+                  <a:schemeClr val="tx1"/>
+                </a:solidFill>
+                <a:latin typeface="Arial" pitchFamily="34" charset="0"/>
+                <a:ea typeface="微软雅黑" pitchFamily="34" charset="-122"/>
+              </a:defRPr>
+            </a:lvl8pPr>
+            <a:lvl9pPr marL="3886200" indent="-228600" algn="ctr" eaLnBrk="0" fontAlgn="base" hangingPunct="0">
+              <a:spcBef>
+                <a:spcPct val="0"/>
+              </a:spcBef>
+              <a:spcAft>
+                <a:spcPct val="0"/>
+              </a:spcAft>
+              <a:buFont typeface="Arial" pitchFamily="34" charset="0"/>
+              <a:defRPr b="1">
+                <a:solidFill>
+                  <a:schemeClr val="tx1"/>
+                </a:solidFill>
+                <a:latin typeface="Arial" pitchFamily="34" charset="0"/>
+                <a:ea typeface="微软雅黑" pitchFamily="34" charset="-122"/>
+              </a:defRPr>
+            </a:lvl9pPr>
+          </a:lstStyle>
+          <a:p>
+            <a:pPr algn="l" eaLnBrk="1" hangingPunct="1"/>
+            <a:r>
+              <a:rPr lang="zh-CN" altLang="en-US" sz="2800" dirty="0"/>
+              <a:t>复杂</a:t>
+            </a:r>
+            <a:r>
+              <a:rPr lang="zh-CN" altLang="en-US" sz="2800" dirty="0" smtClean="0"/>
+              <a:t>逻辑无法用条件判断表达</a:t>
+            </a:r>
+            <a:endParaRPr lang="en-US" sz="2800" dirty="0"/>
+          </a:p>
+        </p:txBody>
+      </p:sp>
+    </p:spTree>
+  </p:cSld>
+  <p:clrMapOvr>
+    <a:masterClrMapping/>
+  </p:clrMapOvr>
+  <p:timing>
+    <p:tnLst>
+      <p:par>
+        <p:cTn id="1" dur="indefinite" restart="never" nodeType="tmRoot"/>
+      </p:par>
+    </p:tnLst>
+  </p:timing>
+</p:sld>
+</file>
+
+<file path=ppt/slides/slide32.xml><?xml version="1.0" encoding="utf-8"?>
+<p:sld xmlns:a="http://schemas.openxmlformats.org/drawingml/2006/main" xmlns:r="http://schemas.openxmlformats.org/officeDocument/2006/relationships" xmlns:p="http://schemas.openxmlformats.org/presentationml/2006/main">
+  <p:cSld>
+    <p:spTree>
+      <p:nvGrpSpPr>
+        <p:cNvPr id="1" name=""/>
+        <p:cNvGrpSpPr/>
+        <p:nvPr/>
+      </p:nvGrpSpPr>
+      <p:grpSpPr>
+        <a:xfrm>
+          <a:off x="0" y="0"/>
+          <a:ext cx="0" cy="0"/>
+          <a:chOff x="0" y="0"/>
+          <a:chExt cx="0" cy="0"/>
+        </a:xfrm>
+      </p:grpSpPr>
+      <p:sp>
+        <p:nvSpPr>
+          <p:cNvPr id="2" name="标题 1"/>
+          <p:cNvSpPr>
+            <a:spLocks noGrp="1"/>
+          </p:cNvSpPr>
+          <p:nvPr>
+            <p:ph type="title"/>
+          </p:nvPr>
+        </p:nvSpPr>
         <p:spPr/>
         <p:txBody>
           <a:bodyPr/>
@@ -9471,7 +9865,7 @@
 </p:sld>
 </file>
 
-<file path=ppt/slides/slide31.xml><?xml version="1.0" encoding="utf-8"?>
+<file path=ppt/slides/slide33.xml><?xml version="1.0" encoding="utf-8"?>
 <p:sld xmlns:a="http://schemas.openxmlformats.org/drawingml/2006/main" xmlns:r="http://schemas.openxmlformats.org/officeDocument/2006/relationships" xmlns:p="http://schemas.openxmlformats.org/presentationml/2006/main">
   <p:cSld>
     <p:spTree>
@@ -9786,7 +10180,7 @@
 </p:sld>
 </file>
 
-<file path=ppt/slides/slide32.xml><?xml version="1.0" encoding="utf-8"?>
+<file path=ppt/slides/slide34.xml><?xml version="1.0" encoding="utf-8"?>
 <p:sld xmlns:a="http://schemas.openxmlformats.org/drawingml/2006/main" xmlns:r="http://schemas.openxmlformats.org/officeDocument/2006/relationships" xmlns:p="http://schemas.openxmlformats.org/presentationml/2006/main">
   <p:cSld>
     <p:spTree>
@@ -9869,7 +10263,7 @@
 </p:sld>
 </file>
 
-<file path=ppt/slides/slide33.xml><?xml version="1.0" encoding="utf-8"?>
+<file path=ppt/slides/slide35.xml><?xml version="1.0" encoding="utf-8"?>
 <p:sld xmlns:a="http://schemas.openxmlformats.org/drawingml/2006/main" xmlns:r="http://schemas.openxmlformats.org/officeDocument/2006/relationships" xmlns:p="http://schemas.openxmlformats.org/presentationml/2006/main">
   <p:cSld>
     <p:spTree>
@@ -10181,7 +10575,7 @@
 </p:sld>
 </file>
 
-<file path=ppt/slides/slide34.xml><?xml version="1.0" encoding="utf-8"?>
+<file path=ppt/slides/slide36.xml><?xml version="1.0" encoding="utf-8"?>
 <p:sld xmlns:a="http://schemas.openxmlformats.org/drawingml/2006/main" xmlns:r="http://schemas.openxmlformats.org/officeDocument/2006/relationships" xmlns:p="http://schemas.openxmlformats.org/presentationml/2006/main">
   <p:cSld>
     <p:spTree>
@@ -10331,7 +10725,7 @@
 </p:sld>
 </file>
 
-<file path=ppt/slides/slide35.xml><?xml version="1.0" encoding="utf-8"?>
+<file path=ppt/slides/slide37.xml><?xml version="1.0" encoding="utf-8"?>
 <p:sld xmlns:a="http://schemas.openxmlformats.org/drawingml/2006/main" xmlns:r="http://schemas.openxmlformats.org/officeDocument/2006/relationships" xmlns:p="http://schemas.openxmlformats.org/presentationml/2006/main">
   <p:cSld>
     <p:spTree>
@@ -10490,7 +10884,7 @@
 </p:sld>
 </file>
 
-<file path=ppt/slides/slide36.xml><?xml version="1.0" encoding="utf-8"?>
+<file path=ppt/slides/slide38.xml><?xml version="1.0" encoding="utf-8"?>
 <p:sld xmlns:a="http://schemas.openxmlformats.org/drawingml/2006/main" xmlns:r="http://schemas.openxmlformats.org/officeDocument/2006/relationships" xmlns:p="http://schemas.openxmlformats.org/presentationml/2006/main">
   <p:cSld>
     <p:spTree>
@@ -10593,7 +10987,7 @@
 </p:sld>
 </file>
 
-<file path=ppt/slides/slide37.xml><?xml version="1.0" encoding="utf-8"?>
+<file path=ppt/slides/slide39.xml><?xml version="1.0" encoding="utf-8"?>
 <p:sld xmlns:a="http://schemas.openxmlformats.org/drawingml/2006/main" xmlns:r="http://schemas.openxmlformats.org/officeDocument/2006/relationships" xmlns:p="http://schemas.openxmlformats.org/presentationml/2006/main">
   <p:cSld>
     <p:spTree>
@@ -10696,7 +11090,209 @@
 </p:sld>
 </file>
 
-<file path=ppt/slides/slide38.xml><?xml version="1.0" encoding="utf-8"?>
+<file path=ppt/slides/slide4.xml><?xml version="1.0" encoding="utf-8"?>
+<p:sld xmlns:a="http://schemas.openxmlformats.org/drawingml/2006/main" xmlns:r="http://schemas.openxmlformats.org/officeDocument/2006/relationships" xmlns:p="http://schemas.openxmlformats.org/presentationml/2006/main">
+  <p:cSld>
+    <p:spTree>
+      <p:nvGrpSpPr>
+        <p:cNvPr id="1" name=""/>
+        <p:cNvGrpSpPr/>
+        <p:nvPr/>
+      </p:nvGrpSpPr>
+      <p:grpSpPr>
+        <a:xfrm>
+          <a:off x="0" y="0"/>
+          <a:ext cx="0" cy="0"/>
+          <a:chOff x="0" y="0"/>
+          <a:chExt cx="0" cy="0"/>
+        </a:xfrm>
+      </p:grpSpPr>
+      <p:sp>
+        <p:nvSpPr>
+          <p:cNvPr id="2" name="标题 1"/>
+          <p:cNvSpPr>
+            <a:spLocks noGrp="1"/>
+          </p:cNvSpPr>
+          <p:nvPr>
+            <p:ph type="title"/>
+          </p:nvPr>
+        </p:nvSpPr>
+        <p:spPr/>
+        <p:txBody>
+          <a:bodyPr/>
+          <a:lstStyle/>
+          <a:p>
+            <a:r>
+              <a:rPr lang="zh-CN" altLang="en-US" dirty="0" smtClean="0"/>
+              <a:t>典型</a:t>
+            </a:r>
+            <a:r>
+              <a:rPr lang="zh-CN" altLang="en-US" dirty="0"/>
+              <a:t>开发</a:t>
+            </a:r>
+            <a:r>
+              <a:rPr lang="zh-CN" altLang="en-US" dirty="0" smtClean="0"/>
+              <a:t>场景</a:t>
+            </a:r>
+            <a:endParaRPr lang="zh-CN" altLang="en-US" dirty="0"/>
+          </a:p>
+        </p:txBody>
+      </p:sp>
+      <p:sp>
+        <p:nvSpPr>
+          <p:cNvPr id="3" name="内容占位符 2"/>
+          <p:cNvSpPr>
+            <a:spLocks noGrp="1"/>
+          </p:cNvSpPr>
+          <p:nvPr>
+            <p:ph idx="1"/>
+          </p:nvPr>
+        </p:nvSpPr>
+        <p:spPr/>
+        <p:txBody>
+          <a:bodyPr/>
+          <a:lstStyle/>
+          <a:p>
+            <a:r>
+              <a:rPr lang="zh-CN" altLang="en-US" dirty="0" smtClean="0"/>
+              <a:t>普通程序员</a:t>
+            </a:r>
+            <a:endParaRPr lang="en-US" altLang="zh-CN" dirty="0" smtClean="0"/>
+          </a:p>
+          <a:p>
+            <a:pPr lvl="1"/>
+            <a:r>
+              <a:rPr lang="zh-CN" altLang="en-US" dirty="0" smtClean="0"/>
+              <a:t>早上</a:t>
+            </a:r>
+            <a:r>
+              <a:rPr lang="zh-CN" altLang="en-US" dirty="0"/>
+              <a:t>，心情忐忑的来上班</a:t>
+            </a:r>
+            <a:endParaRPr lang="en-US" altLang="zh-CN" dirty="0"/>
+          </a:p>
+          <a:p>
+            <a:pPr lvl="1"/>
+            <a:r>
+              <a:rPr lang="zh-CN" altLang="en-US" dirty="0"/>
+              <a:t>打开电脑，邮箱里面又有一封信，功能要改，线上报错。。。</a:t>
+            </a:r>
+            <a:endParaRPr lang="en-US" altLang="zh-CN" dirty="0"/>
+          </a:p>
+          <a:p>
+            <a:pPr lvl="1"/>
+            <a:r>
+              <a:rPr lang="zh-CN" altLang="en-US" dirty="0"/>
+              <a:t>又要看代码了，不要</a:t>
+            </a:r>
+            <a:r>
+              <a:rPr lang="zh-CN" altLang="en-US"/>
+              <a:t>问</a:t>
+            </a:r>
+            <a:r>
+              <a:rPr lang="zh-CN" altLang="en-US" smtClean="0"/>
+              <a:t>我</a:t>
+            </a:r>
+            <a:r>
+              <a:rPr lang="zh-CN" altLang="en-US"/>
+              <a:t>为</a:t>
+            </a:r>
+            <a:r>
+              <a:rPr lang="zh-CN" altLang="en-US" smtClean="0"/>
+              <a:t>什么</a:t>
+            </a:r>
+            <a:r>
+              <a:rPr lang="zh-CN" altLang="en-US" dirty="0"/>
+              <a:t>不看文档</a:t>
+            </a:r>
+            <a:endParaRPr lang="en-US" altLang="zh-CN" dirty="0"/>
+          </a:p>
+          <a:p>
+            <a:pPr lvl="1"/>
+            <a:r>
+              <a:rPr lang="zh-CN" altLang="en-US" dirty="0"/>
+              <a:t>几百个源码文件，动辄几千行代码，叫我怎么看？心情糟透了</a:t>
+            </a:r>
+            <a:endParaRPr lang="en-US" altLang="zh-CN" dirty="0"/>
+          </a:p>
+          <a:p>
+            <a:pPr lvl="1"/>
+            <a:r>
+              <a:rPr lang="zh-CN" altLang="en-US" dirty="0"/>
+              <a:t>吃中饭了</a:t>
+            </a:r>
+            <a:endParaRPr lang="en-US" altLang="zh-CN" dirty="0"/>
+          </a:p>
+          <a:p>
+            <a:pPr lvl="1"/>
+            <a:r>
+              <a:rPr lang="zh-CN" altLang="en-US" dirty="0"/>
+              <a:t>心情继续</a:t>
+            </a:r>
+            <a:r>
+              <a:rPr lang="zh-CN" altLang="en-US" dirty="0" smtClean="0"/>
+              <a:t>糟透了，今天得加班了</a:t>
+            </a:r>
+            <a:endParaRPr lang="en-US" altLang="zh-CN" dirty="0" smtClean="0"/>
+          </a:p>
+          <a:p>
+            <a:pPr lvl="1"/>
+            <a:r>
+              <a:rPr lang="zh-CN" altLang="en-US" dirty="0" smtClean="0"/>
+              <a:t>吃晚饭</a:t>
+            </a:r>
+            <a:endParaRPr lang="en-US" altLang="zh-CN" dirty="0" smtClean="0"/>
+          </a:p>
+          <a:p>
+            <a:pPr lvl="1"/>
+            <a:r>
+              <a:rPr lang="zh-CN" altLang="en-US" dirty="0" smtClean="0"/>
+              <a:t>加班</a:t>
+            </a:r>
+          </a:p>
+          <a:p>
+            <a:pPr lvl="1"/>
+            <a:r>
+              <a:rPr lang="zh-CN" altLang="en-US" dirty="0"/>
+              <a:t>。。</a:t>
+            </a:r>
+            <a:r>
+              <a:rPr lang="zh-CN" altLang="en-US" dirty="0" smtClean="0"/>
+              <a:t>。</a:t>
+            </a:r>
+            <a:endParaRPr lang="en-US" altLang="zh-CN" dirty="0" smtClean="0"/>
+          </a:p>
+          <a:p>
+            <a:pPr lvl="1"/>
+            <a:r>
+              <a:rPr lang="zh-CN" altLang="en-US" dirty="0" smtClean="0"/>
+              <a:t>感觉被掏空</a:t>
+            </a:r>
+            <a:endParaRPr lang="zh-CN" altLang="en-US" dirty="0"/>
+          </a:p>
+        </p:txBody>
+      </p:sp>
+    </p:spTree>
+    <p:extLst>
+      <p:ext uri="{BB962C8B-B14F-4D97-AF65-F5344CB8AC3E}">
+        <p14:creationId xmlns:p14="http://schemas.microsoft.com/office/powerpoint/2010/main" val="1991888511"/>
+      </p:ext>
+    </p:extLst>
+  </p:cSld>
+  <p:clrMapOvr>
+    <a:masterClrMapping/>
+  </p:clrMapOvr>
+  <p:timing>
+    <p:tnLst>
+      <p:par>
+        <p:cTn id="1" dur="indefinite" restart="never" nodeType="tmRoot"/>
+      </p:par>
+    </p:tnLst>
+  </p:timing>
+</p:sld>
+</file>
+
+<file path=ppt/slides/slide40.xml><?xml version="1.0" encoding="utf-8"?>
 <p:sld xmlns:a="http://schemas.openxmlformats.org/drawingml/2006/main" xmlns:r="http://schemas.openxmlformats.org/officeDocument/2006/relationships" xmlns:p="http://schemas.openxmlformats.org/presentationml/2006/main">
   <p:cSld>
     <p:spTree>
@@ -10776,7 +11372,7 @@
 </p:sld>
 </file>
 
-<file path=ppt/slides/slide39.xml><?xml version="1.0" encoding="utf-8"?>
+<file path=ppt/slides/slide41.xml><?xml version="1.0" encoding="utf-8"?>
 <p:sld xmlns:a="http://schemas.openxmlformats.org/drawingml/2006/main" xmlns:r="http://schemas.openxmlformats.org/officeDocument/2006/relationships" xmlns:p="http://schemas.openxmlformats.org/presentationml/2006/main">
   <p:cSld>
     <p:spTree>
@@ -10958,209 +11554,7 @@
 </p:sld>
 </file>
 
-<file path=ppt/slides/slide4.xml><?xml version="1.0" encoding="utf-8"?>
-<p:sld xmlns:a="http://schemas.openxmlformats.org/drawingml/2006/main" xmlns:r="http://schemas.openxmlformats.org/officeDocument/2006/relationships" xmlns:p="http://schemas.openxmlformats.org/presentationml/2006/main">
-  <p:cSld>
-    <p:spTree>
-      <p:nvGrpSpPr>
-        <p:cNvPr id="1" name=""/>
-        <p:cNvGrpSpPr/>
-        <p:nvPr/>
-      </p:nvGrpSpPr>
-      <p:grpSpPr>
-        <a:xfrm>
-          <a:off x="0" y="0"/>
-          <a:ext cx="0" cy="0"/>
-          <a:chOff x="0" y="0"/>
-          <a:chExt cx="0" cy="0"/>
-        </a:xfrm>
-      </p:grpSpPr>
-      <p:sp>
-        <p:nvSpPr>
-          <p:cNvPr id="2" name="标题 1"/>
-          <p:cNvSpPr>
-            <a:spLocks noGrp="1"/>
-          </p:cNvSpPr>
-          <p:nvPr>
-            <p:ph type="title"/>
-          </p:nvPr>
-        </p:nvSpPr>
-        <p:spPr/>
-        <p:txBody>
-          <a:bodyPr/>
-          <a:lstStyle/>
-          <a:p>
-            <a:r>
-              <a:rPr lang="zh-CN" altLang="en-US" dirty="0" smtClean="0"/>
-              <a:t>典型</a:t>
-            </a:r>
-            <a:r>
-              <a:rPr lang="zh-CN" altLang="en-US" dirty="0"/>
-              <a:t>开发</a:t>
-            </a:r>
-            <a:r>
-              <a:rPr lang="zh-CN" altLang="en-US" dirty="0" smtClean="0"/>
-              <a:t>场景</a:t>
-            </a:r>
-            <a:endParaRPr lang="zh-CN" altLang="en-US" dirty="0"/>
-          </a:p>
-        </p:txBody>
-      </p:sp>
-      <p:sp>
-        <p:nvSpPr>
-          <p:cNvPr id="3" name="内容占位符 2"/>
-          <p:cNvSpPr>
-            <a:spLocks noGrp="1"/>
-          </p:cNvSpPr>
-          <p:nvPr>
-            <p:ph idx="1"/>
-          </p:nvPr>
-        </p:nvSpPr>
-        <p:spPr/>
-        <p:txBody>
-          <a:bodyPr/>
-          <a:lstStyle/>
-          <a:p>
-            <a:r>
-              <a:rPr lang="zh-CN" altLang="en-US" dirty="0" smtClean="0"/>
-              <a:t>普通程序员</a:t>
-            </a:r>
-            <a:endParaRPr lang="en-US" altLang="zh-CN" dirty="0" smtClean="0"/>
-          </a:p>
-          <a:p>
-            <a:pPr lvl="1"/>
-            <a:r>
-              <a:rPr lang="zh-CN" altLang="en-US" dirty="0" smtClean="0"/>
-              <a:t>早上</a:t>
-            </a:r>
-            <a:r>
-              <a:rPr lang="zh-CN" altLang="en-US" dirty="0"/>
-              <a:t>，心情忐忑的来上班</a:t>
-            </a:r>
-            <a:endParaRPr lang="en-US" altLang="zh-CN" dirty="0"/>
-          </a:p>
-          <a:p>
-            <a:pPr lvl="1"/>
-            <a:r>
-              <a:rPr lang="zh-CN" altLang="en-US" dirty="0"/>
-              <a:t>打开电脑，邮箱里面又有一封信，功能要改，线上报错。。。</a:t>
-            </a:r>
-            <a:endParaRPr lang="en-US" altLang="zh-CN" dirty="0"/>
-          </a:p>
-          <a:p>
-            <a:pPr lvl="1"/>
-            <a:r>
-              <a:rPr lang="zh-CN" altLang="en-US" dirty="0"/>
-              <a:t>又要看代码了，不要</a:t>
-            </a:r>
-            <a:r>
-              <a:rPr lang="zh-CN" altLang="en-US"/>
-              <a:t>问</a:t>
-            </a:r>
-            <a:r>
-              <a:rPr lang="zh-CN" altLang="en-US" smtClean="0"/>
-              <a:t>我</a:t>
-            </a:r>
-            <a:r>
-              <a:rPr lang="zh-CN" altLang="en-US"/>
-              <a:t>为</a:t>
-            </a:r>
-            <a:r>
-              <a:rPr lang="zh-CN" altLang="en-US" smtClean="0"/>
-              <a:t>什么</a:t>
-            </a:r>
-            <a:r>
-              <a:rPr lang="zh-CN" altLang="en-US" dirty="0"/>
-              <a:t>不看文档</a:t>
-            </a:r>
-            <a:endParaRPr lang="en-US" altLang="zh-CN" dirty="0"/>
-          </a:p>
-          <a:p>
-            <a:pPr lvl="1"/>
-            <a:r>
-              <a:rPr lang="zh-CN" altLang="en-US" dirty="0"/>
-              <a:t>几百个源码文件，动辄几千行代码，叫我怎么看？心情糟透了</a:t>
-            </a:r>
-            <a:endParaRPr lang="en-US" altLang="zh-CN" dirty="0"/>
-          </a:p>
-          <a:p>
-            <a:pPr lvl="1"/>
-            <a:r>
-              <a:rPr lang="zh-CN" altLang="en-US" dirty="0"/>
-              <a:t>吃中饭了</a:t>
-            </a:r>
-            <a:endParaRPr lang="en-US" altLang="zh-CN" dirty="0"/>
-          </a:p>
-          <a:p>
-            <a:pPr lvl="1"/>
-            <a:r>
-              <a:rPr lang="zh-CN" altLang="en-US" dirty="0"/>
-              <a:t>心情继续</a:t>
-            </a:r>
-            <a:r>
-              <a:rPr lang="zh-CN" altLang="en-US" dirty="0" smtClean="0"/>
-              <a:t>糟透了，今天得加班了</a:t>
-            </a:r>
-            <a:endParaRPr lang="en-US" altLang="zh-CN" dirty="0" smtClean="0"/>
-          </a:p>
-          <a:p>
-            <a:pPr lvl="1"/>
-            <a:r>
-              <a:rPr lang="zh-CN" altLang="en-US" dirty="0" smtClean="0"/>
-              <a:t>吃晚饭</a:t>
-            </a:r>
-            <a:endParaRPr lang="en-US" altLang="zh-CN" dirty="0" smtClean="0"/>
-          </a:p>
-          <a:p>
-            <a:pPr lvl="1"/>
-            <a:r>
-              <a:rPr lang="zh-CN" altLang="en-US" dirty="0" smtClean="0"/>
-              <a:t>加班</a:t>
-            </a:r>
-          </a:p>
-          <a:p>
-            <a:pPr lvl="1"/>
-            <a:r>
-              <a:rPr lang="zh-CN" altLang="en-US" dirty="0"/>
-              <a:t>。。</a:t>
-            </a:r>
-            <a:r>
-              <a:rPr lang="zh-CN" altLang="en-US" dirty="0" smtClean="0"/>
-              <a:t>。</a:t>
-            </a:r>
-            <a:endParaRPr lang="en-US" altLang="zh-CN" dirty="0" smtClean="0"/>
-          </a:p>
-          <a:p>
-            <a:pPr lvl="1"/>
-            <a:r>
-              <a:rPr lang="zh-CN" altLang="en-US" dirty="0" smtClean="0"/>
-              <a:t>感觉被掏空</a:t>
-            </a:r>
-            <a:endParaRPr lang="zh-CN" altLang="en-US" dirty="0"/>
-          </a:p>
-        </p:txBody>
-      </p:sp>
-    </p:spTree>
-    <p:extLst>
-      <p:ext uri="{BB962C8B-B14F-4D97-AF65-F5344CB8AC3E}">
-        <p14:creationId xmlns:p14="http://schemas.microsoft.com/office/powerpoint/2010/main" val="1991888511"/>
-      </p:ext>
-    </p:extLst>
-  </p:cSld>
-  <p:clrMapOvr>
-    <a:masterClrMapping/>
-  </p:clrMapOvr>
-  <p:timing>
-    <p:tnLst>
-      <p:par>
-        <p:cTn id="1" dur="indefinite" restart="never" nodeType="tmRoot"/>
-      </p:par>
-    </p:tnLst>
-  </p:timing>
-</p:sld>
-</file>
-
-<file path=ppt/slides/slide40.xml><?xml version="1.0" encoding="utf-8"?>
+<file path=ppt/slides/slide42.xml><?xml version="1.0" encoding="utf-8"?>
 <p:sld xmlns:a="http://schemas.openxmlformats.org/drawingml/2006/main" xmlns:r="http://schemas.openxmlformats.org/officeDocument/2006/relationships" xmlns:p="http://schemas.openxmlformats.org/presentationml/2006/main">
   <p:cSld>
     <p:spTree>
@@ -11263,7 +11657,7 @@
 </p:sld>
 </file>
 
-<file path=ppt/slides/slide41.xml><?xml version="1.0" encoding="utf-8"?>
+<file path=ppt/slides/slide43.xml><?xml version="1.0" encoding="utf-8"?>
 <p:sld xmlns:a="http://schemas.openxmlformats.org/drawingml/2006/main" xmlns:r="http://schemas.openxmlformats.org/officeDocument/2006/relationships" xmlns:p="http://schemas.openxmlformats.org/presentationml/2006/main">
   <p:cSld>
     <p:spTree>
@@ -11329,364 +11723,6 @@
     <p:extLst>
       <p:ext uri="{BB962C8B-B14F-4D97-AF65-F5344CB8AC3E}">
         <p14:creationId xmlns:p14="http://schemas.microsoft.com/office/powerpoint/2010/main" val="217721397"/>
-      </p:ext>
-    </p:extLst>
-  </p:cSld>
-  <p:clrMapOvr>
-    <a:masterClrMapping/>
-  </p:clrMapOvr>
-  <p:timing>
-    <p:tnLst>
-      <p:par>
-        <p:cTn id="1" dur="indefinite" restart="never" nodeType="tmRoot"/>
-      </p:par>
-    </p:tnLst>
-  </p:timing>
-</p:sld>
-</file>
-
-<file path=ppt/slides/slide42.xml><?xml version="1.0" encoding="utf-8"?>
-<p:sld xmlns:a="http://schemas.openxmlformats.org/drawingml/2006/main" xmlns:r="http://schemas.openxmlformats.org/officeDocument/2006/relationships" xmlns:p="http://schemas.openxmlformats.org/presentationml/2006/main">
-  <p:cSld>
-    <p:spTree>
-      <p:nvGrpSpPr>
-        <p:cNvPr id="1" name=""/>
-        <p:cNvGrpSpPr/>
-        <p:nvPr/>
-      </p:nvGrpSpPr>
-      <p:grpSpPr>
-        <a:xfrm>
-          <a:off x="0" y="0"/>
-          <a:ext cx="0" cy="0"/>
-          <a:chOff x="0" y="0"/>
-          <a:chExt cx="0" cy="0"/>
-        </a:xfrm>
-      </p:grpSpPr>
-      <p:sp>
-        <p:nvSpPr>
-          <p:cNvPr id="51202" name="标题 1"/>
-          <p:cNvSpPr>
-            <a:spLocks noGrp="1"/>
-          </p:cNvSpPr>
-          <p:nvPr>
-            <p:ph type="title"/>
-          </p:nvPr>
-        </p:nvSpPr>
-        <p:spPr/>
-        <p:txBody>
-          <a:bodyPr/>
-          <a:lstStyle/>
-          <a:p>
-            <a:r>
-              <a:rPr lang="en-US" dirty="0" smtClean="0"/>
-              <a:t>X series </a:t>
-            </a:r>
-            <a:r>
-              <a:rPr lang="zh-CN" altLang="en-US" dirty="0" smtClean="0"/>
-              <a:t>资源</a:t>
-            </a:r>
-            <a:endParaRPr lang="en-US" dirty="0" smtClean="0"/>
-          </a:p>
-        </p:txBody>
-      </p:sp>
-      <p:sp>
-        <p:nvSpPr>
-          <p:cNvPr id="51203" name="内容占位符 2"/>
-          <p:cNvSpPr>
-            <a:spLocks noGrp="1"/>
-          </p:cNvSpPr>
-          <p:nvPr>
-            <p:ph idx="1"/>
-          </p:nvPr>
-        </p:nvSpPr>
-        <p:spPr/>
-        <p:txBody>
-          <a:bodyPr/>
-          <a:lstStyle/>
-          <a:p>
-            <a:r>
-              <a:rPr lang="zh-CN" altLang="en-US" dirty="0" smtClean="0"/>
-              <a:t>开源代码库</a:t>
-            </a:r>
-            <a:endParaRPr lang="en-US" dirty="0"/>
-          </a:p>
-          <a:p>
-            <a:pPr lvl="1"/>
-            <a:r>
-              <a:rPr lang="en-US" sz="1200" dirty="0">
-                <a:hlinkClick r:id="rId2"/>
-              </a:rPr>
-              <a:t>https://</a:t>
-            </a:r>
-            <a:r>
-              <a:rPr lang="en-US" sz="1200" dirty="0" smtClean="0">
-                <a:hlinkClick r:id="rId2"/>
-              </a:rPr>
-              <a:t>github.com/hejiehui/xross-tools-installer</a:t>
-            </a:r>
-            <a:endParaRPr lang="en-US" sz="1200" dirty="0" smtClean="0"/>
-          </a:p>
-          <a:p>
-            <a:r>
-              <a:rPr lang="zh-CN" altLang="en-US" dirty="0" smtClean="0"/>
-              <a:t>直播</a:t>
-            </a:r>
-            <a:endParaRPr lang="en-US" altLang="zh-CN" dirty="0" smtClean="0">
-              <a:hlinkClick r:id="rId3"/>
-            </a:endParaRPr>
-          </a:p>
-          <a:p>
-            <a:pPr lvl="1"/>
-            <a:r>
-              <a:rPr lang="zh-CN" altLang="en-US" sz="1200" dirty="0" smtClean="0">
-                <a:hlinkClick r:id="rId3"/>
-              </a:rPr>
-              <a:t>解锁</a:t>
-            </a:r>
-            <a:r>
-              <a:rPr lang="zh-CN" altLang="en-US" sz="1200" dirty="0">
-                <a:hlinkClick r:id="rId3"/>
-              </a:rPr>
-              <a:t>进入千万级代码系统的正确</a:t>
-            </a:r>
-            <a:r>
-              <a:rPr lang="zh-CN" altLang="en-US" sz="1200" dirty="0" smtClean="0">
-                <a:hlinkClick r:id="rId3"/>
-              </a:rPr>
-              <a:t>姿势</a:t>
-            </a:r>
-            <a:endParaRPr lang="en-US" altLang="zh-CN" sz="1200" dirty="0" smtClean="0"/>
-          </a:p>
-          <a:p>
-            <a:r>
-              <a:rPr lang="zh-CN" altLang="en-US" sz="1600" dirty="0" smtClean="0"/>
-              <a:t>设计思路详解</a:t>
-            </a:r>
-            <a:endParaRPr lang="en-US" altLang="zh-CN" sz="1600" dirty="0" smtClean="0"/>
-          </a:p>
-          <a:p>
-            <a:pPr lvl="1"/>
-            <a:r>
-              <a:rPr lang="zh-CN" altLang="en-US" sz="1200" dirty="0">
-                <a:hlinkClick r:id="rId4"/>
-              </a:rPr>
-              <a:t>提高系统开发效率的“银弹”</a:t>
-            </a:r>
-            <a:r>
-              <a:rPr lang="en-US" altLang="zh-CN" sz="1200" dirty="0">
-                <a:hlinkClick r:id="rId4"/>
-              </a:rPr>
-              <a:t>——X-series</a:t>
-            </a:r>
-            <a:r>
-              <a:rPr lang="zh-CN" altLang="en-US" sz="1200" dirty="0">
-                <a:hlinkClick r:id="rId4"/>
-              </a:rPr>
-              <a:t>可视化大规模应用开发工具</a:t>
-            </a:r>
-            <a:r>
-              <a:rPr lang="zh-CN" altLang="en-US" sz="1200" dirty="0" smtClean="0">
-                <a:hlinkClick r:id="rId4"/>
-              </a:rPr>
-              <a:t>集</a:t>
-            </a:r>
-            <a:endParaRPr lang="en-US" altLang="zh-CN" sz="1200" dirty="0" smtClean="0"/>
-          </a:p>
-          <a:p>
-            <a:r>
-              <a:rPr lang="zh-CN" altLang="en-US" sz="1600" dirty="0" smtClean="0"/>
-              <a:t>技术博客</a:t>
-            </a:r>
-            <a:endParaRPr lang="en-US" altLang="zh-CN" sz="1600" dirty="0" smtClean="0"/>
-          </a:p>
-          <a:p>
-            <a:pPr lvl="1"/>
-            <a:r>
-              <a:rPr lang="en-US" sz="1200" dirty="0">
-                <a:hlinkClick r:id="rId5"/>
-              </a:rPr>
-              <a:t>https://</a:t>
-            </a:r>
-            <a:r>
-              <a:rPr lang="en-US" sz="1200" dirty="0" smtClean="0">
-                <a:hlinkClick r:id="rId5"/>
-              </a:rPr>
-              <a:t>my.oschina.net/hejiehui/home</a:t>
-            </a:r>
-            <a:endParaRPr lang="en-US" sz="1200" dirty="0" smtClean="0"/>
-          </a:p>
-          <a:p>
-            <a:pPr lvl="1"/>
-            <a:endParaRPr lang="en-US" dirty="0" smtClean="0"/>
-          </a:p>
-          <a:p>
-            <a:endParaRPr lang="en-US" dirty="0" smtClean="0"/>
-          </a:p>
-        </p:txBody>
-      </p:sp>
-    </p:spTree>
-  </p:cSld>
-  <p:clrMapOvr>
-    <a:masterClrMapping/>
-  </p:clrMapOvr>
-  <p:timing>
-    <p:tnLst>
-      <p:par>
-        <p:cTn id="1" dur="indefinite" restart="never" nodeType="tmRoot"/>
-      </p:par>
-    </p:tnLst>
-  </p:timing>
-</p:sld>
-</file>
-
-<file path=ppt/slides/slide43.xml><?xml version="1.0" encoding="utf-8"?>
-<p:sld xmlns:a="http://schemas.openxmlformats.org/drawingml/2006/main" xmlns:r="http://schemas.openxmlformats.org/officeDocument/2006/relationships" xmlns:p="http://schemas.openxmlformats.org/presentationml/2006/main">
-  <p:cSld>
-    <p:spTree>
-      <p:nvGrpSpPr>
-        <p:cNvPr id="1" name=""/>
-        <p:cNvGrpSpPr/>
-        <p:nvPr/>
-      </p:nvGrpSpPr>
-      <p:grpSpPr>
-        <a:xfrm>
-          <a:off x="0" y="0"/>
-          <a:ext cx="0" cy="0"/>
-          <a:chOff x="0" y="0"/>
-          <a:chExt cx="0" cy="0"/>
-        </a:xfrm>
-      </p:grpSpPr>
-      <p:sp>
-        <p:nvSpPr>
-          <p:cNvPr id="2" name="标题 1"/>
-          <p:cNvSpPr>
-            <a:spLocks noGrp="1"/>
-          </p:cNvSpPr>
-          <p:nvPr>
-            <p:ph type="title"/>
-          </p:nvPr>
-        </p:nvSpPr>
-        <p:spPr/>
-        <p:txBody>
-          <a:bodyPr/>
-          <a:lstStyle/>
-          <a:p>
-            <a:r>
-              <a:rPr lang="zh-CN" altLang="en-US" dirty="0" smtClean="0"/>
-              <a:t>支持</a:t>
-            </a:r>
-            <a:r>
-              <a:rPr lang="en-US" altLang="zh-CN" dirty="0" smtClean="0"/>
-              <a:t>C#</a:t>
-            </a:r>
-            <a:endParaRPr lang="zh-CN" altLang="en-US" dirty="0"/>
-          </a:p>
-        </p:txBody>
-      </p:sp>
-      <p:sp>
-        <p:nvSpPr>
-          <p:cNvPr id="3" name="内容占位符 2"/>
-          <p:cNvSpPr>
-            <a:spLocks noGrp="1"/>
-          </p:cNvSpPr>
-          <p:nvPr>
-            <p:ph idx="1"/>
-          </p:nvPr>
-        </p:nvSpPr>
-        <p:spPr/>
-        <p:txBody>
-          <a:bodyPr/>
-          <a:lstStyle/>
-          <a:p>
-            <a:r>
-              <a:rPr lang="en-US" altLang="zh-CN" dirty="0" err="1" smtClean="0"/>
-              <a:t>Xross</a:t>
-            </a:r>
-            <a:r>
-              <a:rPr lang="en-US" altLang="zh-CN" dirty="0" smtClean="0"/>
-              <a:t> unit C# runtime</a:t>
-            </a:r>
-          </a:p>
-          <a:p>
-            <a:pPr lvl="1"/>
-            <a:r>
-              <a:rPr lang="en-US" altLang="zh-CN" sz="1200" dirty="0" smtClean="0">
-                <a:hlinkClick r:id="rId2"/>
-              </a:rPr>
-              <a:t>https</a:t>
-            </a:r>
-            <a:r>
-              <a:rPr lang="en-US" altLang="zh-CN" sz="1200" dirty="0">
-                <a:hlinkClick r:id="rId2"/>
-              </a:rPr>
-              <a:t>://github.com/hejiehui/xUnit/blob/master/doc/xunit_c%23.zip</a:t>
-            </a:r>
-            <a:endParaRPr lang="en-US" altLang="zh-CN" sz="1200" dirty="0"/>
-          </a:p>
-          <a:p>
-            <a:r>
-              <a:rPr lang="en-US" altLang="zh-CN" dirty="0" err="1" smtClean="0"/>
-              <a:t>Xross</a:t>
-            </a:r>
-            <a:r>
-              <a:rPr lang="en-US" altLang="zh-CN" dirty="0" smtClean="0"/>
-              <a:t> State </a:t>
-            </a:r>
-            <a:r>
-              <a:rPr lang="en-US" altLang="zh-CN" dirty="0"/>
-              <a:t>C# runtime</a:t>
-            </a:r>
-          </a:p>
-          <a:p>
-            <a:pPr lvl="1"/>
-            <a:r>
-              <a:rPr lang="en-US" altLang="zh-CN" sz="1200" dirty="0">
-                <a:hlinkClick r:id="rId3"/>
-              </a:rPr>
-              <a:t>https://github.com/hejiehui/xState/blob/master/doc/xstate_c%23.zip</a:t>
-            </a:r>
-            <a:endParaRPr lang="en-US" altLang="zh-CN" sz="1200" dirty="0"/>
-          </a:p>
-          <a:p>
-            <a:r>
-              <a:rPr lang="en-US" altLang="zh-CN" dirty="0" err="1" smtClean="0"/>
-              <a:t>Xross</a:t>
-            </a:r>
-            <a:r>
-              <a:rPr lang="en-US" altLang="zh-CN" dirty="0" smtClean="0"/>
-              <a:t> Decision </a:t>
-            </a:r>
-            <a:r>
-              <a:rPr lang="en-US" altLang="zh-CN" dirty="0"/>
-              <a:t>C# runtime</a:t>
-            </a:r>
-          </a:p>
-          <a:p>
-            <a:pPr lvl="1"/>
-            <a:r>
-              <a:rPr lang="en-US" altLang="zh-CN" sz="1200" dirty="0">
-                <a:hlinkClick r:id="rId4"/>
-              </a:rPr>
-              <a:t>https://github.com/hejiehui/xDecision/blob/master/doc/xdecision_c%23.zip</a:t>
-            </a:r>
-            <a:endParaRPr lang="en-US" altLang="zh-CN" sz="1200" dirty="0"/>
-          </a:p>
-          <a:p>
-            <a:pPr lvl="1"/>
-            <a:endParaRPr lang="en-US" altLang="zh-CN" dirty="0" smtClean="0"/>
-          </a:p>
-          <a:p>
-            <a:pPr marL="87313" lvl="1" indent="0">
-              <a:buNone/>
-            </a:pPr>
-            <a:endParaRPr lang="zh-CN" altLang="en-US" dirty="0"/>
-          </a:p>
-        </p:txBody>
-      </p:sp>
-    </p:spTree>
-    <p:extLst>
-      <p:ext uri="{BB962C8B-B14F-4D97-AF65-F5344CB8AC3E}">
-        <p14:creationId xmlns:p14="http://schemas.microsoft.com/office/powerpoint/2010/main" val="444055674"/>
       </p:ext>
     </p:extLst>
   </p:cSld>
@@ -11722,6 +11758,364 @@
       </p:grpSpPr>
       <p:sp>
         <p:nvSpPr>
+          <p:cNvPr id="51202" name="标题 1"/>
+          <p:cNvSpPr>
+            <a:spLocks noGrp="1"/>
+          </p:cNvSpPr>
+          <p:nvPr>
+            <p:ph type="title"/>
+          </p:nvPr>
+        </p:nvSpPr>
+        <p:spPr/>
+        <p:txBody>
+          <a:bodyPr/>
+          <a:lstStyle/>
+          <a:p>
+            <a:r>
+              <a:rPr lang="en-US" dirty="0" smtClean="0"/>
+              <a:t>X series </a:t>
+            </a:r>
+            <a:r>
+              <a:rPr lang="zh-CN" altLang="en-US" dirty="0" smtClean="0"/>
+              <a:t>资源</a:t>
+            </a:r>
+            <a:endParaRPr lang="en-US" dirty="0" smtClean="0"/>
+          </a:p>
+        </p:txBody>
+      </p:sp>
+      <p:sp>
+        <p:nvSpPr>
+          <p:cNvPr id="51203" name="内容占位符 2"/>
+          <p:cNvSpPr>
+            <a:spLocks noGrp="1"/>
+          </p:cNvSpPr>
+          <p:nvPr>
+            <p:ph idx="1"/>
+          </p:nvPr>
+        </p:nvSpPr>
+        <p:spPr/>
+        <p:txBody>
+          <a:bodyPr/>
+          <a:lstStyle/>
+          <a:p>
+            <a:r>
+              <a:rPr lang="zh-CN" altLang="en-US" dirty="0" smtClean="0"/>
+              <a:t>开源代码库</a:t>
+            </a:r>
+            <a:endParaRPr lang="en-US" dirty="0"/>
+          </a:p>
+          <a:p>
+            <a:pPr lvl="1"/>
+            <a:r>
+              <a:rPr lang="en-US" sz="1200" dirty="0">
+                <a:hlinkClick r:id="rId2"/>
+              </a:rPr>
+              <a:t>https://</a:t>
+            </a:r>
+            <a:r>
+              <a:rPr lang="en-US" sz="1200" dirty="0" smtClean="0">
+                <a:hlinkClick r:id="rId2"/>
+              </a:rPr>
+              <a:t>github.com/hejiehui/xross-tools-installer</a:t>
+            </a:r>
+            <a:endParaRPr lang="en-US" sz="1200" dirty="0" smtClean="0"/>
+          </a:p>
+          <a:p>
+            <a:r>
+              <a:rPr lang="zh-CN" altLang="en-US" dirty="0" smtClean="0"/>
+              <a:t>直播</a:t>
+            </a:r>
+            <a:endParaRPr lang="en-US" altLang="zh-CN" dirty="0" smtClean="0">
+              <a:hlinkClick r:id="rId3"/>
+            </a:endParaRPr>
+          </a:p>
+          <a:p>
+            <a:pPr lvl="1"/>
+            <a:r>
+              <a:rPr lang="zh-CN" altLang="en-US" sz="1200" dirty="0" smtClean="0">
+                <a:hlinkClick r:id="rId3"/>
+              </a:rPr>
+              <a:t>解锁</a:t>
+            </a:r>
+            <a:r>
+              <a:rPr lang="zh-CN" altLang="en-US" sz="1200" dirty="0">
+                <a:hlinkClick r:id="rId3"/>
+              </a:rPr>
+              <a:t>进入千万级代码系统的正确</a:t>
+            </a:r>
+            <a:r>
+              <a:rPr lang="zh-CN" altLang="en-US" sz="1200" dirty="0" smtClean="0">
+                <a:hlinkClick r:id="rId3"/>
+              </a:rPr>
+              <a:t>姿势</a:t>
+            </a:r>
+            <a:endParaRPr lang="en-US" altLang="zh-CN" sz="1200" dirty="0" smtClean="0"/>
+          </a:p>
+          <a:p>
+            <a:r>
+              <a:rPr lang="zh-CN" altLang="en-US" sz="1600" dirty="0" smtClean="0"/>
+              <a:t>设计思路详解</a:t>
+            </a:r>
+            <a:endParaRPr lang="en-US" altLang="zh-CN" sz="1600" dirty="0" smtClean="0"/>
+          </a:p>
+          <a:p>
+            <a:pPr lvl="1"/>
+            <a:r>
+              <a:rPr lang="zh-CN" altLang="en-US" sz="1200" dirty="0">
+                <a:hlinkClick r:id="rId4"/>
+              </a:rPr>
+              <a:t>提高系统开发效率的“银弹”</a:t>
+            </a:r>
+            <a:r>
+              <a:rPr lang="en-US" altLang="zh-CN" sz="1200" dirty="0">
+                <a:hlinkClick r:id="rId4"/>
+              </a:rPr>
+              <a:t>——X-series</a:t>
+            </a:r>
+            <a:r>
+              <a:rPr lang="zh-CN" altLang="en-US" sz="1200" dirty="0">
+                <a:hlinkClick r:id="rId4"/>
+              </a:rPr>
+              <a:t>可视化大规模应用开发工具</a:t>
+            </a:r>
+            <a:r>
+              <a:rPr lang="zh-CN" altLang="en-US" sz="1200" dirty="0" smtClean="0">
+                <a:hlinkClick r:id="rId4"/>
+              </a:rPr>
+              <a:t>集</a:t>
+            </a:r>
+            <a:endParaRPr lang="en-US" altLang="zh-CN" sz="1200" dirty="0" smtClean="0"/>
+          </a:p>
+          <a:p>
+            <a:r>
+              <a:rPr lang="zh-CN" altLang="en-US" sz="1600" dirty="0" smtClean="0"/>
+              <a:t>技术博客</a:t>
+            </a:r>
+            <a:endParaRPr lang="en-US" altLang="zh-CN" sz="1600" dirty="0" smtClean="0"/>
+          </a:p>
+          <a:p>
+            <a:pPr lvl="1"/>
+            <a:r>
+              <a:rPr lang="en-US" sz="1200" dirty="0">
+                <a:hlinkClick r:id="rId5"/>
+              </a:rPr>
+              <a:t>https://</a:t>
+            </a:r>
+            <a:r>
+              <a:rPr lang="en-US" sz="1200" dirty="0" smtClean="0">
+                <a:hlinkClick r:id="rId5"/>
+              </a:rPr>
+              <a:t>my.oschina.net/hejiehui/home</a:t>
+            </a:r>
+            <a:endParaRPr lang="en-US" sz="1200" dirty="0" smtClean="0"/>
+          </a:p>
+          <a:p>
+            <a:pPr lvl="1"/>
+            <a:endParaRPr lang="en-US" dirty="0" smtClean="0"/>
+          </a:p>
+          <a:p>
+            <a:endParaRPr lang="en-US" dirty="0" smtClean="0"/>
+          </a:p>
+        </p:txBody>
+      </p:sp>
+    </p:spTree>
+  </p:cSld>
+  <p:clrMapOvr>
+    <a:masterClrMapping/>
+  </p:clrMapOvr>
+  <p:timing>
+    <p:tnLst>
+      <p:par>
+        <p:cTn id="1" dur="indefinite" restart="never" nodeType="tmRoot"/>
+      </p:par>
+    </p:tnLst>
+  </p:timing>
+</p:sld>
+</file>
+
+<file path=ppt/slides/slide45.xml><?xml version="1.0" encoding="utf-8"?>
+<p:sld xmlns:a="http://schemas.openxmlformats.org/drawingml/2006/main" xmlns:r="http://schemas.openxmlformats.org/officeDocument/2006/relationships" xmlns:p="http://schemas.openxmlformats.org/presentationml/2006/main">
+  <p:cSld>
+    <p:spTree>
+      <p:nvGrpSpPr>
+        <p:cNvPr id="1" name=""/>
+        <p:cNvGrpSpPr/>
+        <p:nvPr/>
+      </p:nvGrpSpPr>
+      <p:grpSpPr>
+        <a:xfrm>
+          <a:off x="0" y="0"/>
+          <a:ext cx="0" cy="0"/>
+          <a:chOff x="0" y="0"/>
+          <a:chExt cx="0" cy="0"/>
+        </a:xfrm>
+      </p:grpSpPr>
+      <p:sp>
+        <p:nvSpPr>
+          <p:cNvPr id="2" name="标题 1"/>
+          <p:cNvSpPr>
+            <a:spLocks noGrp="1"/>
+          </p:cNvSpPr>
+          <p:nvPr>
+            <p:ph type="title"/>
+          </p:nvPr>
+        </p:nvSpPr>
+        <p:spPr/>
+        <p:txBody>
+          <a:bodyPr/>
+          <a:lstStyle/>
+          <a:p>
+            <a:r>
+              <a:rPr lang="zh-CN" altLang="en-US" dirty="0" smtClean="0"/>
+              <a:t>支持</a:t>
+            </a:r>
+            <a:r>
+              <a:rPr lang="en-US" altLang="zh-CN" dirty="0" smtClean="0"/>
+              <a:t>C#</a:t>
+            </a:r>
+            <a:endParaRPr lang="zh-CN" altLang="en-US" dirty="0"/>
+          </a:p>
+        </p:txBody>
+      </p:sp>
+      <p:sp>
+        <p:nvSpPr>
+          <p:cNvPr id="3" name="内容占位符 2"/>
+          <p:cNvSpPr>
+            <a:spLocks noGrp="1"/>
+          </p:cNvSpPr>
+          <p:nvPr>
+            <p:ph idx="1"/>
+          </p:nvPr>
+        </p:nvSpPr>
+        <p:spPr/>
+        <p:txBody>
+          <a:bodyPr/>
+          <a:lstStyle/>
+          <a:p>
+            <a:r>
+              <a:rPr lang="en-US" altLang="zh-CN" dirty="0" err="1" smtClean="0"/>
+              <a:t>Xross</a:t>
+            </a:r>
+            <a:r>
+              <a:rPr lang="en-US" altLang="zh-CN" dirty="0" smtClean="0"/>
+              <a:t> unit C# runtime</a:t>
+            </a:r>
+          </a:p>
+          <a:p>
+            <a:pPr lvl="1"/>
+            <a:r>
+              <a:rPr lang="en-US" altLang="zh-CN" sz="1200" dirty="0" smtClean="0">
+                <a:hlinkClick r:id="rId2"/>
+              </a:rPr>
+              <a:t>https</a:t>
+            </a:r>
+            <a:r>
+              <a:rPr lang="en-US" altLang="zh-CN" sz="1200" dirty="0">
+                <a:hlinkClick r:id="rId2"/>
+              </a:rPr>
+              <a:t>://github.com/hejiehui/xUnit/blob/master/doc/xunit_c%23.zip</a:t>
+            </a:r>
+            <a:endParaRPr lang="en-US" altLang="zh-CN" sz="1200" dirty="0"/>
+          </a:p>
+          <a:p>
+            <a:r>
+              <a:rPr lang="en-US" altLang="zh-CN" dirty="0" err="1" smtClean="0"/>
+              <a:t>Xross</a:t>
+            </a:r>
+            <a:r>
+              <a:rPr lang="en-US" altLang="zh-CN" dirty="0" smtClean="0"/>
+              <a:t> State </a:t>
+            </a:r>
+            <a:r>
+              <a:rPr lang="en-US" altLang="zh-CN" dirty="0"/>
+              <a:t>C# runtime</a:t>
+            </a:r>
+          </a:p>
+          <a:p>
+            <a:pPr lvl="1"/>
+            <a:r>
+              <a:rPr lang="en-US" altLang="zh-CN" sz="1200" dirty="0">
+                <a:hlinkClick r:id="rId3"/>
+              </a:rPr>
+              <a:t>https://github.com/hejiehui/xState/blob/master/doc/xstate_c%23.zip</a:t>
+            </a:r>
+            <a:endParaRPr lang="en-US" altLang="zh-CN" sz="1200" dirty="0"/>
+          </a:p>
+          <a:p>
+            <a:r>
+              <a:rPr lang="en-US" altLang="zh-CN" dirty="0" err="1" smtClean="0"/>
+              <a:t>Xross</a:t>
+            </a:r>
+            <a:r>
+              <a:rPr lang="en-US" altLang="zh-CN" dirty="0" smtClean="0"/>
+              <a:t> Decision </a:t>
+            </a:r>
+            <a:r>
+              <a:rPr lang="en-US" altLang="zh-CN" dirty="0"/>
+              <a:t>C# runtime</a:t>
+            </a:r>
+          </a:p>
+          <a:p>
+            <a:pPr lvl="1"/>
+            <a:r>
+              <a:rPr lang="en-US" altLang="zh-CN" sz="1200" dirty="0">
+                <a:hlinkClick r:id="rId4"/>
+              </a:rPr>
+              <a:t>https://github.com/hejiehui/xDecision/blob/master/doc/xdecision_c%23.zip</a:t>
+            </a:r>
+            <a:endParaRPr lang="en-US" altLang="zh-CN" sz="1200" dirty="0"/>
+          </a:p>
+          <a:p>
+            <a:pPr lvl="1"/>
+            <a:endParaRPr lang="en-US" altLang="zh-CN" dirty="0" smtClean="0"/>
+          </a:p>
+          <a:p>
+            <a:pPr marL="87313" lvl="1" indent="0">
+              <a:buNone/>
+            </a:pPr>
+            <a:endParaRPr lang="zh-CN" altLang="en-US" dirty="0"/>
+          </a:p>
+        </p:txBody>
+      </p:sp>
+    </p:spTree>
+    <p:extLst>
+      <p:ext uri="{BB962C8B-B14F-4D97-AF65-F5344CB8AC3E}">
+        <p14:creationId xmlns:p14="http://schemas.microsoft.com/office/powerpoint/2010/main" val="444055674"/>
+      </p:ext>
+    </p:extLst>
+  </p:cSld>
+  <p:clrMapOvr>
+    <a:masterClrMapping/>
+  </p:clrMapOvr>
+  <p:timing>
+    <p:tnLst>
+      <p:par>
+        <p:cTn id="1" dur="indefinite" restart="never" nodeType="tmRoot"/>
+      </p:par>
+    </p:tnLst>
+  </p:timing>
+</p:sld>
+</file>
+
+<file path=ppt/slides/slide46.xml><?xml version="1.0" encoding="utf-8"?>
+<p:sld xmlns:a="http://schemas.openxmlformats.org/drawingml/2006/main" xmlns:r="http://schemas.openxmlformats.org/officeDocument/2006/relationships" xmlns:p="http://schemas.openxmlformats.org/presentationml/2006/main">
+  <p:cSld>
+    <p:spTree>
+      <p:nvGrpSpPr>
+        <p:cNvPr id="1" name=""/>
+        <p:cNvGrpSpPr/>
+        <p:nvPr/>
+      </p:nvGrpSpPr>
+      <p:grpSpPr>
+        <a:xfrm>
+          <a:off x="0" y="0"/>
+          <a:ext cx="0" cy="0"/>
+          <a:chOff x="0" y="0"/>
+          <a:chExt cx="0" cy="0"/>
+        </a:xfrm>
+      </p:grpSpPr>
+      <p:sp>
+        <p:nvSpPr>
           <p:cNvPr id="2" name="标题 1"/>
           <p:cNvSpPr>
             <a:spLocks noGrp="1"/>
@@ -11830,7 +12224,7 @@
 </p:sld>
 </file>
 
-<file path=ppt/slides/slide45.xml><?xml version="1.0" encoding="utf-8"?>
+<file path=ppt/slides/slide47.xml><?xml version="1.0" encoding="utf-8"?>
 <p:sld xmlns:a="http://schemas.openxmlformats.org/drawingml/2006/main" xmlns:r="http://schemas.openxmlformats.org/officeDocument/2006/relationships" xmlns:p="http://schemas.openxmlformats.org/presentationml/2006/main">
   <p:cSld>
     <p:spTree>
@@ -12663,7 +13057,6 @@
               <a:rPr lang="zh-CN" altLang="en-US" sz="2800" dirty="0" smtClean="0"/>
               <a:t>组件</a:t>
             </a:r>
-            <a:endParaRPr lang="zh-CN" altLang="en-US" sz="2800" dirty="0" smtClean="0"/>
           </a:p>
         </p:txBody>
       </p:sp>
@@ -12805,11 +13198,7 @@
             <a:pPr lvl="1" eaLnBrk="1" hangingPunct="1"/>
             <a:r>
               <a:rPr lang="zh-CN" altLang="en-US" dirty="0" smtClean="0"/>
-              <a:t>运行平台</a:t>
-            </a:r>
-            <a:r>
-              <a:rPr lang="zh-CN" altLang="en-US" dirty="0" smtClean="0"/>
-              <a:t>级别</a:t>
+              <a:t>运行平台级别</a:t>
             </a:r>
             <a:endParaRPr lang="en-US" altLang="en-US" dirty="0" smtClean="0"/>
           </a:p>

--- a/doc/X-series V2.pptx
+++ b/doc/X-series V2.pptx
@@ -32,7 +32,7 @@
     <p:sldId id="325" r:id="rId23"/>
     <p:sldId id="344" r:id="rId24"/>
     <p:sldId id="372" r:id="rId25"/>
-    <p:sldId id="373" r:id="rId26"/>
+    <p:sldId id="374" r:id="rId26"/>
     <p:sldId id="362" r:id="rId27"/>
     <p:sldId id="339" r:id="rId28"/>
     <p:sldId id="363" r:id="rId29"/>
@@ -5342,11 +5342,7 @@
             </a:r>
             <a:r>
               <a:rPr lang="zh-CN" altLang="en-US" dirty="0" smtClean="0"/>
-              <a:t>度和维护</a:t>
-            </a:r>
-            <a:r>
-              <a:rPr lang="zh-CN" altLang="en-US" dirty="0" smtClean="0"/>
-              <a:t>成本</a:t>
+              <a:t>度和维护成本</a:t>
             </a:r>
             <a:endParaRPr lang="en-US" altLang="zh-CN" dirty="0" smtClean="0"/>
           </a:p>
@@ -5377,7 +5373,23 @@
             </a:r>
             <a:r>
               <a:rPr lang="zh-CN" altLang="en-US" dirty="0"/>
-              <a:t>好用的人性化工具</a:t>
+              <a:t>好用的人性化</a:t>
+            </a:r>
+            <a:r>
+              <a:rPr lang="zh-CN" altLang="en-US" dirty="0" smtClean="0"/>
+              <a:t>工具</a:t>
+            </a:r>
+            <a:r>
+              <a:rPr lang="zh-CN" altLang="en-US" dirty="0" smtClean="0"/>
+              <a:t>。</a:t>
+            </a:r>
+            <a:r>
+              <a:rPr lang="en-US" altLang="zh-CN" dirty="0" smtClean="0"/>
+              <a:t>5</a:t>
+            </a:r>
+            <a:r>
+              <a:rPr lang="zh-CN" altLang="en-US" dirty="0" smtClean="0"/>
+              <a:t>分钟包教包会</a:t>
             </a:r>
             <a:endParaRPr lang="en-US" altLang="zh-CN" dirty="0"/>
           </a:p>
@@ -5400,23 +5412,15 @@
           <a:p>
             <a:pPr lvl="1"/>
             <a:r>
-              <a:rPr lang="zh-CN" altLang="en-US" dirty="0"/>
-              <a:t>降低人员</a:t>
-            </a:r>
-            <a:r>
               <a:rPr lang="zh-CN" altLang="en-US" dirty="0" smtClean="0"/>
-              <a:t>风险</a:t>
+              <a:t>降低管理成本</a:t>
             </a:r>
             <a:endParaRPr lang="en-US" altLang="zh-CN" dirty="0" smtClean="0"/>
           </a:p>
           <a:p>
             <a:r>
               <a:rPr lang="zh-CN" altLang="en-US" dirty="0" smtClean="0"/>
-              <a:t>易于</a:t>
-            </a:r>
-            <a:r>
-              <a:rPr lang="zh-CN" altLang="en-US" dirty="0" smtClean="0"/>
-              <a:t>沟通</a:t>
+              <a:t>易于沟通</a:t>
             </a:r>
             <a:endParaRPr lang="en-US" altLang="zh-CN" dirty="0" smtClean="0"/>
           </a:p>
@@ -6050,7 +6054,7 @@
           <a:p>
             <a:r>
               <a:rPr lang="zh-CN" altLang="en-US" dirty="0" smtClean="0"/>
-              <a:t>不想加班</a:t>
+              <a:t>干净利落，轻松的工作</a:t>
             </a:r>
             <a:endParaRPr lang="zh-CN" altLang="en-US" dirty="0"/>
           </a:p>
@@ -7223,7 +7227,6 @@
               <a:rPr lang="zh-CN" altLang="en-US" sz="2800" dirty="0" smtClean="0"/>
               <a:t>开发效率和质量</a:t>
             </a:r>
-            <a:endParaRPr lang="zh-CN" altLang="en-US" sz="2800" dirty="0" smtClean="0"/>
           </a:p>
         </p:txBody>
       </p:sp>
@@ -7269,7 +7272,25 @@
               <a:rPr lang="zh-CN" altLang="en-US" sz="1400" dirty="0">
                 <a:sym typeface="Arial" pitchFamily="34" charset="0"/>
               </a:rPr>
-              <a:t>快速组建系统</a:t>
+              <a:t>自顶向下</a:t>
+            </a:r>
+            <a:r>
+              <a:rPr lang="zh-CN" altLang="en-US" sz="1400" dirty="0" smtClean="0">
+                <a:sym typeface="Arial" pitchFamily="34" charset="0"/>
+              </a:rPr>
+              <a:t>分解，</a:t>
+            </a:r>
+            <a:r>
+              <a:rPr lang="zh-CN" altLang="en-US" sz="1400" dirty="0" smtClean="0">
+                <a:sym typeface="Arial" pitchFamily="34" charset="0"/>
+              </a:rPr>
+              <a:t>快速</a:t>
+            </a:r>
+            <a:r>
+              <a:rPr lang="zh-CN" altLang="en-US" sz="1400" dirty="0">
+                <a:sym typeface="Arial" pitchFamily="34" charset="0"/>
+              </a:rPr>
+              <a:t>组建系统</a:t>
             </a:r>
             <a:endParaRPr lang="en-US" altLang="zh-CN" sz="1400" dirty="0" smtClean="0">
               <a:sym typeface="Arial" pitchFamily="34" charset="0"/>
@@ -7285,15 +7306,27 @@
               <a:rPr lang="zh-CN" altLang="en-US" sz="1400" dirty="0" smtClean="0">
                 <a:sym typeface="Arial" pitchFamily="34" charset="0"/>
               </a:rPr>
-              <a:t>自顶向下</a:t>
+              <a:t>组件</a:t>
             </a:r>
             <a:r>
               <a:rPr lang="zh-CN" altLang="en-US" sz="1400" dirty="0" smtClean="0">
                 <a:sym typeface="Arial" pitchFamily="34" charset="0"/>
               </a:rPr>
-              <a:t>分解</a:t>
-            </a:r>
-            <a:endParaRPr lang="en-US" altLang="zh-CN" sz="1400" dirty="0">
+              <a:t>化</a:t>
+            </a:r>
+            <a:r>
+              <a:rPr lang="zh-CN" altLang="en-US" sz="1400" dirty="0" smtClean="0">
+                <a:sym typeface="Arial" pitchFamily="34" charset="0"/>
+              </a:rPr>
+              <a:t>设计，流水</a:t>
+            </a:r>
+            <a:r>
+              <a:rPr lang="zh-CN" altLang="en-US" sz="1400" dirty="0" smtClean="0">
+                <a:sym typeface="Arial" pitchFamily="34" charset="0"/>
+              </a:rPr>
+              <a:t>线式开发</a:t>
+            </a:r>
+            <a:endParaRPr lang="en-US" altLang="zh-CN" sz="1400" dirty="0" smtClean="0">
               <a:sym typeface="Arial" pitchFamily="34" charset="0"/>
             </a:endParaRPr>
           </a:p>
@@ -7307,13 +7340,19 @@
               <a:rPr lang="zh-CN" altLang="en-US" sz="1400" dirty="0" smtClean="0">
                 <a:sym typeface="Arial" pitchFamily="34" charset="0"/>
               </a:rPr>
-              <a:t>组件</a:t>
+              <a:t>预先</a:t>
+            </a:r>
+            <a:r>
+              <a:rPr lang="zh-CN" altLang="en-US" sz="1400" dirty="0">
+                <a:sym typeface="Arial" pitchFamily="34" charset="0"/>
+              </a:rPr>
+              <a:t>设计，风格</a:t>
             </a:r>
             <a:r>
               <a:rPr lang="zh-CN" altLang="en-US" sz="1400" dirty="0" smtClean="0">
                 <a:sym typeface="Arial" pitchFamily="34" charset="0"/>
               </a:rPr>
-              <a:t>化设计</a:t>
+              <a:t>统一</a:t>
             </a:r>
             <a:endParaRPr lang="en-US" altLang="zh-CN" sz="1400" dirty="0" smtClean="0">
               <a:sym typeface="Arial" pitchFamily="34" charset="0"/>
@@ -7326,14 +7365,82 @@
               </a:lnSpc>
             </a:pPr>
             <a:r>
-              <a:rPr lang="zh-CN" altLang="en-US" sz="1400" dirty="0" smtClean="0">
+              <a:rPr lang="zh-CN" altLang="en-US" sz="1400" dirty="0">
                 <a:sym typeface="Arial" pitchFamily="34" charset="0"/>
               </a:rPr>
-              <a:t>流水线式开发</a:t>
-            </a:r>
-            <a:endParaRPr lang="en-US" altLang="zh-CN" sz="1400" dirty="0" smtClean="0">
+              <a:t>与开发环境高度集成</a:t>
+            </a:r>
+            <a:endParaRPr lang="en-US" altLang="zh-CN" sz="1400" dirty="0">
               <a:sym typeface="Arial" pitchFamily="34" charset="0"/>
             </a:endParaRPr>
+          </a:p>
+          <a:p>
+            <a:pPr eaLnBrk="1" hangingPunct="1">
+              <a:lnSpc>
+                <a:spcPct val="110000"/>
+              </a:lnSpc>
+            </a:pPr>
+            <a:r>
+              <a:rPr lang="zh-CN" altLang="en-US" sz="1800" dirty="0" smtClean="0"/>
+              <a:t>提高软件质量</a:t>
+            </a:r>
+            <a:endParaRPr lang="en-US" altLang="zh-CN" sz="1800" dirty="0" smtClean="0"/>
+          </a:p>
+          <a:p>
+            <a:pPr lvl="1" eaLnBrk="1" hangingPunct="1">
+              <a:lnSpc>
+                <a:spcPct val="110000"/>
+              </a:lnSpc>
+            </a:pPr>
+            <a:r>
+              <a:rPr lang="zh-CN" altLang="en-US" sz="1400" dirty="0" smtClean="0"/>
+              <a:t>把高内聚，低耦合落到实处</a:t>
+            </a:r>
+            <a:endParaRPr lang="en-US" altLang="zh-CN" sz="1400" dirty="0" smtClean="0"/>
+          </a:p>
+          <a:p>
+            <a:pPr lvl="1" eaLnBrk="1" hangingPunct="1">
+              <a:lnSpc>
+                <a:spcPct val="110000"/>
+              </a:lnSpc>
+            </a:pPr>
+            <a:r>
+              <a:rPr lang="en-US" altLang="zh-CN" sz="1400" dirty="0" smtClean="0"/>
+              <a:t>Context</a:t>
+            </a:r>
+            <a:r>
+              <a:rPr lang="zh-CN" altLang="en-US" sz="1400" dirty="0" smtClean="0"/>
+              <a:t>限定数据</a:t>
+            </a:r>
+            <a:endParaRPr lang="en-US" altLang="zh-CN" sz="1400" dirty="0" smtClean="0"/>
+          </a:p>
+          <a:p>
+            <a:pPr lvl="1" eaLnBrk="1" hangingPunct="1">
+              <a:lnSpc>
+                <a:spcPct val="110000"/>
+              </a:lnSpc>
+            </a:pPr>
+            <a:r>
+              <a:rPr lang="en-US" altLang="zh-CN" sz="1400" dirty="0" smtClean="0"/>
+              <a:t>Unit</a:t>
+            </a:r>
+            <a:r>
+              <a:rPr lang="zh-CN" altLang="en-US" sz="1400" dirty="0" smtClean="0"/>
+              <a:t>聚合逻辑</a:t>
+            </a:r>
+            <a:endParaRPr lang="en-US" altLang="zh-CN" sz="1400" dirty="0" smtClean="0"/>
+          </a:p>
+          <a:p>
+            <a:pPr eaLnBrk="1" hangingPunct="1">
+              <a:lnSpc>
+                <a:spcPct val="110000"/>
+              </a:lnSpc>
+            </a:pPr>
+            <a:r>
+              <a:rPr lang="zh-CN" altLang="en-US" sz="1800" dirty="0" smtClean="0"/>
+              <a:t>易于单元化测试</a:t>
+            </a:r>
+            <a:endParaRPr lang="en-US" sz="1800" dirty="0" smtClean="0"/>
           </a:p>
           <a:p>
             <a:pPr lvl="1" eaLnBrk="1" hangingPunct="1">
@@ -7342,26 +7449,14 @@
               </a:lnSpc>
             </a:pPr>
             <a:r>
-              <a:rPr lang="zh-CN" altLang="en-US" sz="1400" dirty="0" smtClean="0">
-                <a:sym typeface="Arial" pitchFamily="34" charset="0"/>
-              </a:rPr>
-              <a:t>预先</a:t>
-            </a:r>
-            <a:r>
-              <a:rPr lang="zh-CN" altLang="en-US" sz="1400" dirty="0">
-                <a:sym typeface="Arial" pitchFamily="34" charset="0"/>
-              </a:rPr>
-              <a:t>设计，风格</a:t>
-            </a:r>
-            <a:r>
-              <a:rPr lang="zh-CN" altLang="en-US" sz="1400" dirty="0" smtClean="0">
-                <a:sym typeface="Arial" pitchFamily="34" charset="0"/>
-              </a:rPr>
-              <a:t>统一</a:t>
-            </a:r>
-            <a:endParaRPr lang="en-US" altLang="zh-CN" sz="1400" dirty="0" smtClean="0">
-              <a:sym typeface="Arial" pitchFamily="34" charset="0"/>
-            </a:endParaRPr>
+              <a:rPr lang="zh-CN" altLang="en-US" sz="1400" dirty="0"/>
+              <a:t>单</a:t>
+            </a:r>
+            <a:r>
+              <a:rPr lang="zh-CN" altLang="en-US" sz="1400" dirty="0" smtClean="0"/>
+              <a:t>接口设计，无选择，无歧义的实现</a:t>
+            </a:r>
+            <a:endParaRPr lang="en-US" sz="1400" dirty="0" smtClean="0"/>
           </a:p>
           <a:p>
             <a:pPr lvl="1" eaLnBrk="1" hangingPunct="1">
@@ -7370,301 +7465,55 @@
               </a:lnSpc>
             </a:pPr>
             <a:r>
-              <a:rPr lang="zh-CN" altLang="en-US" sz="1400" dirty="0">
-                <a:sym typeface="Arial" pitchFamily="34" charset="0"/>
-              </a:rPr>
-              <a:t>与开发环境高度集成</a:t>
-            </a:r>
-            <a:endParaRPr lang="en-US" altLang="zh-CN" sz="1400" dirty="0">
-              <a:sym typeface="Arial" pitchFamily="34" charset="0"/>
-            </a:endParaRPr>
-          </a:p>
-          <a:p>
-            <a:pPr eaLnBrk="1" hangingPunct="1">
-              <a:lnSpc>
-                <a:spcPct val="110000"/>
-              </a:lnSpc>
-            </a:pPr>
-            <a:r>
-              <a:rPr lang="zh-CN" altLang="en-US" sz="1800" dirty="0" smtClean="0"/>
-              <a:t>提高软件质量</a:t>
-            </a:r>
-            <a:endParaRPr lang="en-US" altLang="zh-CN" sz="1800" dirty="0" smtClean="0"/>
-          </a:p>
-          <a:p>
-            <a:pPr lvl="1" eaLnBrk="1" hangingPunct="1">
-              <a:lnSpc>
-                <a:spcPct val="110000"/>
-              </a:lnSpc>
-            </a:pPr>
-            <a:r>
-              <a:rPr lang="zh-CN" altLang="en-US" sz="1400" dirty="0" smtClean="0"/>
-              <a:t>把高</a:t>
-            </a:r>
-            <a:r>
-              <a:rPr lang="zh-CN" altLang="en-US" sz="1400" dirty="0" smtClean="0"/>
-              <a:t>内聚，低</a:t>
-            </a:r>
-            <a:r>
-              <a:rPr lang="zh-CN" altLang="en-US" sz="1400" dirty="0" smtClean="0"/>
-              <a:t>耦合落到实处</a:t>
-            </a:r>
-            <a:endParaRPr lang="en-US" altLang="zh-CN" sz="1400" dirty="0" smtClean="0"/>
-          </a:p>
-          <a:p>
-            <a:pPr lvl="1" eaLnBrk="1" hangingPunct="1">
-              <a:lnSpc>
-                <a:spcPct val="110000"/>
-              </a:lnSpc>
-            </a:pPr>
+              <a:rPr lang="zh-CN" altLang="en-US" sz="1400" dirty="0"/>
+              <a:t>通过构造</a:t>
+            </a:r>
             <a:r>
               <a:rPr lang="en-US" altLang="zh-CN" sz="1400" dirty="0" smtClean="0"/>
               <a:t>Context</a:t>
             </a:r>
             <a:r>
               <a:rPr lang="zh-CN" altLang="en-US" sz="1400" dirty="0" smtClean="0"/>
-              <a:t>限定数据</a:t>
+              <a:t>，轻松模拟</a:t>
+            </a:r>
+            <a:r>
+              <a:rPr lang="zh-CN" altLang="en-US" sz="1400" dirty="0" smtClean="0"/>
+              <a:t>测试数据</a:t>
             </a:r>
             <a:endParaRPr lang="en-US" altLang="zh-CN" sz="1400" dirty="0" smtClean="0"/>
           </a:p>
-          <a:p>
-            <a:pPr lvl="1" eaLnBrk="1" hangingPunct="1">
-              <a:lnSpc>
-                <a:spcPct val="110000"/>
-              </a:lnSpc>
-            </a:pPr>
-            <a:r>
-              <a:rPr lang="en-US" altLang="zh-CN" sz="1400" dirty="0" smtClean="0"/>
-              <a:t>Unit</a:t>
-            </a:r>
-            <a:r>
-              <a:rPr lang="zh-CN" altLang="en-US" sz="1400" dirty="0" smtClean="0"/>
-              <a:t>聚合逻辑</a:t>
-            </a:r>
-            <a:endParaRPr lang="en-US" altLang="zh-CN" sz="1400" dirty="0" smtClean="0"/>
-          </a:p>
-          <a:p>
-            <a:pPr eaLnBrk="1" hangingPunct="1">
-              <a:lnSpc>
-                <a:spcPct val="110000"/>
-              </a:lnSpc>
-            </a:pPr>
-            <a:r>
-              <a:rPr lang="zh-CN" altLang="en-US" sz="1800" dirty="0" smtClean="0"/>
-              <a:t>易于单元化测试</a:t>
-            </a:r>
-            <a:endParaRPr lang="en-US" sz="1800" dirty="0" smtClean="0"/>
-          </a:p>
-          <a:p>
-            <a:pPr lvl="1" eaLnBrk="1" hangingPunct="1">
-              <a:lnSpc>
-                <a:spcPct val="130000"/>
-              </a:lnSpc>
-            </a:pPr>
-            <a:r>
-              <a:rPr lang="zh-CN" altLang="en-US" sz="1400" dirty="0"/>
-              <a:t>单</a:t>
-            </a:r>
-            <a:r>
-              <a:rPr lang="zh-CN" altLang="en-US" sz="1400" dirty="0" smtClean="0"/>
-              <a:t>接口设计，无选择，无歧义的实现</a:t>
-            </a:r>
-            <a:endParaRPr lang="en-US" sz="1400" dirty="0" smtClean="0"/>
-          </a:p>
-          <a:p>
-            <a:pPr lvl="1" eaLnBrk="1" hangingPunct="1">
-              <a:lnSpc>
-                <a:spcPct val="130000"/>
-              </a:lnSpc>
-            </a:pPr>
-            <a:r>
-              <a:rPr lang="zh-CN" altLang="en-US" sz="1400" dirty="0"/>
-              <a:t>通过构造</a:t>
-            </a:r>
-            <a:r>
-              <a:rPr lang="en-US" altLang="zh-CN" sz="1400" dirty="0" smtClean="0"/>
-              <a:t>Context</a:t>
-            </a:r>
-            <a:r>
-              <a:rPr lang="zh-CN" altLang="en-US" sz="1400" dirty="0" smtClean="0"/>
-              <a:t>，轻松模拟测试数据</a:t>
-            </a:r>
-          </a:p>
-        </p:txBody>
-      </p:sp>
-      <p:sp>
-        <p:nvSpPr>
-          <p:cNvPr id="6" name="TextBox 1"/>
-          <p:cNvSpPr txBox="1">
-            <a:spLocks noChangeArrowheads="1"/>
-          </p:cNvSpPr>
+        </p:txBody>
+      </p:sp>
+      <p:pic>
+        <p:nvPicPr>
+          <p:cNvPr id="5" name="图片 4"/>
+          <p:cNvPicPr>
+            <a:picLocks noChangeAspect="1"/>
+          </p:cNvPicPr>
           <p:nvPr/>
-        </p:nvSpPr>
-        <p:spPr bwMode="auto">
+        </p:nvPicPr>
+        <p:blipFill>
+          <a:blip r:embed="rId2">
+            <a:extLst>
+              <a:ext uri="{28A0092B-C50C-407E-A947-70E740481C1C}">
+                <a14:useLocalDpi xmlns:a14="http://schemas.microsoft.com/office/drawing/2010/main" val="0"/>
+              </a:ext>
+            </a:extLst>
+          </a:blip>
+          <a:stretch>
+            <a:fillRect/>
+          </a:stretch>
+        </p:blipFill>
+        <p:spPr>
           <a:xfrm>
-            <a:off x="7307660" y="893763"/>
-            <a:ext cx="615553" cy="4911501"/>
+            <a:off x="3207280" y="1844824"/>
+            <a:ext cx="5936720" cy="3003145"/>
           </a:xfrm>
           <a:prstGeom prst="rect">
             <a:avLst/>
           </a:prstGeom>
-          <a:noFill/>
-          <a:ln>
-            <a:noFill/>
-          </a:ln>
-          <a:extLst>
-            <a:ext uri="{909E8E84-426E-40DD-AFC4-6F175D3DCCD1}">
-              <a14:hiddenFill xmlns:a14="http://schemas.microsoft.com/office/drawing/2010/main">
-                <a:solidFill>
-                  <a:srgbClr val="FFFFFF"/>
-                </a:solidFill>
-              </a14:hiddenFill>
-            </a:ext>
-            <a:ext uri="{91240B29-F687-4F45-9708-019B960494DF}">
-              <a14:hiddenLine xmlns:a14="http://schemas.microsoft.com/office/drawing/2010/main" w="9525">
-                <a:solidFill>
-                  <a:srgbClr val="000000"/>
-                </a:solidFill>
-                <a:miter lim="800000"/>
-                <a:headEnd/>
-                <a:tailEnd/>
-              </a14:hiddenLine>
-            </a:ext>
-          </a:extLst>
         </p:spPr>
-        <p:txBody>
-          <a:bodyPr vert="eaVert" wrap="square">
-            <a:spAutoFit/>
-          </a:bodyPr>
-          <a:lstStyle>
-            <a:lvl1pPr eaLnBrk="0" hangingPunct="0">
-              <a:defRPr b="1">
-                <a:solidFill>
-                  <a:schemeClr val="tx1"/>
-                </a:solidFill>
-                <a:latin typeface="Arial" pitchFamily="34" charset="0"/>
-                <a:ea typeface="微软雅黑" pitchFamily="34" charset="-122"/>
-              </a:defRPr>
-            </a:lvl1pPr>
-            <a:lvl2pPr marL="742950" indent="-285750" eaLnBrk="0" hangingPunct="0">
-              <a:defRPr b="1">
-                <a:solidFill>
-                  <a:schemeClr val="tx1"/>
-                </a:solidFill>
-                <a:latin typeface="Arial" pitchFamily="34" charset="0"/>
-                <a:ea typeface="微软雅黑" pitchFamily="34" charset="-122"/>
-              </a:defRPr>
-            </a:lvl2pPr>
-            <a:lvl3pPr marL="1143000" indent="-228600" eaLnBrk="0" hangingPunct="0">
-              <a:defRPr b="1">
-                <a:solidFill>
-                  <a:schemeClr val="tx1"/>
-                </a:solidFill>
-                <a:latin typeface="Arial" pitchFamily="34" charset="0"/>
-                <a:ea typeface="微软雅黑" pitchFamily="34" charset="-122"/>
-              </a:defRPr>
-            </a:lvl3pPr>
-            <a:lvl4pPr marL="1600200" indent="-228600" eaLnBrk="0" hangingPunct="0">
-              <a:defRPr b="1">
-                <a:solidFill>
-                  <a:schemeClr val="tx1"/>
-                </a:solidFill>
-                <a:latin typeface="Arial" pitchFamily="34" charset="0"/>
-                <a:ea typeface="微软雅黑" pitchFamily="34" charset="-122"/>
-              </a:defRPr>
-            </a:lvl4pPr>
-            <a:lvl5pPr marL="2057400" indent="-228600" eaLnBrk="0" hangingPunct="0">
-              <a:defRPr b="1">
-                <a:solidFill>
-                  <a:schemeClr val="tx1"/>
-                </a:solidFill>
-                <a:latin typeface="Arial" pitchFamily="34" charset="0"/>
-                <a:ea typeface="微软雅黑" pitchFamily="34" charset="-122"/>
-              </a:defRPr>
-            </a:lvl5pPr>
-            <a:lvl6pPr marL="2514600" indent="-228600" algn="ctr" eaLnBrk="0" fontAlgn="base" hangingPunct="0">
-              <a:spcBef>
-                <a:spcPct val="0"/>
-              </a:spcBef>
-              <a:spcAft>
-                <a:spcPct val="0"/>
-              </a:spcAft>
-              <a:buFont typeface="Arial" pitchFamily="34" charset="0"/>
-              <a:defRPr b="1">
-                <a:solidFill>
-                  <a:schemeClr val="tx1"/>
-                </a:solidFill>
-                <a:latin typeface="Arial" pitchFamily="34" charset="0"/>
-                <a:ea typeface="微软雅黑" pitchFamily="34" charset="-122"/>
-              </a:defRPr>
-            </a:lvl6pPr>
-            <a:lvl7pPr marL="2971800" indent="-228600" algn="ctr" eaLnBrk="0" fontAlgn="base" hangingPunct="0">
-              <a:spcBef>
-                <a:spcPct val="0"/>
-              </a:spcBef>
-              <a:spcAft>
-                <a:spcPct val="0"/>
-              </a:spcAft>
-              <a:buFont typeface="Arial" pitchFamily="34" charset="0"/>
-              <a:defRPr b="1">
-                <a:solidFill>
-                  <a:schemeClr val="tx1"/>
-                </a:solidFill>
-                <a:latin typeface="Arial" pitchFamily="34" charset="0"/>
-                <a:ea typeface="微软雅黑" pitchFamily="34" charset="-122"/>
-              </a:defRPr>
-            </a:lvl7pPr>
-            <a:lvl8pPr marL="3429000" indent="-228600" algn="ctr" eaLnBrk="0" fontAlgn="base" hangingPunct="0">
-              <a:spcBef>
-                <a:spcPct val="0"/>
-              </a:spcBef>
-              <a:spcAft>
-                <a:spcPct val="0"/>
-              </a:spcAft>
-              <a:buFont typeface="Arial" pitchFamily="34" charset="0"/>
-              <a:defRPr b="1">
-                <a:solidFill>
-                  <a:schemeClr val="tx1"/>
-                </a:solidFill>
-                <a:latin typeface="Arial" pitchFamily="34" charset="0"/>
-                <a:ea typeface="微软雅黑" pitchFamily="34" charset="-122"/>
-              </a:defRPr>
-            </a:lvl8pPr>
-            <a:lvl9pPr marL="3886200" indent="-228600" algn="ctr" eaLnBrk="0" fontAlgn="base" hangingPunct="0">
-              <a:spcBef>
-                <a:spcPct val="0"/>
-              </a:spcBef>
-              <a:spcAft>
-                <a:spcPct val="0"/>
-              </a:spcAft>
-              <a:buFont typeface="Arial" pitchFamily="34" charset="0"/>
-              <a:defRPr b="1">
-                <a:solidFill>
-                  <a:schemeClr val="tx1"/>
-                </a:solidFill>
-                <a:latin typeface="Arial" pitchFamily="34" charset="0"/>
-                <a:ea typeface="微软雅黑" pitchFamily="34" charset="-122"/>
-              </a:defRPr>
-            </a:lvl9pPr>
-          </a:lstStyle>
-          <a:p>
-            <a:pPr algn="l" eaLnBrk="1" hangingPunct="1"/>
-            <a:r>
-              <a:rPr lang="zh-CN" altLang="en-US" sz="2800" dirty="0" smtClean="0"/>
-              <a:t>趁手的工具</a:t>
-            </a:r>
-            <a:r>
-              <a:rPr lang="zh-CN" altLang="en-US" sz="2800" dirty="0"/>
-              <a:t>是原则保证</a:t>
-            </a:r>
-            <a:r>
-              <a:rPr lang="zh-CN" altLang="en-US" sz="2800" dirty="0" smtClean="0"/>
-              <a:t>的利器</a:t>
-            </a:r>
-            <a:endParaRPr lang="en-US" sz="2800" dirty="0"/>
-          </a:p>
-        </p:txBody>
-      </p:sp>
+      </p:pic>
     </p:spTree>
     <p:extLst>
       <p:ext uri="{BB962C8B-B14F-4D97-AF65-F5344CB8AC3E}">
@@ -7745,31 +7594,55 @@
               <a:t>对</a:t>
             </a:r>
             <a:r>
-              <a:rPr lang="en-US" altLang="zh-CN" dirty="0" smtClean="0"/>
-              <a:t>PM</a:t>
-            </a:r>
+              <a:rPr lang="zh-CN" altLang="en-US" dirty="0" smtClean="0"/>
+              <a:t>产品经理的帮助</a:t>
+            </a:r>
+            <a:endParaRPr lang="en-US" altLang="zh-CN" dirty="0" smtClean="0"/>
           </a:p>
           <a:p>
             <a:pPr lvl="1"/>
             <a:r>
               <a:rPr lang="zh-CN" altLang="en-US" dirty="0" smtClean="0"/>
-              <a:t>可以和开发设计人员</a:t>
+              <a:t>直观</a:t>
             </a:r>
             <a:r>
               <a:rPr lang="zh-CN" altLang="en-US" dirty="0"/>
-              <a:t>深入</a:t>
+              <a:t>的感受</a:t>
             </a:r>
             <a:r>
               <a:rPr lang="zh-CN" altLang="en-US" dirty="0" smtClean="0"/>
-              <a:t>讨论系统逻辑，而不只是单向沟通</a:t>
+              <a:t>系统功能，</a:t>
+            </a:r>
+            <a:r>
+              <a:rPr lang="zh-CN" altLang="en-US" dirty="0"/>
+              <a:t>而不只是单向沟通</a:t>
+            </a:r>
+            <a:endParaRPr lang="en-US" altLang="zh-CN" dirty="0"/>
+          </a:p>
+          <a:p>
+            <a:pPr lvl="1"/>
+            <a:r>
+              <a:rPr lang="zh-CN" altLang="en-US" dirty="0" smtClean="0"/>
+              <a:t>自顶向下</a:t>
+            </a:r>
+            <a:r>
+              <a:rPr lang="zh-CN" altLang="en-US" dirty="0"/>
+              <a:t>全程参与，同时又保留从全局到细节的把握能力</a:t>
             </a:r>
             <a:endParaRPr lang="en-US" altLang="zh-CN" dirty="0" smtClean="0"/>
           </a:p>
           <a:p>
+            <a:r>
+              <a:rPr lang="zh-CN" altLang="en-US" dirty="0" smtClean="0"/>
+              <a:t>对项目经理的帮助</a:t>
+            </a:r>
+            <a:endParaRPr lang="en-US" altLang="zh-CN" dirty="0" smtClean="0"/>
+          </a:p>
+          <a:p>
             <a:pPr lvl="1"/>
             <a:r>
               <a:rPr lang="zh-CN" altLang="en-US" dirty="0" smtClean="0"/>
-              <a:t>可以深入细致的讨论意外处理</a:t>
+              <a:t>单元划分可以映射到开发任务</a:t>
             </a:r>
             <a:endParaRPr lang="en-US" altLang="zh-CN" dirty="0" smtClean="0"/>
           </a:p>
@@ -7777,66 +7650,58 @@
             <a:pPr lvl="1"/>
             <a:r>
               <a:rPr lang="zh-CN" altLang="en-US" dirty="0" smtClean="0"/>
-              <a:t>可以直观的感受系统功能</a:t>
+              <a:t>单元的</a:t>
+            </a:r>
+            <a:r>
+              <a:rPr lang="zh-CN" altLang="en-US" dirty="0" smtClean="0"/>
+              <a:t>完成比例</a:t>
+            </a:r>
+            <a:r>
+              <a:rPr lang="zh-CN" altLang="en-US" dirty="0" smtClean="0"/>
+              <a:t>可以反映</a:t>
+            </a:r>
+            <a:r>
+              <a:rPr lang="zh-CN" altLang="en-US" dirty="0" smtClean="0"/>
+              <a:t>开发</a:t>
+            </a:r>
+            <a:r>
+              <a:rPr lang="zh-CN" altLang="en-US" dirty="0" smtClean="0"/>
+              <a:t>进度</a:t>
             </a:r>
             <a:endParaRPr lang="en-US" altLang="zh-CN" dirty="0" smtClean="0"/>
           </a:p>
-          <a:p>
-            <a:pPr lvl="1"/>
-            <a:r>
-              <a:rPr lang="zh-CN" altLang="en-US" dirty="0" smtClean="0"/>
-              <a:t>可以自顶向下全程参与，同时又保留从全局到细节的把握能力</a:t>
-            </a:r>
-            <a:endParaRPr lang="en-US" altLang="zh-CN" dirty="0" smtClean="0"/>
-          </a:p>
-          <a:p>
-            <a:r>
-              <a:rPr lang="zh-CN" altLang="en-US" dirty="0" smtClean="0"/>
-              <a:t>对</a:t>
-            </a:r>
-            <a:r>
-              <a:rPr lang="en-US" altLang="zh-CN" dirty="0" smtClean="0"/>
-              <a:t>PJM</a:t>
-            </a:r>
-          </a:p>
-          <a:p>
-            <a:pPr lvl="1"/>
-            <a:r>
-              <a:rPr lang="zh-CN" altLang="en-US" dirty="0" smtClean="0"/>
-              <a:t>实现单元的划分和分工可以直观的映射到开发任务</a:t>
-            </a:r>
-            <a:endParaRPr lang="en-US" altLang="zh-CN" dirty="0" smtClean="0"/>
-          </a:p>
-          <a:p>
-            <a:pPr lvl="1"/>
-            <a:r>
-              <a:rPr lang="zh-CN" altLang="en-US" dirty="0"/>
-              <a:t>实现</a:t>
-            </a:r>
-            <a:r>
-              <a:rPr lang="zh-CN" altLang="en-US" dirty="0" smtClean="0"/>
-              <a:t>单元的完成比例可以直观的反映开发进度</a:t>
-            </a:r>
-            <a:endParaRPr lang="en-US" altLang="zh-CN" dirty="0" smtClean="0"/>
-          </a:p>
-          <a:p>
-            <a:pPr lvl="1"/>
-            <a:r>
-              <a:rPr lang="zh-CN" altLang="en-US" dirty="0" smtClean="0"/>
-              <a:t>可以更精确的定位问题，更准确的开展讨论</a:t>
-            </a:r>
-            <a:endParaRPr lang="en-US" altLang="zh-CN" dirty="0" smtClean="0"/>
-          </a:p>
-          <a:p>
-            <a:pPr lvl="1"/>
-            <a:r>
-              <a:rPr lang="zh-CN" altLang="en-US" dirty="0" smtClean="0"/>
-              <a:t>任务分工和转移更加明确</a:t>
-            </a:r>
-            <a:endParaRPr lang="zh-CN" altLang="en-US" dirty="0"/>
-          </a:p>
-        </p:txBody>
-      </p:sp>
+        </p:txBody>
+      </p:sp>
+      <p:pic>
+        <p:nvPicPr>
+          <p:cNvPr id="4" name="图片 3"/>
+          <p:cNvPicPr>
+            <a:picLocks noChangeAspect="1"/>
+          </p:cNvPicPr>
+          <p:nvPr/>
+        </p:nvPicPr>
+        <p:blipFill>
+          <a:blip r:embed="rId2">
+            <a:extLst>
+              <a:ext uri="{28A0092B-C50C-407E-A947-70E740481C1C}">
+                <a14:useLocalDpi xmlns:a14="http://schemas.microsoft.com/office/drawing/2010/main" val="0"/>
+              </a:ext>
+            </a:extLst>
+          </a:blip>
+          <a:stretch>
+            <a:fillRect/>
+          </a:stretch>
+        </p:blipFill>
+        <p:spPr>
+          <a:xfrm>
+            <a:off x="1137169" y="3861048"/>
+            <a:ext cx="6661699" cy="2387706"/>
+          </a:xfrm>
+          <a:prstGeom prst="rect">
+            <a:avLst/>
+          </a:prstGeom>
+        </p:spPr>
+      </p:pic>
     </p:spTree>
     <p:extLst>
       <p:ext uri="{BB962C8B-B14F-4D97-AF65-F5344CB8AC3E}">
@@ -7847,6 +7712,13 @@
   <p:clrMapOvr>
     <a:masterClrMapping/>
   </p:clrMapOvr>
+  <p:timing>
+    <p:tnLst>
+      <p:par>
+        <p:cTn id="1" dur="indefinite" restart="never" nodeType="tmRoot"/>
+      </p:par>
+    </p:tnLst>
+  </p:timing>
 </p:sld>
 </file>
 
@@ -7883,10 +7755,9 @@
           <a:lstStyle/>
           <a:p>
             <a:r>
-              <a:rPr lang="zh-CN" altLang="en-US" sz="2800" dirty="0" smtClean="0"/>
+              <a:rPr lang="zh-CN" altLang="en-US" dirty="0"/>
               <a:t>提升测试效率和质量</a:t>
             </a:r>
-            <a:endParaRPr lang="zh-CN" altLang="en-US" sz="2800" dirty="0"/>
           </a:p>
         </p:txBody>
       </p:sp>
@@ -7906,82 +7777,110 @@
           <a:lstStyle/>
           <a:p>
             <a:r>
+              <a:rPr lang="zh-CN" altLang="en-US" dirty="0"/>
+              <a:t>对白盒测试人员</a:t>
+            </a:r>
+            <a:endParaRPr lang="en-US" altLang="zh-CN" dirty="0"/>
+          </a:p>
+          <a:p>
+            <a:pPr lvl="1"/>
+            <a:r>
+              <a:rPr lang="zh-CN" altLang="en-US" dirty="0"/>
+              <a:t>直观显示测试需要覆盖的路径</a:t>
+            </a:r>
+            <a:endParaRPr lang="en-US" altLang="zh-CN" dirty="0"/>
+          </a:p>
+          <a:p>
+            <a:pPr lvl="1"/>
+            <a:r>
+              <a:rPr lang="zh-CN" altLang="en-US" dirty="0"/>
+              <a:t>直接定位到要测试的代码</a:t>
+            </a:r>
+            <a:endParaRPr lang="en-US" altLang="zh-CN" dirty="0"/>
+          </a:p>
+          <a:p>
+            <a:pPr lvl="1"/>
+            <a:r>
               <a:rPr lang="zh-CN" altLang="en-US" dirty="0" smtClean="0"/>
-              <a:t>对白盒测试人员</a:t>
-            </a:r>
-            <a:endParaRPr lang="en-US" altLang="zh-CN" dirty="0" smtClean="0"/>
+              <a:t>方便构造单元测试数据</a:t>
+            </a:r>
+            <a:endParaRPr lang="en-US" altLang="zh-CN" dirty="0"/>
+          </a:p>
+          <a:p>
+            <a:r>
+              <a:rPr lang="zh-CN" altLang="en-US" dirty="0"/>
+              <a:t>对集成和黑盒测试人员</a:t>
+            </a:r>
+            <a:endParaRPr lang="en-US" altLang="zh-CN" dirty="0"/>
           </a:p>
           <a:p>
             <a:pPr lvl="1"/>
             <a:r>
+              <a:rPr lang="zh-CN" altLang="en-US" dirty="0"/>
+              <a:t>直观的了解系统能完成那些功能</a:t>
+            </a:r>
+            <a:endParaRPr lang="en-US" altLang="zh-CN" dirty="0"/>
+          </a:p>
+          <a:p>
+            <a:pPr lvl="1"/>
+            <a:r>
               <a:rPr lang="zh-CN" altLang="en-US" dirty="0" smtClean="0"/>
-              <a:t>直观的检测</a:t>
-            </a:r>
-            <a:r>
-              <a:rPr lang="zh-CN" altLang="en-US" dirty="0"/>
-              <a:t>路径</a:t>
-            </a:r>
-            <a:r>
-              <a:rPr lang="zh-CN" altLang="en-US" dirty="0" smtClean="0"/>
-              <a:t>覆盖程度</a:t>
-            </a:r>
-            <a:endParaRPr lang="en-US" altLang="zh-CN" dirty="0" smtClean="0"/>
-          </a:p>
-          <a:p>
-            <a:pPr lvl="1"/>
-            <a:r>
-              <a:rPr lang="zh-CN" altLang="en-US" dirty="0" smtClean="0"/>
-              <a:t>直接定位到要测试的代码</a:t>
-            </a:r>
-            <a:endParaRPr lang="en-US" altLang="zh-CN" dirty="0" smtClean="0"/>
-          </a:p>
-          <a:p>
-            <a:pPr lvl="1"/>
-            <a:r>
-              <a:rPr lang="zh-CN" altLang="en-US" smtClean="0"/>
-              <a:t>方便在单元级别构造</a:t>
-            </a:r>
-            <a:r>
-              <a:rPr lang="zh-CN" altLang="en-US" dirty="0" smtClean="0"/>
-              <a:t>测试数据</a:t>
-            </a:r>
-            <a:endParaRPr lang="en-US" altLang="zh-CN" dirty="0" smtClean="0"/>
-          </a:p>
-          <a:p>
-            <a:r>
-              <a:rPr lang="zh-CN" altLang="en-US" dirty="0" smtClean="0"/>
-              <a:t>对集成和黑盒测试人员</a:t>
-            </a:r>
-            <a:endParaRPr lang="en-US" altLang="zh-CN" dirty="0" smtClean="0"/>
-          </a:p>
-          <a:p>
-            <a:pPr lvl="1"/>
-            <a:r>
-              <a:rPr lang="zh-CN" altLang="en-US" dirty="0" smtClean="0"/>
-              <a:t>直观的了解系统能完成那些功能</a:t>
-            </a:r>
-            <a:endParaRPr lang="en-US" altLang="zh-CN" dirty="0" smtClean="0"/>
-          </a:p>
-          <a:p>
-            <a:pPr lvl="1"/>
-            <a:r>
-              <a:rPr lang="zh-CN" altLang="en-US" dirty="0" smtClean="0"/>
-              <a:t>方便在服务级别构造测试数据</a:t>
+              <a:t>方便构造服务级别测试数据</a:t>
             </a:r>
             <a:endParaRPr lang="zh-CN" altLang="en-US" dirty="0"/>
           </a:p>
-        </p:txBody>
-      </p:sp>
+          <a:p>
+            <a:endParaRPr lang="zh-CN" altLang="en-US" dirty="0"/>
+          </a:p>
+        </p:txBody>
+      </p:sp>
+      <p:pic>
+        <p:nvPicPr>
+          <p:cNvPr id="4" name="图片 3"/>
+          <p:cNvPicPr>
+            <a:picLocks noChangeAspect="1"/>
+          </p:cNvPicPr>
+          <p:nvPr/>
+        </p:nvPicPr>
+        <p:blipFill>
+          <a:blip r:embed="rId2" cstate="print">
+            <a:extLst>
+              <a:ext uri="{28A0092B-C50C-407E-A947-70E740481C1C}">
+                <a14:useLocalDpi xmlns:a14="http://schemas.microsoft.com/office/drawing/2010/main" val="0"/>
+              </a:ext>
+            </a:extLst>
+          </a:blip>
+          <a:stretch>
+            <a:fillRect/>
+          </a:stretch>
+        </p:blipFill>
+        <p:spPr>
+          <a:xfrm>
+            <a:off x="4139952" y="1556792"/>
+            <a:ext cx="4472735" cy="2583004"/>
+          </a:xfrm>
+          <a:prstGeom prst="rect">
+            <a:avLst/>
+          </a:prstGeom>
+        </p:spPr>
+      </p:pic>
     </p:spTree>
     <p:extLst>
       <p:ext uri="{BB962C8B-B14F-4D97-AF65-F5344CB8AC3E}">
-        <p14:creationId xmlns:p14="http://schemas.microsoft.com/office/powerpoint/2010/main" val="2327915867"/>
+        <p14:creationId xmlns:p14="http://schemas.microsoft.com/office/powerpoint/2010/main" val="1316240934"/>
       </p:ext>
     </p:extLst>
   </p:cSld>
   <p:clrMapOvr>
     <a:masterClrMapping/>
   </p:clrMapOvr>
+  <p:timing>
+    <p:tnLst>
+      <p:par>
+        <p:cTn id="1" dur="indefinite" restart="never" nodeType="tmRoot"/>
+      </p:par>
+    </p:tnLst>
+  </p:timing>
 </p:sld>
 </file>
 
@@ -11183,22 +11082,18 @@
             <a:pPr lvl="1"/>
             <a:r>
               <a:rPr lang="zh-CN" altLang="en-US" dirty="0"/>
-              <a:t>又要看代码了，不要</a:t>
-            </a:r>
-            <a:r>
-              <a:rPr lang="zh-CN" altLang="en-US"/>
-              <a:t>问</a:t>
-            </a:r>
-            <a:r>
-              <a:rPr lang="zh-CN" altLang="en-US" smtClean="0"/>
+              <a:t>又要看代码了，不要问</a:t>
+            </a:r>
+            <a:r>
+              <a:rPr lang="zh-CN" altLang="en-US" dirty="0" smtClean="0"/>
               <a:t>我</a:t>
             </a:r>
             <a:r>
-              <a:rPr lang="zh-CN" altLang="en-US"/>
+              <a:rPr lang="zh-CN" altLang="en-US" dirty="0"/>
               <a:t>为</a:t>
             </a:r>
             <a:r>
-              <a:rPr lang="zh-CN" altLang="en-US" smtClean="0"/>
+              <a:rPr lang="zh-CN" altLang="en-US" dirty="0" smtClean="0"/>
               <a:t>什么</a:t>
             </a:r>
             <a:r>

--- a/doc/X-series V2.pptx
+++ b/doc/X-series V2.pptx
@@ -5,7 +5,7 @@
     <p:sldMasterId id="2147483651" r:id="rId1"/>
   </p:sldMasterIdLst>
   <p:notesMasterIdLst>
-    <p:notesMasterId r:id="rId49"/>
+    <p:notesMasterId r:id="rId48"/>
   </p:notesMasterIdLst>
   <p:sldIdLst>
     <p:sldId id="256" r:id="rId2"/>
@@ -23,38 +23,37 @@
     <p:sldId id="355" r:id="rId14"/>
     <p:sldId id="365" r:id="rId15"/>
     <p:sldId id="350" r:id="rId16"/>
-    <p:sldId id="361" r:id="rId17"/>
-    <p:sldId id="345" r:id="rId18"/>
-    <p:sldId id="312" r:id="rId19"/>
-    <p:sldId id="311" r:id="rId20"/>
-    <p:sldId id="326" r:id="rId21"/>
-    <p:sldId id="328" r:id="rId22"/>
-    <p:sldId id="325" r:id="rId23"/>
-    <p:sldId id="344" r:id="rId24"/>
-    <p:sldId id="372" r:id="rId25"/>
-    <p:sldId id="374" r:id="rId26"/>
-    <p:sldId id="362" r:id="rId27"/>
-    <p:sldId id="339" r:id="rId28"/>
-    <p:sldId id="363" r:id="rId29"/>
-    <p:sldId id="364" r:id="rId30"/>
-    <p:sldId id="346" r:id="rId31"/>
-    <p:sldId id="313" r:id="rId32"/>
-    <p:sldId id="329" r:id="rId33"/>
-    <p:sldId id="330" r:id="rId34"/>
-    <p:sldId id="347" r:id="rId35"/>
-    <p:sldId id="317" r:id="rId36"/>
-    <p:sldId id="318" r:id="rId37"/>
-    <p:sldId id="332" r:id="rId38"/>
-    <p:sldId id="342" r:id="rId39"/>
-    <p:sldId id="343" r:id="rId40"/>
-    <p:sldId id="353" r:id="rId41"/>
-    <p:sldId id="315" r:id="rId42"/>
-    <p:sldId id="352" r:id="rId43"/>
-    <p:sldId id="348" r:id="rId44"/>
-    <p:sldId id="319" r:id="rId45"/>
-    <p:sldId id="354" r:id="rId46"/>
-    <p:sldId id="349" r:id="rId47"/>
-    <p:sldId id="316" r:id="rId48"/>
+    <p:sldId id="345" r:id="rId17"/>
+    <p:sldId id="312" r:id="rId18"/>
+    <p:sldId id="311" r:id="rId19"/>
+    <p:sldId id="326" r:id="rId20"/>
+    <p:sldId id="328" r:id="rId21"/>
+    <p:sldId id="325" r:id="rId22"/>
+    <p:sldId id="344" r:id="rId23"/>
+    <p:sldId id="372" r:id="rId24"/>
+    <p:sldId id="374" r:id="rId25"/>
+    <p:sldId id="362" r:id="rId26"/>
+    <p:sldId id="339" r:id="rId27"/>
+    <p:sldId id="363" r:id="rId28"/>
+    <p:sldId id="364" r:id="rId29"/>
+    <p:sldId id="346" r:id="rId30"/>
+    <p:sldId id="313" r:id="rId31"/>
+    <p:sldId id="329" r:id="rId32"/>
+    <p:sldId id="330" r:id="rId33"/>
+    <p:sldId id="347" r:id="rId34"/>
+    <p:sldId id="317" r:id="rId35"/>
+    <p:sldId id="318" r:id="rId36"/>
+    <p:sldId id="332" r:id="rId37"/>
+    <p:sldId id="342" r:id="rId38"/>
+    <p:sldId id="343" r:id="rId39"/>
+    <p:sldId id="353" r:id="rId40"/>
+    <p:sldId id="315" r:id="rId41"/>
+    <p:sldId id="352" r:id="rId42"/>
+    <p:sldId id="348" r:id="rId43"/>
+    <p:sldId id="319" r:id="rId44"/>
+    <p:sldId id="354" r:id="rId45"/>
+    <p:sldId id="349" r:id="rId46"/>
+    <p:sldId id="316" r:id="rId47"/>
   </p:sldIdLst>
   <p:sldSz cx="9144000" cy="6858000" type="screen4x3"/>
   <p:notesSz cx="6858000" cy="9144000"/>
@@ -5377,11 +5376,7 @@
             </a:r>
             <a:r>
               <a:rPr lang="zh-CN" altLang="en-US" dirty="0" smtClean="0"/>
-              <a:t>工具</a:t>
-            </a:r>
-            <a:r>
-              <a:rPr lang="zh-CN" altLang="en-US" dirty="0" smtClean="0"/>
-              <a:t>。</a:t>
+              <a:t>工具。</a:t>
             </a:r>
             <a:r>
               <a:rPr lang="en-US" altLang="zh-CN" dirty="0" smtClean="0"/>
@@ -6006,137 +6001,6 @@
             <p:ph type="title"/>
           </p:nvPr>
         </p:nvSpPr>
-        <p:spPr/>
-        <p:txBody>
-          <a:bodyPr/>
-          <a:lstStyle/>
-          <a:p>
-            <a:r>
-              <a:rPr lang="zh-CN" altLang="en-US" dirty="0" smtClean="0"/>
-              <a:t>什么人需要</a:t>
-            </a:r>
-            <a:endParaRPr lang="zh-CN" altLang="en-US" dirty="0"/>
-          </a:p>
-        </p:txBody>
-      </p:sp>
-      <p:sp>
-        <p:nvSpPr>
-          <p:cNvPr id="3" name="内容占位符 2"/>
-          <p:cNvSpPr>
-            <a:spLocks noGrp="1"/>
-          </p:cNvSpPr>
-          <p:nvPr>
-            <p:ph idx="1"/>
-          </p:nvPr>
-        </p:nvSpPr>
-        <p:spPr/>
-        <p:txBody>
-          <a:bodyPr/>
-          <a:lstStyle/>
-          <a:p>
-            <a:r>
-              <a:rPr lang="zh-CN" altLang="en-US" dirty="0" smtClean="0"/>
-              <a:t>想成为大拿</a:t>
-            </a:r>
-            <a:endParaRPr lang="en-US" altLang="zh-CN" dirty="0" smtClean="0"/>
-          </a:p>
-          <a:p>
-            <a:r>
-              <a:rPr lang="zh-CN" altLang="en-US" dirty="0" smtClean="0"/>
-              <a:t>想学会一种永不过时的</a:t>
-            </a:r>
-            <a:r>
-              <a:rPr lang="zh-CN" altLang="en-US" dirty="0"/>
-              <a:t>技术，以不变应万变</a:t>
-            </a:r>
-            <a:endParaRPr lang="en-US" altLang="zh-CN" dirty="0" smtClean="0"/>
-          </a:p>
-          <a:p>
-            <a:r>
-              <a:rPr lang="zh-CN" altLang="en-US" dirty="0" smtClean="0"/>
-              <a:t>干净利落，轻松的工作</a:t>
-            </a:r>
-            <a:endParaRPr lang="zh-CN" altLang="en-US" dirty="0"/>
-          </a:p>
-        </p:txBody>
-      </p:sp>
-      <p:pic>
-        <p:nvPicPr>
-          <p:cNvPr id="9" name="图片 8"/>
-          <p:cNvPicPr>
-            <a:picLocks noChangeAspect="1"/>
-          </p:cNvPicPr>
-          <p:nvPr/>
-        </p:nvPicPr>
-        <p:blipFill>
-          <a:blip r:embed="rId2">
-            <a:extLst>
-              <a:ext uri="{28A0092B-C50C-407E-A947-70E740481C1C}">
-                <a14:useLocalDpi xmlns:a14="http://schemas.microsoft.com/office/drawing/2010/main" val="0"/>
-              </a:ext>
-            </a:extLst>
-          </a:blip>
-          <a:stretch>
-            <a:fillRect/>
-          </a:stretch>
-        </p:blipFill>
-        <p:spPr>
-          <a:xfrm>
-            <a:off x="1455282" y="2564904"/>
-            <a:ext cx="6025473" cy="3772396"/>
-          </a:xfrm>
-          <a:prstGeom prst="rect">
-            <a:avLst/>
-          </a:prstGeom>
-        </p:spPr>
-      </p:pic>
-    </p:spTree>
-    <p:extLst>
-      <p:ext uri="{BB962C8B-B14F-4D97-AF65-F5344CB8AC3E}">
-        <p14:creationId xmlns:p14="http://schemas.microsoft.com/office/powerpoint/2010/main" val="1575835016"/>
-      </p:ext>
-    </p:extLst>
-  </p:cSld>
-  <p:clrMapOvr>
-    <a:masterClrMapping/>
-  </p:clrMapOvr>
-  <p:timing>
-    <p:tnLst>
-      <p:par>
-        <p:cTn id="1" dur="indefinite" restart="never" nodeType="tmRoot"/>
-      </p:par>
-    </p:tnLst>
-  </p:timing>
-</p:sld>
-</file>
-
-<file path=ppt/slides/slide17.xml><?xml version="1.0" encoding="utf-8"?>
-<p:sld xmlns:a="http://schemas.openxmlformats.org/drawingml/2006/main" xmlns:r="http://schemas.openxmlformats.org/officeDocument/2006/relationships" xmlns:p="http://schemas.openxmlformats.org/presentationml/2006/main">
-  <p:cSld>
-    <p:spTree>
-      <p:nvGrpSpPr>
-        <p:cNvPr id="1" name=""/>
-        <p:cNvGrpSpPr/>
-        <p:nvPr/>
-      </p:nvGrpSpPr>
-      <p:grpSpPr>
-        <a:xfrm>
-          <a:off x="0" y="0"/>
-          <a:ext cx="0" cy="0"/>
-          <a:chOff x="0" y="0"/>
-          <a:chExt cx="0" cy="0"/>
-        </a:xfrm>
-      </p:grpSpPr>
-      <p:sp>
-        <p:nvSpPr>
-          <p:cNvPr id="2" name="标题 1"/>
-          <p:cNvSpPr>
-            <a:spLocks noGrp="1"/>
-          </p:cNvSpPr>
-          <p:nvPr>
-            <p:ph type="title"/>
-          </p:nvPr>
-        </p:nvSpPr>
         <p:spPr>
           <a:xfrm>
             <a:off x="3441552" y="3145632"/>
@@ -6188,7 +6052,7 @@
 </p:sld>
 </file>
 
-<file path=ppt/slides/slide18.xml><?xml version="1.0" encoding="utf-8"?>
+<file path=ppt/slides/slide17.xml><?xml version="1.0" encoding="utf-8"?>
 <p:sld xmlns:a="http://schemas.openxmlformats.org/drawingml/2006/main" xmlns:r="http://schemas.openxmlformats.org/officeDocument/2006/relationships" xmlns:p="http://schemas.openxmlformats.org/presentationml/2006/main">
   <p:cSld>
     <p:spTree>
@@ -6327,7 +6191,7 @@
 </p:sld>
 </file>
 
-<file path=ppt/slides/slide19.xml><?xml version="1.0" encoding="utf-8"?>
+<file path=ppt/slides/slide18.xml><?xml version="1.0" encoding="utf-8"?>
 <p:sld xmlns:a="http://schemas.openxmlformats.org/drawingml/2006/main" xmlns:r="http://schemas.openxmlformats.org/officeDocument/2006/relationships" xmlns:p="http://schemas.openxmlformats.org/presentationml/2006/main">
   <p:cSld>
     <p:spTree>
@@ -6568,128 +6432,7 @@
 </p:sld>
 </file>
 
-<file path=ppt/slides/slide2.xml><?xml version="1.0" encoding="utf-8"?>
-<p:sld xmlns:a="http://schemas.openxmlformats.org/drawingml/2006/main" xmlns:r="http://schemas.openxmlformats.org/officeDocument/2006/relationships" xmlns:p="http://schemas.openxmlformats.org/presentationml/2006/main">
-  <p:cSld>
-    <p:spTree>
-      <p:nvGrpSpPr>
-        <p:cNvPr id="1" name=""/>
-        <p:cNvGrpSpPr/>
-        <p:nvPr/>
-      </p:nvGrpSpPr>
-      <p:grpSpPr>
-        <a:xfrm>
-          <a:off x="0" y="0"/>
-          <a:ext cx="0" cy="0"/>
-          <a:chOff x="0" y="0"/>
-          <a:chExt cx="0" cy="0"/>
-        </a:xfrm>
-      </p:grpSpPr>
-      <p:sp>
-        <p:nvSpPr>
-          <p:cNvPr id="2" name="标题 1"/>
-          <p:cNvSpPr>
-            <a:spLocks noGrp="1"/>
-          </p:cNvSpPr>
-          <p:nvPr>
-            <p:ph type="title"/>
-          </p:nvPr>
-        </p:nvSpPr>
-        <p:spPr/>
-        <p:txBody>
-          <a:bodyPr/>
-          <a:lstStyle/>
-          <a:p>
-            <a:r>
-              <a:rPr lang="zh-CN" altLang="en-US" dirty="0" smtClean="0"/>
-              <a:t>开始以前</a:t>
-            </a:r>
-            <a:endParaRPr lang="zh-CN" altLang="en-US" dirty="0"/>
-          </a:p>
-        </p:txBody>
-      </p:sp>
-      <p:sp>
-        <p:nvSpPr>
-          <p:cNvPr id="3" name="内容占位符 2"/>
-          <p:cNvSpPr>
-            <a:spLocks noGrp="1"/>
-          </p:cNvSpPr>
-          <p:nvPr>
-            <p:ph idx="1"/>
-          </p:nvPr>
-        </p:nvSpPr>
-        <p:spPr/>
-        <p:txBody>
-          <a:bodyPr/>
-          <a:lstStyle/>
-          <a:p>
-            <a:r>
-              <a:rPr lang="zh-CN" altLang="en-US" dirty="0" smtClean="0"/>
-              <a:t>自我介绍</a:t>
-            </a:r>
-            <a:endParaRPr lang="en-US" altLang="zh-CN" dirty="0" smtClean="0"/>
-          </a:p>
-          <a:p>
-            <a:r>
-              <a:rPr lang="zh-CN" altLang="en-US" dirty="0" smtClean="0"/>
-              <a:t>对参与者的期待</a:t>
-            </a:r>
-            <a:endParaRPr lang="en-US" altLang="zh-CN" dirty="0" smtClean="0"/>
-          </a:p>
-          <a:p>
-            <a:r>
-              <a:rPr lang="zh-CN" altLang="en-US" dirty="0" smtClean="0"/>
-              <a:t>典型</a:t>
-            </a:r>
-            <a:r>
-              <a:rPr lang="zh-CN" altLang="en-US" dirty="0"/>
-              <a:t>开发</a:t>
-            </a:r>
-            <a:r>
-              <a:rPr lang="zh-CN" altLang="en-US" dirty="0" smtClean="0"/>
-              <a:t>场景</a:t>
-            </a:r>
-            <a:endParaRPr lang="en-US" altLang="zh-CN" dirty="0" smtClean="0"/>
-          </a:p>
-          <a:p>
-            <a:pPr lvl="1"/>
-            <a:r>
-              <a:rPr lang="zh-CN" altLang="en-US" dirty="0" smtClean="0"/>
-              <a:t>普通程序员</a:t>
-            </a:r>
-            <a:endParaRPr lang="en-US" altLang="zh-CN" dirty="0" smtClean="0"/>
-          </a:p>
-          <a:p>
-            <a:pPr lvl="1"/>
-            <a:r>
-              <a:rPr lang="zh-CN" altLang="en-US" dirty="0" smtClean="0"/>
-              <a:t>文艺程序员</a:t>
-            </a:r>
-            <a:endParaRPr lang="en-US" altLang="zh-CN" dirty="0" smtClean="0"/>
-          </a:p>
-        </p:txBody>
-      </p:sp>
-    </p:spTree>
-    <p:extLst>
-      <p:ext uri="{BB962C8B-B14F-4D97-AF65-F5344CB8AC3E}">
-        <p14:creationId xmlns:p14="http://schemas.microsoft.com/office/powerpoint/2010/main" val="1715658131"/>
-      </p:ext>
-    </p:extLst>
-  </p:cSld>
-  <p:clrMapOvr>
-    <a:masterClrMapping/>
-  </p:clrMapOvr>
-  <p:timing>
-    <p:tnLst>
-      <p:par>
-        <p:cTn id="1" dur="indefinite" restart="never" nodeType="tmRoot"/>
-      </p:par>
-    </p:tnLst>
-  </p:timing>
-</p:sld>
-</file>
-
-<file path=ppt/slides/slide20.xml><?xml version="1.0" encoding="utf-8"?>
+<file path=ppt/slides/slide19.xml><?xml version="1.0" encoding="utf-8"?>
 <p:sld xmlns:a="http://schemas.openxmlformats.org/drawingml/2006/main" xmlns:r="http://schemas.openxmlformats.org/officeDocument/2006/relationships" xmlns:p="http://schemas.openxmlformats.org/presentationml/2006/main">
   <p:cSld>
     <p:spTree>
@@ -6864,7 +6607,128 @@
 </p:sld>
 </file>
 
-<file path=ppt/slides/slide21.xml><?xml version="1.0" encoding="utf-8"?>
+<file path=ppt/slides/slide2.xml><?xml version="1.0" encoding="utf-8"?>
+<p:sld xmlns:a="http://schemas.openxmlformats.org/drawingml/2006/main" xmlns:r="http://schemas.openxmlformats.org/officeDocument/2006/relationships" xmlns:p="http://schemas.openxmlformats.org/presentationml/2006/main">
+  <p:cSld>
+    <p:spTree>
+      <p:nvGrpSpPr>
+        <p:cNvPr id="1" name=""/>
+        <p:cNvGrpSpPr/>
+        <p:nvPr/>
+      </p:nvGrpSpPr>
+      <p:grpSpPr>
+        <a:xfrm>
+          <a:off x="0" y="0"/>
+          <a:ext cx="0" cy="0"/>
+          <a:chOff x="0" y="0"/>
+          <a:chExt cx="0" cy="0"/>
+        </a:xfrm>
+      </p:grpSpPr>
+      <p:sp>
+        <p:nvSpPr>
+          <p:cNvPr id="2" name="标题 1"/>
+          <p:cNvSpPr>
+            <a:spLocks noGrp="1"/>
+          </p:cNvSpPr>
+          <p:nvPr>
+            <p:ph type="title"/>
+          </p:nvPr>
+        </p:nvSpPr>
+        <p:spPr/>
+        <p:txBody>
+          <a:bodyPr/>
+          <a:lstStyle/>
+          <a:p>
+            <a:r>
+              <a:rPr lang="zh-CN" altLang="en-US" dirty="0" smtClean="0"/>
+              <a:t>开始以前</a:t>
+            </a:r>
+            <a:endParaRPr lang="zh-CN" altLang="en-US" dirty="0"/>
+          </a:p>
+        </p:txBody>
+      </p:sp>
+      <p:sp>
+        <p:nvSpPr>
+          <p:cNvPr id="3" name="内容占位符 2"/>
+          <p:cNvSpPr>
+            <a:spLocks noGrp="1"/>
+          </p:cNvSpPr>
+          <p:nvPr>
+            <p:ph idx="1"/>
+          </p:nvPr>
+        </p:nvSpPr>
+        <p:spPr/>
+        <p:txBody>
+          <a:bodyPr/>
+          <a:lstStyle/>
+          <a:p>
+            <a:r>
+              <a:rPr lang="zh-CN" altLang="en-US" dirty="0" smtClean="0"/>
+              <a:t>自我介绍</a:t>
+            </a:r>
+            <a:endParaRPr lang="en-US" altLang="zh-CN" dirty="0" smtClean="0"/>
+          </a:p>
+          <a:p>
+            <a:r>
+              <a:rPr lang="zh-CN" altLang="en-US" dirty="0" smtClean="0"/>
+              <a:t>对参与者的期待</a:t>
+            </a:r>
+            <a:endParaRPr lang="en-US" altLang="zh-CN" dirty="0" smtClean="0"/>
+          </a:p>
+          <a:p>
+            <a:r>
+              <a:rPr lang="zh-CN" altLang="en-US" dirty="0" smtClean="0"/>
+              <a:t>典型</a:t>
+            </a:r>
+            <a:r>
+              <a:rPr lang="zh-CN" altLang="en-US" dirty="0"/>
+              <a:t>开发</a:t>
+            </a:r>
+            <a:r>
+              <a:rPr lang="zh-CN" altLang="en-US" dirty="0" smtClean="0"/>
+              <a:t>场景</a:t>
+            </a:r>
+            <a:endParaRPr lang="en-US" altLang="zh-CN" dirty="0" smtClean="0"/>
+          </a:p>
+          <a:p>
+            <a:pPr lvl="1"/>
+            <a:r>
+              <a:rPr lang="zh-CN" altLang="en-US" dirty="0" smtClean="0"/>
+              <a:t>普通程序员</a:t>
+            </a:r>
+            <a:endParaRPr lang="en-US" altLang="zh-CN" dirty="0" smtClean="0"/>
+          </a:p>
+          <a:p>
+            <a:pPr lvl="1"/>
+            <a:r>
+              <a:rPr lang="zh-CN" altLang="en-US" dirty="0" smtClean="0"/>
+              <a:t>文艺程序员</a:t>
+            </a:r>
+            <a:endParaRPr lang="en-US" altLang="zh-CN" dirty="0" smtClean="0"/>
+          </a:p>
+        </p:txBody>
+      </p:sp>
+    </p:spTree>
+    <p:extLst>
+      <p:ext uri="{BB962C8B-B14F-4D97-AF65-F5344CB8AC3E}">
+        <p14:creationId xmlns:p14="http://schemas.microsoft.com/office/powerpoint/2010/main" val="1715658131"/>
+      </p:ext>
+    </p:extLst>
+  </p:cSld>
+  <p:clrMapOvr>
+    <a:masterClrMapping/>
+  </p:clrMapOvr>
+  <p:timing>
+    <p:tnLst>
+      <p:par>
+        <p:cTn id="1" dur="indefinite" restart="never" nodeType="tmRoot"/>
+      </p:par>
+    </p:tnLst>
+  </p:timing>
+</p:sld>
+</file>
+
+<file path=ppt/slides/slide20.xml><?xml version="1.0" encoding="utf-8"?>
 <p:sld xmlns:a="http://schemas.openxmlformats.org/drawingml/2006/main" xmlns:r="http://schemas.openxmlformats.org/officeDocument/2006/relationships" xmlns:p="http://schemas.openxmlformats.org/presentationml/2006/main">
   <p:cSld>
     <p:spTree>
@@ -7035,7 +6899,7 @@
 </p:sld>
 </file>
 
-<file path=ppt/slides/slide22.xml><?xml version="1.0" encoding="utf-8"?>
+<file path=ppt/slides/slide21.xml><?xml version="1.0" encoding="utf-8"?>
 <p:sld xmlns:a="http://schemas.openxmlformats.org/drawingml/2006/main" xmlns:r="http://schemas.openxmlformats.org/officeDocument/2006/relationships" xmlns:p="http://schemas.openxmlformats.org/presentationml/2006/main">
   <p:cSld>
     <p:spTree>
@@ -7186,7 +7050,7 @@
 </p:sld>
 </file>
 
-<file path=ppt/slides/slide23.xml><?xml version="1.0" encoding="utf-8"?>
+<file path=ppt/slides/slide22.xml><?xml version="1.0" encoding="utf-8"?>
 <p:sld xmlns:a="http://schemas.openxmlformats.org/drawingml/2006/main" xmlns:r="http://schemas.openxmlformats.org/officeDocument/2006/relationships" xmlns:p="http://schemas.openxmlformats.org/presentationml/2006/main">
   <p:cSld>
     <p:spTree>
@@ -7278,13 +7142,7 @@
               <a:rPr lang="zh-CN" altLang="en-US" sz="1400" dirty="0" smtClean="0">
                 <a:sym typeface="Arial" pitchFamily="34" charset="0"/>
               </a:rPr>
-              <a:t>分解，</a:t>
-            </a:r>
-            <a:r>
-              <a:rPr lang="zh-CN" altLang="en-US" sz="1400" dirty="0" smtClean="0">
-                <a:sym typeface="Arial" pitchFamily="34" charset="0"/>
-              </a:rPr>
-              <a:t>快速</a:t>
+              <a:t>分解，快速</a:t>
             </a:r>
             <a:r>
               <a:rPr lang="zh-CN" altLang="en-US" sz="1400" dirty="0">
@@ -7306,25 +7164,7 @@
               <a:rPr lang="zh-CN" altLang="en-US" sz="1400" dirty="0" smtClean="0">
                 <a:sym typeface="Arial" pitchFamily="34" charset="0"/>
               </a:rPr>
-              <a:t>组件</a:t>
-            </a:r>
-            <a:r>
-              <a:rPr lang="zh-CN" altLang="en-US" sz="1400" dirty="0" smtClean="0">
-                <a:sym typeface="Arial" pitchFamily="34" charset="0"/>
-              </a:rPr>
-              <a:t>化</a:t>
-            </a:r>
-            <a:r>
-              <a:rPr lang="zh-CN" altLang="en-US" sz="1400" dirty="0" smtClean="0">
-                <a:sym typeface="Arial" pitchFamily="34" charset="0"/>
-              </a:rPr>
-              <a:t>设计，流水</a:t>
-            </a:r>
-            <a:r>
-              <a:rPr lang="zh-CN" altLang="en-US" sz="1400" dirty="0" smtClean="0">
-                <a:sym typeface="Arial" pitchFamily="34" charset="0"/>
-              </a:rPr>
-              <a:t>线式开发</a:t>
+              <a:t>组件化设计，流水线式开发</a:t>
             </a:r>
             <a:endParaRPr lang="en-US" altLang="zh-CN" sz="1400" dirty="0" smtClean="0">
               <a:sym typeface="Arial" pitchFamily="34" charset="0"/>
@@ -7368,7 +7208,29 @@
               <a:rPr lang="zh-CN" altLang="en-US" sz="1400" dirty="0">
                 <a:sym typeface="Arial" pitchFamily="34" charset="0"/>
               </a:rPr>
-              <a:t>与开发环境高度集成</a:t>
+              <a:t>与开发环境高度</a:t>
+            </a:r>
+            <a:r>
+              <a:rPr lang="zh-CN" altLang="en-US" sz="1400" dirty="0" smtClean="0">
+                <a:sym typeface="Arial" pitchFamily="34" charset="0"/>
+              </a:rPr>
+              <a:t>集成</a:t>
+            </a:r>
+            <a:endParaRPr lang="en-US" altLang="zh-CN" sz="1400" dirty="0" smtClean="0">
+              <a:sym typeface="Arial" pitchFamily="34" charset="0"/>
+            </a:endParaRPr>
+          </a:p>
+          <a:p>
+            <a:pPr lvl="1" eaLnBrk="1" hangingPunct="1">
+              <a:lnSpc>
+                <a:spcPct val="130000"/>
+              </a:lnSpc>
+            </a:pPr>
+            <a:r>
+              <a:rPr lang="zh-CN" altLang="en-US" sz="1400" smtClean="0">
+                <a:sym typeface="Arial" pitchFamily="34" charset="0"/>
+              </a:rPr>
+              <a:t>限定和降低人的风险</a:t>
             </a:r>
             <a:endParaRPr lang="en-US" altLang="zh-CN" sz="1400" dirty="0">
               <a:sym typeface="Arial" pitchFamily="34" charset="0"/>
@@ -7474,11 +7336,7 @@
             </a:r>
             <a:r>
               <a:rPr lang="zh-CN" altLang="en-US" sz="1400" dirty="0" smtClean="0"/>
-              <a:t>，轻松模拟</a:t>
-            </a:r>
-            <a:r>
-              <a:rPr lang="zh-CN" altLang="en-US" sz="1400" dirty="0" smtClean="0"/>
-              <a:t>测试数据</a:t>
+              <a:t>，轻松模拟测试数据</a:t>
             </a:r>
             <a:endParaRPr lang="en-US" altLang="zh-CN" sz="1400" dirty="0" smtClean="0"/>
           </a:p>
@@ -7486,7 +7344,7 @@
       </p:sp>
       <p:pic>
         <p:nvPicPr>
-          <p:cNvPr id="5" name="图片 4"/>
+          <p:cNvPr id="2" name="图片 1"/>
           <p:cNvPicPr>
             <a:picLocks noChangeAspect="1"/>
           </p:cNvPicPr>
@@ -7506,8 +7364,8 @@
         </p:blipFill>
         <p:spPr>
           <a:xfrm>
-            <a:off x="3207280" y="1844824"/>
-            <a:ext cx="5936720" cy="3003145"/>
+            <a:off x="4211960" y="1340768"/>
+            <a:ext cx="4381078" cy="4381078"/>
           </a:xfrm>
           <a:prstGeom prst="rect">
             <a:avLst/>
@@ -7534,7 +7392,7 @@
 </p:sld>
 </file>
 
-<file path=ppt/slides/slide24.xml><?xml version="1.0" encoding="utf-8"?>
+<file path=ppt/slides/slide23.xml><?xml version="1.0" encoding="utf-8"?>
 <p:sld xmlns:a="http://schemas.openxmlformats.org/drawingml/2006/main" xmlns:r="http://schemas.openxmlformats.org/officeDocument/2006/relationships" xmlns:p="http://schemas.openxmlformats.org/presentationml/2006/main">
   <p:cSld>
     <p:spTree>
@@ -7591,11 +7449,7 @@
           <a:p>
             <a:r>
               <a:rPr lang="zh-CN" altLang="en-US" dirty="0" smtClean="0"/>
-              <a:t>对</a:t>
-            </a:r>
-            <a:r>
-              <a:rPr lang="zh-CN" altLang="en-US" dirty="0" smtClean="0"/>
-              <a:t>产品经理的帮助</a:t>
+              <a:t>对产品经理的帮助</a:t>
             </a:r>
             <a:endParaRPr lang="en-US" altLang="zh-CN" dirty="0" smtClean="0"/>
           </a:p>
@@ -7650,23 +7504,7 @@
             <a:pPr lvl="1"/>
             <a:r>
               <a:rPr lang="zh-CN" altLang="en-US" dirty="0" smtClean="0"/>
-              <a:t>单元的</a:t>
-            </a:r>
-            <a:r>
-              <a:rPr lang="zh-CN" altLang="en-US" dirty="0" smtClean="0"/>
-              <a:t>完成比例</a:t>
-            </a:r>
-            <a:r>
-              <a:rPr lang="zh-CN" altLang="en-US" dirty="0" smtClean="0"/>
-              <a:t>可以反映</a:t>
-            </a:r>
-            <a:r>
-              <a:rPr lang="zh-CN" altLang="en-US" dirty="0" smtClean="0"/>
-              <a:t>开发</a:t>
-            </a:r>
-            <a:r>
-              <a:rPr lang="zh-CN" altLang="en-US" dirty="0" smtClean="0"/>
-              <a:t>进度</a:t>
+              <a:t>单元的完成比例可以反映开发进度</a:t>
             </a:r>
             <a:endParaRPr lang="en-US" altLang="zh-CN" dirty="0" smtClean="0"/>
           </a:p>
@@ -7722,7 +7560,7 @@
 </p:sld>
 </file>
 
-<file path=ppt/slides/slide25.xml><?xml version="1.0" encoding="utf-8"?>
+<file path=ppt/slides/slide24.xml><?xml version="1.0" encoding="utf-8"?>
 <p:sld xmlns:a="http://schemas.openxmlformats.org/drawingml/2006/main" xmlns:r="http://schemas.openxmlformats.org/officeDocument/2006/relationships" xmlns:p="http://schemas.openxmlformats.org/presentationml/2006/main">
   <p:cSld>
     <p:spTree>
@@ -7884,7 +7722,7 @@
 </p:sld>
 </file>
 
-<file path=ppt/slides/slide26.xml><?xml version="1.0" encoding="utf-8"?>
+<file path=ppt/slides/slide25.xml><?xml version="1.0" encoding="utf-8"?>
 <p:sld xmlns:a="http://schemas.openxmlformats.org/drawingml/2006/main" xmlns:r="http://schemas.openxmlformats.org/officeDocument/2006/relationships" xmlns:p="http://schemas.openxmlformats.org/presentationml/2006/main">
   <p:cSld>
     <p:spTree>
@@ -8071,7 +7909,7 @@
 </p:sld>
 </file>
 
-<file path=ppt/slides/slide27.xml><?xml version="1.0" encoding="utf-8"?>
+<file path=ppt/slides/slide26.xml><?xml version="1.0" encoding="utf-8"?>
 <p:sld xmlns:a="http://schemas.openxmlformats.org/drawingml/2006/main" xmlns:r="http://schemas.openxmlformats.org/officeDocument/2006/relationships" xmlns:p="http://schemas.openxmlformats.org/presentationml/2006/main">
   <p:cSld>
     <p:spTree>
@@ -8177,7 +8015,7 @@
 </p:sld>
 </file>
 
-<file path=ppt/slides/slide28.xml><?xml version="1.0" encoding="utf-8"?>
+<file path=ppt/slides/slide27.xml><?xml version="1.0" encoding="utf-8"?>
 <p:sld xmlns:a="http://schemas.openxmlformats.org/drawingml/2006/main" xmlns:r="http://schemas.openxmlformats.org/officeDocument/2006/relationships" xmlns:p="http://schemas.openxmlformats.org/presentationml/2006/main">
   <p:cSld>
     <p:spTree>
@@ -8377,7 +8215,7 @@
 </p:sld>
 </file>
 
-<file path=ppt/slides/slide29.xml><?xml version="1.0" encoding="utf-8"?>
+<file path=ppt/slides/slide28.xml><?xml version="1.0" encoding="utf-8"?>
 <p:sld xmlns:a="http://schemas.openxmlformats.org/drawingml/2006/main" xmlns:r="http://schemas.openxmlformats.org/officeDocument/2006/relationships" xmlns:p="http://schemas.openxmlformats.org/presentationml/2006/main">
   <p:cSld>
     <p:spTree>
@@ -8581,6 +8419,90 @@
     <p:extLst>
       <p:ext uri="{BB962C8B-B14F-4D97-AF65-F5344CB8AC3E}">
         <p14:creationId xmlns:p14="http://schemas.microsoft.com/office/powerpoint/2010/main" val="1768639245"/>
+      </p:ext>
+    </p:extLst>
+  </p:cSld>
+  <p:clrMapOvr>
+    <a:masterClrMapping/>
+  </p:clrMapOvr>
+  <p:timing>
+    <p:tnLst>
+      <p:par>
+        <p:cTn id="1" dur="indefinite" restart="never" nodeType="tmRoot"/>
+      </p:par>
+    </p:tnLst>
+  </p:timing>
+</p:sld>
+</file>
+
+<file path=ppt/slides/slide29.xml><?xml version="1.0" encoding="utf-8"?>
+<p:sld xmlns:a="http://schemas.openxmlformats.org/drawingml/2006/main" xmlns:r="http://schemas.openxmlformats.org/officeDocument/2006/relationships" xmlns:p="http://schemas.openxmlformats.org/presentationml/2006/main">
+  <p:cSld>
+    <p:spTree>
+      <p:nvGrpSpPr>
+        <p:cNvPr id="1" name=""/>
+        <p:cNvGrpSpPr/>
+        <p:nvPr/>
+      </p:nvGrpSpPr>
+      <p:grpSpPr>
+        <a:xfrm>
+          <a:off x="0" y="0"/>
+          <a:ext cx="0" cy="0"/>
+          <a:chOff x="0" y="0"/>
+          <a:chExt cx="0" cy="0"/>
+        </a:xfrm>
+      </p:grpSpPr>
+      <p:sp>
+        <p:nvSpPr>
+          <p:cNvPr id="2" name="标题 1"/>
+          <p:cNvSpPr>
+            <a:spLocks noGrp="1"/>
+          </p:cNvSpPr>
+          <p:nvPr>
+            <p:ph type="title"/>
+          </p:nvPr>
+        </p:nvSpPr>
+        <p:spPr>
+          <a:xfrm>
+            <a:off x="3022088" y="3140968"/>
+            <a:ext cx="3278104" cy="566737"/>
+          </a:xfrm>
+        </p:spPr>
+        <p:style>
+          <a:lnRef idx="1">
+            <a:schemeClr val="accent4"/>
+          </a:lnRef>
+          <a:fillRef idx="3">
+            <a:schemeClr val="accent4"/>
+          </a:fillRef>
+          <a:effectRef idx="2">
+            <a:schemeClr val="accent4"/>
+          </a:effectRef>
+          <a:fontRef idx="minor">
+            <a:schemeClr val="lt1"/>
+          </a:fontRef>
+        </p:style>
+        <p:txBody>
+          <a:bodyPr/>
+          <a:lstStyle/>
+          <a:p>
+            <a:pPr algn="ctr"/>
+            <a:r>
+              <a:rPr lang="en-US" altLang="zh-CN" dirty="0" err="1" smtClean="0"/>
+              <a:t>Xross</a:t>
+            </a:r>
+            <a:r>
+              <a:rPr lang="en-US" altLang="zh-CN" dirty="0" smtClean="0"/>
+              <a:t> Decision</a:t>
+            </a:r>
+            <a:endParaRPr lang="zh-CN" altLang="en-US" dirty="0"/>
+          </a:p>
+        </p:txBody>
+      </p:sp>
+    </p:spTree>
+    <p:extLst>
+      <p:ext uri="{BB962C8B-B14F-4D97-AF65-F5344CB8AC3E}">
+        <p14:creationId xmlns:p14="http://schemas.microsoft.com/office/powerpoint/2010/main" val="3512297626"/>
       </p:ext>
     </p:extLst>
   </p:cSld>
@@ -9054,90 +8976,6 @@
       </p:grpSpPr>
       <p:sp>
         <p:nvSpPr>
-          <p:cNvPr id="2" name="标题 1"/>
-          <p:cNvSpPr>
-            <a:spLocks noGrp="1"/>
-          </p:cNvSpPr>
-          <p:nvPr>
-            <p:ph type="title"/>
-          </p:nvPr>
-        </p:nvSpPr>
-        <p:spPr>
-          <a:xfrm>
-            <a:off x="3022088" y="3140968"/>
-            <a:ext cx="3278104" cy="566737"/>
-          </a:xfrm>
-        </p:spPr>
-        <p:style>
-          <a:lnRef idx="1">
-            <a:schemeClr val="accent4"/>
-          </a:lnRef>
-          <a:fillRef idx="3">
-            <a:schemeClr val="accent4"/>
-          </a:fillRef>
-          <a:effectRef idx="2">
-            <a:schemeClr val="accent4"/>
-          </a:effectRef>
-          <a:fontRef idx="minor">
-            <a:schemeClr val="lt1"/>
-          </a:fontRef>
-        </p:style>
-        <p:txBody>
-          <a:bodyPr/>
-          <a:lstStyle/>
-          <a:p>
-            <a:pPr algn="ctr"/>
-            <a:r>
-              <a:rPr lang="en-US" altLang="zh-CN" dirty="0" err="1" smtClean="0"/>
-              <a:t>Xross</a:t>
-            </a:r>
-            <a:r>
-              <a:rPr lang="en-US" altLang="zh-CN" dirty="0" smtClean="0"/>
-              <a:t> Decision</a:t>
-            </a:r>
-            <a:endParaRPr lang="zh-CN" altLang="en-US" dirty="0"/>
-          </a:p>
-        </p:txBody>
-      </p:sp>
-    </p:spTree>
-    <p:extLst>
-      <p:ext uri="{BB962C8B-B14F-4D97-AF65-F5344CB8AC3E}">
-        <p14:creationId xmlns:p14="http://schemas.microsoft.com/office/powerpoint/2010/main" val="3512297626"/>
-      </p:ext>
-    </p:extLst>
-  </p:cSld>
-  <p:clrMapOvr>
-    <a:masterClrMapping/>
-  </p:clrMapOvr>
-  <p:timing>
-    <p:tnLst>
-      <p:par>
-        <p:cTn id="1" dur="indefinite" restart="never" nodeType="tmRoot"/>
-      </p:par>
-    </p:tnLst>
-  </p:timing>
-</p:sld>
-</file>
-
-<file path=ppt/slides/slide31.xml><?xml version="1.0" encoding="utf-8"?>
-<p:sld xmlns:a="http://schemas.openxmlformats.org/drawingml/2006/main" xmlns:r="http://schemas.openxmlformats.org/officeDocument/2006/relationships" xmlns:p="http://schemas.openxmlformats.org/presentationml/2006/main">
-  <p:cSld>
-    <p:spTree>
-      <p:nvGrpSpPr>
-        <p:cNvPr id="1" name=""/>
-        <p:cNvGrpSpPr/>
-        <p:nvPr/>
-      </p:nvGrpSpPr>
-      <p:grpSpPr>
-        <a:xfrm>
-          <a:off x="0" y="0"/>
-          <a:ext cx="0" cy="0"/>
-          <a:chOff x="0" y="0"/>
-          <a:chExt cx="0" cy="0"/>
-        </a:xfrm>
-      </p:grpSpPr>
-      <p:sp>
-        <p:nvSpPr>
           <p:cNvPr id="46082" name="Rectangle 2"/>
           <p:cNvSpPr>
             <a:spLocks noGrp="1" noChangeArrowheads="1"/>
@@ -9537,7 +9375,7 @@
 </p:sld>
 </file>
 
-<file path=ppt/slides/slide32.xml><?xml version="1.0" encoding="utf-8"?>
+<file path=ppt/slides/slide31.xml><?xml version="1.0" encoding="utf-8"?>
 <p:sld xmlns:a="http://schemas.openxmlformats.org/drawingml/2006/main" xmlns:r="http://schemas.openxmlformats.org/officeDocument/2006/relationships" xmlns:p="http://schemas.openxmlformats.org/presentationml/2006/main">
   <p:cSld>
     <p:spTree>
@@ -9764,7 +9602,7 @@
 </p:sld>
 </file>
 
-<file path=ppt/slides/slide33.xml><?xml version="1.0" encoding="utf-8"?>
+<file path=ppt/slides/slide32.xml><?xml version="1.0" encoding="utf-8"?>
 <p:sld xmlns:a="http://schemas.openxmlformats.org/drawingml/2006/main" xmlns:r="http://schemas.openxmlformats.org/officeDocument/2006/relationships" xmlns:p="http://schemas.openxmlformats.org/presentationml/2006/main">
   <p:cSld>
     <p:spTree>
@@ -10079,7 +9917,7 @@
 </p:sld>
 </file>
 
-<file path=ppt/slides/slide34.xml><?xml version="1.0" encoding="utf-8"?>
+<file path=ppt/slides/slide33.xml><?xml version="1.0" encoding="utf-8"?>
 <p:sld xmlns:a="http://schemas.openxmlformats.org/drawingml/2006/main" xmlns:r="http://schemas.openxmlformats.org/officeDocument/2006/relationships" xmlns:p="http://schemas.openxmlformats.org/presentationml/2006/main">
   <p:cSld>
     <p:spTree>
@@ -10162,7 +10000,7 @@
 </p:sld>
 </file>
 
-<file path=ppt/slides/slide35.xml><?xml version="1.0" encoding="utf-8"?>
+<file path=ppt/slides/slide34.xml><?xml version="1.0" encoding="utf-8"?>
 <p:sld xmlns:a="http://schemas.openxmlformats.org/drawingml/2006/main" xmlns:r="http://schemas.openxmlformats.org/officeDocument/2006/relationships" xmlns:p="http://schemas.openxmlformats.org/presentationml/2006/main">
   <p:cSld>
     <p:spTree>
@@ -10474,7 +10312,7 @@
 </p:sld>
 </file>
 
-<file path=ppt/slides/slide36.xml><?xml version="1.0" encoding="utf-8"?>
+<file path=ppt/slides/slide35.xml><?xml version="1.0" encoding="utf-8"?>
 <p:sld xmlns:a="http://schemas.openxmlformats.org/drawingml/2006/main" xmlns:r="http://schemas.openxmlformats.org/officeDocument/2006/relationships" xmlns:p="http://schemas.openxmlformats.org/presentationml/2006/main">
   <p:cSld>
     <p:spTree>
@@ -10624,7 +10462,7 @@
 </p:sld>
 </file>
 
-<file path=ppt/slides/slide37.xml><?xml version="1.0" encoding="utf-8"?>
+<file path=ppt/slides/slide36.xml><?xml version="1.0" encoding="utf-8"?>
 <p:sld xmlns:a="http://schemas.openxmlformats.org/drawingml/2006/main" xmlns:r="http://schemas.openxmlformats.org/officeDocument/2006/relationships" xmlns:p="http://schemas.openxmlformats.org/presentationml/2006/main">
   <p:cSld>
     <p:spTree>
@@ -10783,7 +10621,7 @@
 </p:sld>
 </file>
 
-<file path=ppt/slides/slide38.xml><?xml version="1.0" encoding="utf-8"?>
+<file path=ppt/slides/slide37.xml><?xml version="1.0" encoding="utf-8"?>
 <p:sld xmlns:a="http://schemas.openxmlformats.org/drawingml/2006/main" xmlns:r="http://schemas.openxmlformats.org/officeDocument/2006/relationships" xmlns:p="http://schemas.openxmlformats.org/presentationml/2006/main">
   <p:cSld>
     <p:spTree>
@@ -10886,7 +10724,7 @@
 </p:sld>
 </file>
 
-<file path=ppt/slides/slide39.xml><?xml version="1.0" encoding="utf-8"?>
+<file path=ppt/slides/slide38.xml><?xml version="1.0" encoding="utf-8"?>
 <p:sld xmlns:a="http://schemas.openxmlformats.org/drawingml/2006/main" xmlns:r="http://schemas.openxmlformats.org/officeDocument/2006/relationships" xmlns:p="http://schemas.openxmlformats.org/presentationml/2006/main">
   <p:cSld>
     <p:spTree>
@@ -10989,6 +10827,86 @@
 </p:sld>
 </file>
 
+<file path=ppt/slides/slide39.xml><?xml version="1.0" encoding="utf-8"?>
+<p:sld xmlns:a="http://schemas.openxmlformats.org/drawingml/2006/main" xmlns:r="http://schemas.openxmlformats.org/officeDocument/2006/relationships" xmlns:p="http://schemas.openxmlformats.org/presentationml/2006/main">
+  <p:cSld>
+    <p:spTree>
+      <p:nvGrpSpPr>
+        <p:cNvPr id="1" name=""/>
+        <p:cNvGrpSpPr/>
+        <p:nvPr/>
+      </p:nvGrpSpPr>
+      <p:grpSpPr>
+        <a:xfrm>
+          <a:off x="0" y="0"/>
+          <a:ext cx="0" cy="0"/>
+          <a:chOff x="0" y="0"/>
+          <a:chExt cx="0" cy="0"/>
+        </a:xfrm>
+      </p:grpSpPr>
+      <p:sp>
+        <p:nvSpPr>
+          <p:cNvPr id="2" name="标题 1"/>
+          <p:cNvSpPr>
+            <a:spLocks noGrp="1"/>
+          </p:cNvSpPr>
+          <p:nvPr>
+            <p:ph type="title"/>
+          </p:nvPr>
+        </p:nvSpPr>
+        <p:spPr>
+          <a:xfrm>
+            <a:off x="3347864" y="3140968"/>
+            <a:ext cx="2448272" cy="566737"/>
+          </a:xfrm>
+        </p:spPr>
+        <p:style>
+          <a:lnRef idx="1">
+            <a:schemeClr val="accent4"/>
+          </a:lnRef>
+          <a:fillRef idx="3">
+            <a:schemeClr val="accent4"/>
+          </a:fillRef>
+          <a:effectRef idx="2">
+            <a:schemeClr val="accent4"/>
+          </a:effectRef>
+          <a:fontRef idx="minor">
+            <a:schemeClr val="lt1"/>
+          </a:fontRef>
+        </p:style>
+        <p:txBody>
+          <a:bodyPr/>
+          <a:lstStyle/>
+          <a:p>
+            <a:pPr algn="ctr"/>
+            <a:r>
+              <a:rPr lang="en-US" altLang="zh-CN" dirty="0" smtClean="0"/>
+              <a:t>XEDA</a:t>
+            </a:r>
+            <a:endParaRPr lang="zh-CN" altLang="en-US" dirty="0"/>
+          </a:p>
+        </p:txBody>
+      </p:sp>
+    </p:spTree>
+    <p:extLst>
+      <p:ext uri="{BB962C8B-B14F-4D97-AF65-F5344CB8AC3E}">
+        <p14:creationId xmlns:p14="http://schemas.microsoft.com/office/powerpoint/2010/main" val="1308447304"/>
+      </p:ext>
+    </p:extLst>
+  </p:cSld>
+  <p:clrMapOvr>
+    <a:masterClrMapping/>
+  </p:clrMapOvr>
+  <p:timing>
+    <p:tnLst>
+      <p:par>
+        <p:cTn id="1" dur="indefinite" restart="never" nodeType="tmRoot"/>
+      </p:par>
+    </p:tnLst>
+  </p:timing>
+</p:sld>
+</file>
+
 <file path=ppt/slides/slide4.xml><?xml version="1.0" encoding="utf-8"?>
 <p:sld xmlns:a="http://schemas.openxmlformats.org/drawingml/2006/main" xmlns:r="http://schemas.openxmlformats.org/officeDocument/2006/relationships" xmlns:p="http://schemas.openxmlformats.org/presentationml/2006/main">
   <p:cSld>
@@ -11188,86 +11106,6 @@
 </file>
 
 <file path=ppt/slides/slide40.xml><?xml version="1.0" encoding="utf-8"?>
-<p:sld xmlns:a="http://schemas.openxmlformats.org/drawingml/2006/main" xmlns:r="http://schemas.openxmlformats.org/officeDocument/2006/relationships" xmlns:p="http://schemas.openxmlformats.org/presentationml/2006/main">
-  <p:cSld>
-    <p:spTree>
-      <p:nvGrpSpPr>
-        <p:cNvPr id="1" name=""/>
-        <p:cNvGrpSpPr/>
-        <p:nvPr/>
-      </p:nvGrpSpPr>
-      <p:grpSpPr>
-        <a:xfrm>
-          <a:off x="0" y="0"/>
-          <a:ext cx="0" cy="0"/>
-          <a:chOff x="0" y="0"/>
-          <a:chExt cx="0" cy="0"/>
-        </a:xfrm>
-      </p:grpSpPr>
-      <p:sp>
-        <p:nvSpPr>
-          <p:cNvPr id="2" name="标题 1"/>
-          <p:cNvSpPr>
-            <a:spLocks noGrp="1"/>
-          </p:cNvSpPr>
-          <p:nvPr>
-            <p:ph type="title"/>
-          </p:nvPr>
-        </p:nvSpPr>
-        <p:spPr>
-          <a:xfrm>
-            <a:off x="3347864" y="3140968"/>
-            <a:ext cx="2448272" cy="566737"/>
-          </a:xfrm>
-        </p:spPr>
-        <p:style>
-          <a:lnRef idx="1">
-            <a:schemeClr val="accent4"/>
-          </a:lnRef>
-          <a:fillRef idx="3">
-            <a:schemeClr val="accent4"/>
-          </a:fillRef>
-          <a:effectRef idx="2">
-            <a:schemeClr val="accent4"/>
-          </a:effectRef>
-          <a:fontRef idx="minor">
-            <a:schemeClr val="lt1"/>
-          </a:fontRef>
-        </p:style>
-        <p:txBody>
-          <a:bodyPr/>
-          <a:lstStyle/>
-          <a:p>
-            <a:pPr algn="ctr"/>
-            <a:r>
-              <a:rPr lang="en-US" altLang="zh-CN" dirty="0" smtClean="0"/>
-              <a:t>XEDA</a:t>
-            </a:r>
-            <a:endParaRPr lang="zh-CN" altLang="en-US" dirty="0"/>
-          </a:p>
-        </p:txBody>
-      </p:sp>
-    </p:spTree>
-    <p:extLst>
-      <p:ext uri="{BB962C8B-B14F-4D97-AF65-F5344CB8AC3E}">
-        <p14:creationId xmlns:p14="http://schemas.microsoft.com/office/powerpoint/2010/main" val="1308447304"/>
-      </p:ext>
-    </p:extLst>
-  </p:cSld>
-  <p:clrMapOvr>
-    <a:masterClrMapping/>
-  </p:clrMapOvr>
-  <p:timing>
-    <p:tnLst>
-      <p:par>
-        <p:cTn id="1" dur="indefinite" restart="never" nodeType="tmRoot"/>
-      </p:par>
-    </p:tnLst>
-  </p:timing>
-</p:sld>
-</file>
-
-<file path=ppt/slides/slide41.xml><?xml version="1.0" encoding="utf-8"?>
 <p:sld xmlns:a="http://schemas.openxmlformats.org/drawingml/2006/main" xmlns:r="http://schemas.openxmlformats.org/officeDocument/2006/relationships" xmlns:p="http://schemas.openxmlformats.org/presentationml/2006/main">
   <p:cSld>
     <p:spTree>
@@ -11449,7 +11287,7 @@
 </p:sld>
 </file>
 
-<file path=ppt/slides/slide42.xml><?xml version="1.0" encoding="utf-8"?>
+<file path=ppt/slides/slide41.xml><?xml version="1.0" encoding="utf-8"?>
 <p:sld xmlns:a="http://schemas.openxmlformats.org/drawingml/2006/main" xmlns:r="http://schemas.openxmlformats.org/officeDocument/2006/relationships" xmlns:p="http://schemas.openxmlformats.org/presentationml/2006/main">
   <p:cSld>
     <p:spTree>
@@ -11552,7 +11390,7 @@
 </p:sld>
 </file>
 
-<file path=ppt/slides/slide43.xml><?xml version="1.0" encoding="utf-8"?>
+<file path=ppt/slides/slide42.xml><?xml version="1.0" encoding="utf-8"?>
 <p:sld xmlns:a="http://schemas.openxmlformats.org/drawingml/2006/main" xmlns:r="http://schemas.openxmlformats.org/officeDocument/2006/relationships" xmlns:p="http://schemas.openxmlformats.org/presentationml/2006/main">
   <p:cSld>
     <p:spTree>
@@ -11620,6 +11458,200 @@
         <p14:creationId xmlns:p14="http://schemas.microsoft.com/office/powerpoint/2010/main" val="217721397"/>
       </p:ext>
     </p:extLst>
+  </p:cSld>
+  <p:clrMapOvr>
+    <a:masterClrMapping/>
+  </p:clrMapOvr>
+  <p:timing>
+    <p:tnLst>
+      <p:par>
+        <p:cTn id="1" dur="indefinite" restart="never" nodeType="tmRoot"/>
+      </p:par>
+    </p:tnLst>
+  </p:timing>
+</p:sld>
+</file>
+
+<file path=ppt/slides/slide43.xml><?xml version="1.0" encoding="utf-8"?>
+<p:sld xmlns:a="http://schemas.openxmlformats.org/drawingml/2006/main" xmlns:r="http://schemas.openxmlformats.org/officeDocument/2006/relationships" xmlns:p="http://schemas.openxmlformats.org/presentationml/2006/main">
+  <p:cSld>
+    <p:spTree>
+      <p:nvGrpSpPr>
+        <p:cNvPr id="1" name=""/>
+        <p:cNvGrpSpPr/>
+        <p:nvPr/>
+      </p:nvGrpSpPr>
+      <p:grpSpPr>
+        <a:xfrm>
+          <a:off x="0" y="0"/>
+          <a:ext cx="0" cy="0"/>
+          <a:chOff x="0" y="0"/>
+          <a:chExt cx="0" cy="0"/>
+        </a:xfrm>
+      </p:grpSpPr>
+      <p:sp>
+        <p:nvSpPr>
+          <p:cNvPr id="51202" name="标题 1"/>
+          <p:cNvSpPr>
+            <a:spLocks noGrp="1"/>
+          </p:cNvSpPr>
+          <p:nvPr>
+            <p:ph type="title"/>
+          </p:nvPr>
+        </p:nvSpPr>
+        <p:spPr/>
+        <p:txBody>
+          <a:bodyPr/>
+          <a:lstStyle/>
+          <a:p>
+            <a:r>
+              <a:rPr lang="en-US" dirty="0" smtClean="0"/>
+              <a:t>X series </a:t>
+            </a:r>
+            <a:r>
+              <a:rPr lang="zh-CN" altLang="en-US" dirty="0" smtClean="0"/>
+              <a:t>资源</a:t>
+            </a:r>
+            <a:endParaRPr lang="en-US" dirty="0" smtClean="0"/>
+          </a:p>
+        </p:txBody>
+      </p:sp>
+      <p:sp>
+        <p:nvSpPr>
+          <p:cNvPr id="51203" name="内容占位符 2"/>
+          <p:cNvSpPr>
+            <a:spLocks noGrp="1"/>
+          </p:cNvSpPr>
+          <p:nvPr>
+            <p:ph idx="1"/>
+          </p:nvPr>
+        </p:nvSpPr>
+        <p:spPr/>
+        <p:txBody>
+          <a:bodyPr/>
+          <a:lstStyle/>
+          <a:p>
+            <a:r>
+              <a:rPr lang="zh-CN" altLang="en-US" dirty="0" smtClean="0"/>
+              <a:t>开源代码库</a:t>
+            </a:r>
+            <a:endParaRPr lang="en-US" dirty="0"/>
+          </a:p>
+          <a:p>
+            <a:pPr lvl="1"/>
+            <a:r>
+              <a:rPr lang="en-US" sz="1200" dirty="0">
+                <a:hlinkClick r:id="rId2"/>
+              </a:rPr>
+              <a:t>https://</a:t>
+            </a:r>
+            <a:r>
+              <a:rPr lang="en-US" sz="1200" dirty="0" smtClean="0">
+                <a:hlinkClick r:id="rId2"/>
+              </a:rPr>
+              <a:t>github.com/hejiehui/xross-tools-installer</a:t>
+            </a:r>
+            <a:endParaRPr lang="en-US" sz="1200" dirty="0" smtClean="0"/>
+          </a:p>
+          <a:p>
+            <a:r>
+              <a:rPr lang="zh-CN" altLang="en-US" dirty="0" smtClean="0"/>
+              <a:t>直播</a:t>
+            </a:r>
+            <a:endParaRPr lang="en-US" altLang="zh-CN" dirty="0" smtClean="0">
+              <a:hlinkClick r:id="rId3"/>
+            </a:endParaRPr>
+          </a:p>
+          <a:p>
+            <a:pPr lvl="1"/>
+            <a:r>
+              <a:rPr lang="zh-CN" altLang="en-US" sz="1200" dirty="0" smtClean="0">
+                <a:hlinkClick r:id="rId3"/>
+              </a:rPr>
+              <a:t>解锁</a:t>
+            </a:r>
+            <a:r>
+              <a:rPr lang="zh-CN" altLang="en-US" sz="1200" dirty="0">
+                <a:hlinkClick r:id="rId3"/>
+              </a:rPr>
+              <a:t>进入千万级代码系统的正确</a:t>
+            </a:r>
+            <a:r>
+              <a:rPr lang="zh-CN" altLang="en-US" sz="1200" dirty="0" smtClean="0">
+                <a:hlinkClick r:id="rId3"/>
+              </a:rPr>
+              <a:t>姿势</a:t>
+            </a:r>
+            <a:endParaRPr lang="en-US" altLang="zh-CN" sz="1200" dirty="0" smtClean="0"/>
+          </a:p>
+          <a:p>
+            <a:r>
+              <a:rPr lang="zh-CN" altLang="en-US" sz="1600" dirty="0" smtClean="0"/>
+              <a:t>设计思路详解</a:t>
+            </a:r>
+            <a:endParaRPr lang="en-US" altLang="zh-CN" sz="1600" dirty="0" smtClean="0"/>
+          </a:p>
+          <a:p>
+            <a:pPr lvl="1"/>
+            <a:r>
+              <a:rPr lang="zh-CN" altLang="en-US" sz="1200" dirty="0">
+                <a:hlinkClick r:id="rId4"/>
+              </a:rPr>
+              <a:t>提高系统开发效率的“银弹”</a:t>
+            </a:r>
+            <a:r>
+              <a:rPr lang="en-US" altLang="zh-CN" sz="1200" dirty="0">
+                <a:hlinkClick r:id="rId4"/>
+              </a:rPr>
+              <a:t>——X-series</a:t>
+            </a:r>
+            <a:r>
+              <a:rPr lang="zh-CN" altLang="en-US" sz="1200" dirty="0">
+                <a:hlinkClick r:id="rId4"/>
+              </a:rPr>
+              <a:t>可视化大规模应用开发工具</a:t>
+            </a:r>
+            <a:r>
+              <a:rPr lang="zh-CN" altLang="en-US" sz="1200" dirty="0" smtClean="0">
+                <a:hlinkClick r:id="rId4"/>
+              </a:rPr>
+              <a:t>集</a:t>
+            </a:r>
+            <a:endParaRPr lang="en-US" altLang="zh-CN" sz="1200" dirty="0" smtClean="0"/>
+          </a:p>
+          <a:p>
+            <a:r>
+              <a:rPr lang="zh-CN" altLang="en-US" sz="1600" dirty="0" smtClean="0"/>
+              <a:t>技术博客</a:t>
+            </a:r>
+            <a:endParaRPr lang="en-US" altLang="zh-CN" sz="1600" dirty="0" smtClean="0"/>
+          </a:p>
+          <a:p>
+            <a:pPr lvl="1"/>
+            <a:r>
+              <a:rPr lang="en-US" sz="1200" dirty="0">
+                <a:hlinkClick r:id="rId5"/>
+              </a:rPr>
+              <a:t>https://</a:t>
+            </a:r>
+            <a:r>
+              <a:rPr lang="en-US" sz="1200" dirty="0" smtClean="0">
+                <a:hlinkClick r:id="rId5"/>
+              </a:rPr>
+              <a:t>my.oschina.net/hejiehui/home</a:t>
+            </a:r>
+            <a:endParaRPr lang="en-US" sz="1200" dirty="0" smtClean="0"/>
+          </a:p>
+          <a:p>
+            <a:pPr lvl="1"/>
+            <a:endParaRPr lang="en-US" dirty="0" smtClean="0"/>
+          </a:p>
+          <a:p>
+            <a:endParaRPr lang="en-US" dirty="0" smtClean="0"/>
+          </a:p>
+        </p:txBody>
+      </p:sp>
+    </p:spTree>
   </p:cSld>
   <p:clrMapOvr>
     <a:masterClrMapping/>
@@ -11653,7 +11685,7 @@
       </p:grpSpPr>
       <p:sp>
         <p:nvSpPr>
-          <p:cNvPr id="51202" name="标题 1"/>
+          <p:cNvPr id="2" name="标题 1"/>
           <p:cNvSpPr>
             <a:spLocks noGrp="1"/>
           </p:cNvSpPr>
@@ -11667,20 +11699,20 @@
           <a:lstStyle/>
           <a:p>
             <a:r>
-              <a:rPr lang="en-US" dirty="0" smtClean="0"/>
-              <a:t>X series </a:t>
-            </a:r>
-            <a:r>
               <a:rPr lang="zh-CN" altLang="en-US" dirty="0" smtClean="0"/>
-              <a:t>资源</a:t>
-            </a:r>
-            <a:endParaRPr lang="en-US" dirty="0" smtClean="0"/>
-          </a:p>
-        </p:txBody>
-      </p:sp>
-      <p:sp>
-        <p:nvSpPr>
-          <p:cNvPr id="51203" name="内容占位符 2"/>
+              <a:t>支持</a:t>
+            </a:r>
+            <a:r>
+              <a:rPr lang="en-US" altLang="zh-CN" dirty="0" smtClean="0"/>
+              <a:t>C#</a:t>
+            </a:r>
+            <a:endParaRPr lang="zh-CN" altLang="en-US" dirty="0"/>
+          </a:p>
+        </p:txBody>
+      </p:sp>
+      <p:sp>
+        <p:nvSpPr>
+          <p:cNvPr id="3" name="内容占位符 2"/>
           <p:cNvSpPr>
             <a:spLocks noGrp="1"/>
           </p:cNvSpPr>
@@ -11694,126 +11726,96 @@
           <a:lstStyle/>
           <a:p>
             <a:r>
-              <a:rPr lang="zh-CN" altLang="en-US" dirty="0" smtClean="0"/>
-              <a:t>开源代码库</a:t>
-            </a:r>
-            <a:endParaRPr lang="en-US" dirty="0"/>
+              <a:rPr lang="en-US" altLang="zh-CN" dirty="0" err="1" smtClean="0"/>
+              <a:t>Xross</a:t>
+            </a:r>
+            <a:r>
+              <a:rPr lang="en-US" altLang="zh-CN" dirty="0" smtClean="0"/>
+              <a:t> unit C# runtime</a:t>
+            </a:r>
           </a:p>
           <a:p>
             <a:pPr lvl="1"/>
             <a:r>
-              <a:rPr lang="en-US" sz="1200" dirty="0">
+              <a:rPr lang="en-US" altLang="zh-CN" sz="1200" dirty="0" smtClean="0">
                 <a:hlinkClick r:id="rId2"/>
               </a:rPr>
-              <a:t>https://</a:t>
-            </a:r>
-            <a:r>
-              <a:rPr lang="en-US" sz="1200" dirty="0" smtClean="0">
+              <a:t>https</a:t>
+            </a:r>
+            <a:r>
+              <a:rPr lang="en-US" altLang="zh-CN" sz="1200" dirty="0">
                 <a:hlinkClick r:id="rId2"/>
               </a:rPr>
-              <a:t>github.com/hejiehui/xross-tools-installer</a:t>
-            </a:r>
-            <a:endParaRPr lang="en-US" sz="1200" dirty="0" smtClean="0"/>
-          </a:p>
-          <a:p>
-            <a:r>
-              <a:rPr lang="zh-CN" altLang="en-US" dirty="0" smtClean="0"/>
-              <a:t>直播</a:t>
-            </a:r>
-            <a:endParaRPr lang="en-US" altLang="zh-CN" dirty="0" smtClean="0">
-              <a:hlinkClick r:id="rId3"/>
-            </a:endParaRPr>
+              <a:t>://github.com/hejiehui/xUnit/blob/master/doc/xunit_c%23.zip</a:t>
+            </a:r>
+            <a:endParaRPr lang="en-US" altLang="zh-CN" sz="1200" dirty="0"/>
+          </a:p>
+          <a:p>
+            <a:r>
+              <a:rPr lang="en-US" altLang="zh-CN" dirty="0" err="1" smtClean="0"/>
+              <a:t>Xross</a:t>
+            </a:r>
+            <a:r>
+              <a:rPr lang="en-US" altLang="zh-CN" dirty="0" smtClean="0"/>
+              <a:t> State </a:t>
+            </a:r>
+            <a:r>
+              <a:rPr lang="en-US" altLang="zh-CN" dirty="0"/>
+              <a:t>C# runtime</a:t>
+            </a:r>
           </a:p>
           <a:p>
             <a:pPr lvl="1"/>
             <a:r>
-              <a:rPr lang="zh-CN" altLang="en-US" sz="1200" dirty="0" smtClean="0">
+              <a:rPr lang="en-US" altLang="zh-CN" sz="1200" dirty="0">
                 <a:hlinkClick r:id="rId3"/>
               </a:rPr>
-              <a:t>解锁</a:t>
-            </a:r>
-            <a:r>
-              <a:rPr lang="zh-CN" altLang="en-US" sz="1200" dirty="0">
-                <a:hlinkClick r:id="rId3"/>
-              </a:rPr>
-              <a:t>进入千万级代码系统的正确</a:t>
-            </a:r>
-            <a:r>
-              <a:rPr lang="zh-CN" altLang="en-US" sz="1200" dirty="0" smtClean="0">
-                <a:hlinkClick r:id="rId3"/>
-              </a:rPr>
-              <a:t>姿势</a:t>
-            </a:r>
-            <a:endParaRPr lang="en-US" altLang="zh-CN" sz="1200" dirty="0" smtClean="0"/>
-          </a:p>
-          <a:p>
-            <a:r>
-              <a:rPr lang="zh-CN" altLang="en-US" sz="1600" dirty="0" smtClean="0"/>
-              <a:t>设计思路详解</a:t>
-            </a:r>
-            <a:endParaRPr lang="en-US" altLang="zh-CN" sz="1600" dirty="0" smtClean="0"/>
+              <a:t>https://github.com/hejiehui/xState/blob/master/doc/xstate_c%23.zip</a:t>
+            </a:r>
+            <a:endParaRPr lang="en-US" altLang="zh-CN" sz="1200" dirty="0"/>
+          </a:p>
+          <a:p>
+            <a:r>
+              <a:rPr lang="en-US" altLang="zh-CN" dirty="0" err="1" smtClean="0"/>
+              <a:t>Xross</a:t>
+            </a:r>
+            <a:r>
+              <a:rPr lang="en-US" altLang="zh-CN" dirty="0" smtClean="0"/>
+              <a:t> Decision </a:t>
+            </a:r>
+            <a:r>
+              <a:rPr lang="en-US" altLang="zh-CN" dirty="0"/>
+              <a:t>C# runtime</a:t>
+            </a:r>
           </a:p>
           <a:p>
             <a:pPr lvl="1"/>
-            <a:r>
-              <a:rPr lang="zh-CN" altLang="en-US" sz="1200" dirty="0">
-                <a:hlinkClick r:id="rId4"/>
-              </a:rPr>
-              <a:t>提高系统开发效率的“银弹”</a:t>
-            </a:r>
             <a:r>
               <a:rPr lang="en-US" altLang="zh-CN" sz="1200" dirty="0">
                 <a:hlinkClick r:id="rId4"/>
               </a:rPr>
-              <a:t>——X-series</a:t>
-            </a:r>
-            <a:r>
-              <a:rPr lang="zh-CN" altLang="en-US" sz="1200" dirty="0">
-                <a:hlinkClick r:id="rId4"/>
-              </a:rPr>
-              <a:t>可视化大规模应用开发工具</a:t>
-            </a:r>
-            <a:r>
-              <a:rPr lang="zh-CN" altLang="en-US" sz="1200" dirty="0" smtClean="0">
-                <a:hlinkClick r:id="rId4"/>
-              </a:rPr>
-              <a:t>集</a:t>
-            </a:r>
-            <a:endParaRPr lang="en-US" altLang="zh-CN" sz="1200" dirty="0" smtClean="0"/>
-          </a:p>
-          <a:p>
-            <a:r>
-              <a:rPr lang="zh-CN" altLang="en-US" sz="1600" dirty="0" smtClean="0"/>
-              <a:t>技术博客</a:t>
-            </a:r>
-            <a:endParaRPr lang="en-US" altLang="zh-CN" sz="1600" dirty="0" smtClean="0"/>
+              <a:t>https://github.com/hejiehui/xDecision/blob/master/doc/xdecision_c%23.zip</a:t>
+            </a:r>
+            <a:endParaRPr lang="en-US" altLang="zh-CN" sz="1200" dirty="0"/>
           </a:p>
           <a:p>
             <a:pPr lvl="1"/>
-            <a:r>
-              <a:rPr lang="en-US" sz="1200" dirty="0">
-                <a:hlinkClick r:id="rId5"/>
-              </a:rPr>
-              <a:t>https://</a:t>
-            </a:r>
-            <a:r>
-              <a:rPr lang="en-US" sz="1200" dirty="0" smtClean="0">
-                <a:hlinkClick r:id="rId5"/>
-              </a:rPr>
-              <a:t>my.oschina.net/hejiehui/home</a:t>
-            </a:r>
-            <a:endParaRPr lang="en-US" sz="1200" dirty="0" smtClean="0"/>
-          </a:p>
-          <a:p>
-            <a:pPr lvl="1"/>
-            <a:endParaRPr lang="en-US" dirty="0" smtClean="0"/>
-          </a:p>
-          <a:p>
-            <a:endParaRPr lang="en-US" dirty="0" smtClean="0"/>
+            <a:endParaRPr lang="en-US" altLang="zh-CN" dirty="0" smtClean="0"/>
+          </a:p>
+          <a:p>
+            <a:pPr marL="87313" lvl="1" indent="0">
+              <a:buNone/>
+            </a:pPr>
+            <a:endParaRPr lang="zh-CN" altLang="en-US" dirty="0"/>
           </a:p>
         </p:txBody>
       </p:sp>
     </p:spTree>
+    <p:extLst>
+      <p:ext uri="{BB962C8B-B14F-4D97-AF65-F5344CB8AC3E}">
+        <p14:creationId xmlns:p14="http://schemas.microsoft.com/office/powerpoint/2010/main" val="444055674"/>
+      </p:ext>
+    </p:extLst>
   </p:cSld>
   <p:clrMapOvr>
     <a:masterClrMapping/>
@@ -11861,170 +11863,6 @@
           <a:lstStyle/>
           <a:p>
             <a:r>
-              <a:rPr lang="zh-CN" altLang="en-US" dirty="0" smtClean="0"/>
-              <a:t>支持</a:t>
-            </a:r>
-            <a:r>
-              <a:rPr lang="en-US" altLang="zh-CN" dirty="0" smtClean="0"/>
-              <a:t>C#</a:t>
-            </a:r>
-            <a:endParaRPr lang="zh-CN" altLang="en-US" dirty="0"/>
-          </a:p>
-        </p:txBody>
-      </p:sp>
-      <p:sp>
-        <p:nvSpPr>
-          <p:cNvPr id="3" name="内容占位符 2"/>
-          <p:cNvSpPr>
-            <a:spLocks noGrp="1"/>
-          </p:cNvSpPr>
-          <p:nvPr>
-            <p:ph idx="1"/>
-          </p:nvPr>
-        </p:nvSpPr>
-        <p:spPr/>
-        <p:txBody>
-          <a:bodyPr/>
-          <a:lstStyle/>
-          <a:p>
-            <a:r>
-              <a:rPr lang="en-US" altLang="zh-CN" dirty="0" err="1" smtClean="0"/>
-              <a:t>Xross</a:t>
-            </a:r>
-            <a:r>
-              <a:rPr lang="en-US" altLang="zh-CN" dirty="0" smtClean="0"/>
-              <a:t> unit C# runtime</a:t>
-            </a:r>
-          </a:p>
-          <a:p>
-            <a:pPr lvl="1"/>
-            <a:r>
-              <a:rPr lang="en-US" altLang="zh-CN" sz="1200" dirty="0" smtClean="0">
-                <a:hlinkClick r:id="rId2"/>
-              </a:rPr>
-              <a:t>https</a:t>
-            </a:r>
-            <a:r>
-              <a:rPr lang="en-US" altLang="zh-CN" sz="1200" dirty="0">
-                <a:hlinkClick r:id="rId2"/>
-              </a:rPr>
-              <a:t>://github.com/hejiehui/xUnit/blob/master/doc/xunit_c%23.zip</a:t>
-            </a:r>
-            <a:endParaRPr lang="en-US" altLang="zh-CN" sz="1200" dirty="0"/>
-          </a:p>
-          <a:p>
-            <a:r>
-              <a:rPr lang="en-US" altLang="zh-CN" dirty="0" err="1" smtClean="0"/>
-              <a:t>Xross</a:t>
-            </a:r>
-            <a:r>
-              <a:rPr lang="en-US" altLang="zh-CN" dirty="0" smtClean="0"/>
-              <a:t> State </a:t>
-            </a:r>
-            <a:r>
-              <a:rPr lang="en-US" altLang="zh-CN" dirty="0"/>
-              <a:t>C# runtime</a:t>
-            </a:r>
-          </a:p>
-          <a:p>
-            <a:pPr lvl="1"/>
-            <a:r>
-              <a:rPr lang="en-US" altLang="zh-CN" sz="1200" dirty="0">
-                <a:hlinkClick r:id="rId3"/>
-              </a:rPr>
-              <a:t>https://github.com/hejiehui/xState/blob/master/doc/xstate_c%23.zip</a:t>
-            </a:r>
-            <a:endParaRPr lang="en-US" altLang="zh-CN" sz="1200" dirty="0"/>
-          </a:p>
-          <a:p>
-            <a:r>
-              <a:rPr lang="en-US" altLang="zh-CN" dirty="0" err="1" smtClean="0"/>
-              <a:t>Xross</a:t>
-            </a:r>
-            <a:r>
-              <a:rPr lang="en-US" altLang="zh-CN" dirty="0" smtClean="0"/>
-              <a:t> Decision </a:t>
-            </a:r>
-            <a:r>
-              <a:rPr lang="en-US" altLang="zh-CN" dirty="0"/>
-              <a:t>C# runtime</a:t>
-            </a:r>
-          </a:p>
-          <a:p>
-            <a:pPr lvl="1"/>
-            <a:r>
-              <a:rPr lang="en-US" altLang="zh-CN" sz="1200" dirty="0">
-                <a:hlinkClick r:id="rId4"/>
-              </a:rPr>
-              <a:t>https://github.com/hejiehui/xDecision/blob/master/doc/xdecision_c%23.zip</a:t>
-            </a:r>
-            <a:endParaRPr lang="en-US" altLang="zh-CN" sz="1200" dirty="0"/>
-          </a:p>
-          <a:p>
-            <a:pPr lvl="1"/>
-            <a:endParaRPr lang="en-US" altLang="zh-CN" dirty="0" smtClean="0"/>
-          </a:p>
-          <a:p>
-            <a:pPr marL="87313" lvl="1" indent="0">
-              <a:buNone/>
-            </a:pPr>
-            <a:endParaRPr lang="zh-CN" altLang="en-US" dirty="0"/>
-          </a:p>
-        </p:txBody>
-      </p:sp>
-    </p:spTree>
-    <p:extLst>
-      <p:ext uri="{BB962C8B-B14F-4D97-AF65-F5344CB8AC3E}">
-        <p14:creationId xmlns:p14="http://schemas.microsoft.com/office/powerpoint/2010/main" val="444055674"/>
-      </p:ext>
-    </p:extLst>
-  </p:cSld>
-  <p:clrMapOvr>
-    <a:masterClrMapping/>
-  </p:clrMapOvr>
-  <p:timing>
-    <p:tnLst>
-      <p:par>
-        <p:cTn id="1" dur="indefinite" restart="never" nodeType="tmRoot"/>
-      </p:par>
-    </p:tnLst>
-  </p:timing>
-</p:sld>
-</file>
-
-<file path=ppt/slides/slide46.xml><?xml version="1.0" encoding="utf-8"?>
-<p:sld xmlns:a="http://schemas.openxmlformats.org/drawingml/2006/main" xmlns:r="http://schemas.openxmlformats.org/officeDocument/2006/relationships" xmlns:p="http://schemas.openxmlformats.org/presentationml/2006/main">
-  <p:cSld>
-    <p:spTree>
-      <p:nvGrpSpPr>
-        <p:cNvPr id="1" name=""/>
-        <p:cNvGrpSpPr/>
-        <p:nvPr/>
-      </p:nvGrpSpPr>
-      <p:grpSpPr>
-        <a:xfrm>
-          <a:off x="0" y="0"/>
-          <a:ext cx="0" cy="0"/>
-          <a:chOff x="0" y="0"/>
-          <a:chExt cx="0" cy="0"/>
-        </a:xfrm>
-      </p:grpSpPr>
-      <p:sp>
-        <p:nvSpPr>
-          <p:cNvPr id="2" name="标题 1"/>
-          <p:cNvSpPr>
-            <a:spLocks noGrp="1"/>
-          </p:cNvSpPr>
-          <p:nvPr>
-            <p:ph type="title"/>
-          </p:nvPr>
-        </p:nvSpPr>
-        <p:spPr/>
-        <p:txBody>
-          <a:bodyPr/>
-          <a:lstStyle/>
-          <a:p>
-            <a:r>
               <a:rPr lang="en-US" altLang="zh-CN" dirty="0" smtClean="0"/>
               <a:t>Before The End</a:t>
             </a:r>
@@ -12119,7 +11957,7 @@
 </p:sld>
 </file>
 
-<file path=ppt/slides/slide47.xml><?xml version="1.0" encoding="utf-8"?>
+<file path=ppt/slides/slide46.xml><?xml version="1.0" encoding="utf-8"?>
 <p:sld xmlns:a="http://schemas.openxmlformats.org/drawingml/2006/main" xmlns:r="http://schemas.openxmlformats.org/officeDocument/2006/relationships" xmlns:p="http://schemas.openxmlformats.org/presentationml/2006/main">
   <p:cSld>
     <p:spTree>

--- a/doc/X-series V2.pptx
+++ b/doc/X-series V2.pptx
@@ -5312,7 +5312,15 @@
           <a:p>
             <a:pPr lvl="1"/>
             <a:r>
-              <a:rPr lang="zh-CN" altLang="en-US" dirty="0" smtClean="0"/>
+              <a:rPr lang="zh-CN" altLang="en-US" dirty="0"/>
+              <a:t>极速开发体验</a:t>
+            </a:r>
+            <a:endParaRPr lang="en-US" altLang="zh-CN"/>
+          </a:p>
+          <a:p>
+            <a:pPr lvl="1"/>
+            <a:r>
+              <a:rPr lang="zh-CN" altLang="en-US" smtClean="0"/>
               <a:t>减少</a:t>
             </a:r>
             <a:r>
@@ -5392,7 +5400,11 @@
             <a:pPr lvl="1"/>
             <a:r>
               <a:rPr lang="zh-CN" altLang="en-US" dirty="0" smtClean="0"/>
-              <a:t>直击问题核心，</a:t>
+              <a:t>直</a:t>
+            </a:r>
+            <a:r>
+              <a:rPr lang="zh-CN" altLang="en-US" dirty="0" smtClean="0"/>
+              <a:t>击问题核心，</a:t>
             </a:r>
             <a:r>
               <a:rPr lang="zh-CN" altLang="en-US" dirty="0"/>
@@ -12500,6 +12512,16 @@
               <a:rPr lang="en-US" altLang="zh-CN" dirty="0"/>
               <a:t>“Any intelligent fool can make things bigger and more complex… It takes a touch of genius - and a lot of courage to move in the opposite direction” -- Albert Einstein</a:t>
             </a:r>
+          </a:p>
+          <a:p>
+            <a:pPr marL="87313" indent="0" algn="ctr">
+              <a:buNone/>
+            </a:pPr>
+            <a:r>
+              <a:rPr lang="zh-CN" altLang="en-US" dirty="0" smtClean="0"/>
+              <a:t>世界上最远的距离是想法到现实的距离</a:t>
+            </a:r>
+            <a:endParaRPr lang="en-US" altLang="zh-CN" dirty="0"/>
           </a:p>
           <a:p>
             <a:endParaRPr lang="en-US" dirty="0"/>
